--- a/Presentations/Remaja_template.pptx
+++ b/Presentations/Remaja_template.pptx
@@ -19,6 +19,11 @@
       <p:bold r:id="rId5"/>
       <p:italic r:id="rId6"/>
       <p:boldItalic r:id="rId7"/>
+    </p:embeddedFont>
+    <p:embeddedFont>
+      <p:font typeface="Lato Light" panose="020F0302020204030204" pitchFamily="34" charset="0"/>
+      <p:regular r:id="rId8"/>
+      <p:italic r:id="rId9"/>
     </p:embeddedFont>
   </p:embeddedFontLst>
   <p:defaultTextStyle>
@@ -990,11 +995,44 @@
 </file>
 
 <file path=ppt/slideLayouts/slideLayout10.xml><?xml version="1.0" encoding="utf-8"?>
-<p:sldLayout xmlns:a="http://schemas.openxmlformats.org/drawingml/2006/main" xmlns:r="http://schemas.openxmlformats.org/officeDocument/2006/relationships" xmlns:p="http://schemas.openxmlformats.org/presentationml/2006/main" matchingName="Content with Caption" type="objTx">
-  <p:cSld name="OBJECT_WITH_CAPTION_TEXT">
+<p:sldLayout xmlns:a="http://schemas.openxmlformats.org/drawingml/2006/main" xmlns:r="http://schemas.openxmlformats.org/officeDocument/2006/relationships" xmlns:p="http://schemas.openxmlformats.org/presentationml/2006/main" matchingName="Comparison" userDrawn="1">
+  <p:cSld name="TWO_OBJECTS_WITH_TEXT">
     <p:spTree>
       <p:nvGrpSpPr>
-        <p:cNvPr id="1" name="Shape 54"/>
+        <p:cNvPr id="1" name="Shape 40"/>
+        <p:cNvGrpSpPr/>
+        <p:nvPr/>
+      </p:nvGrpSpPr>
+      <p:grpSpPr>
+        <a:xfrm>
+          <a:off x="0" y="0"/>
+          <a:ext cx="0" cy="0"/>
+          <a:chOff x="0" y="0"/>
+          <a:chExt cx="0" cy="0"/>
+        </a:xfrm>
+      </p:grpSpPr>
+    </p:spTree>
+  </p:cSld>
+  <p:clrMapOvr>
+    <a:masterClrMapping/>
+  </p:clrMapOvr>
+</p:sldLayout>
+</file>
+
+<file path=ppt/slideLayouts/slideLayout11.xml><?xml version="1.0" encoding="utf-8"?>
+<p:sldLayout xmlns:a="http://schemas.openxmlformats.org/drawingml/2006/main" xmlns:r="http://schemas.openxmlformats.org/officeDocument/2006/relationships" xmlns:p="http://schemas.openxmlformats.org/presentationml/2006/main" matchingName="Blank" preserve="1" userDrawn="1">
+  <p:cSld name="1_Blank">
+    <p:bg>
+      <p:bgPr>
+        <a:solidFill>
+          <a:srgbClr val="EBE6FF"/>
+        </a:solidFill>
+        <a:effectLst/>
+      </p:bgPr>
+    </p:bg>
+    <p:spTree>
+      <p:nvGrpSpPr>
+        <p:cNvPr id="1" name="Shape 11"/>
         <p:cNvGrpSpPr/>
         <p:nvPr/>
       </p:nvGrpSpPr>
@@ -1008,8 +1046,14 @@
       </p:grpSpPr>
       <p:sp>
         <p:nvSpPr>
-          <p:cNvPr id="55" name="Google Shape;55;p9"/>
-          <p:cNvSpPr txBox="1">
+          <p:cNvPr id="4" name="Title 3">
+            <a:extLst>
+              <a:ext uri="{FF2B5EF4-FFF2-40B4-BE49-F238E27FC236}">
+                <a16:creationId xmlns:a16="http://schemas.microsoft.com/office/drawing/2014/main" id="{A3CE34C6-C56E-8E17-F327-5087BBE17CF5}"/>
+              </a:ext>
+            </a:extLst>
+          </p:cNvPr>
+          <p:cNvSpPr>
             <a:spLocks noGrp="1"/>
           </p:cNvSpPr>
           <p:nvPr>
@@ -1018,8 +1062,729 @@
         </p:nvSpPr>
         <p:spPr>
           <a:xfrm>
-            <a:off x="839788" y="457200"/>
-            <a:ext cx="3932237" cy="1600200"/>
+            <a:off x="348996" y="329470"/>
+            <a:ext cx="11494008" cy="649224"/>
+          </a:xfrm>
+        </p:spPr>
+        <p:txBody>
+          <a:bodyPr/>
+          <a:lstStyle>
+            <a:lvl1pPr algn="ctr">
+              <a:defRPr sz="3600">
+                <a:solidFill>
+                  <a:srgbClr val="8643A9"/>
+                </a:solidFill>
+                <a:latin typeface="Arial" panose="020B0604020202020204" pitchFamily="34" charset="0"/>
+                <a:cs typeface="Arial" panose="020B0604020202020204" pitchFamily="34" charset="0"/>
+              </a:defRPr>
+            </a:lvl1pPr>
+          </a:lstStyle>
+          <a:p>
+            <a:r>
+              <a:rPr lang="en-US" dirty="0"/>
+              <a:t>Click to edit Master title style</a:t>
+            </a:r>
+          </a:p>
+        </p:txBody>
+      </p:sp>
+      <p:sp>
+        <p:nvSpPr>
+          <p:cNvPr id="2" name="TextBox 1">
+            <a:extLst>
+              <a:ext uri="{FF2B5EF4-FFF2-40B4-BE49-F238E27FC236}">
+                <a16:creationId xmlns:a16="http://schemas.microsoft.com/office/drawing/2014/main" id="{15128349-EDC6-A4A0-8CCE-E4571CCE4BDA}"/>
+              </a:ext>
+            </a:extLst>
+          </p:cNvPr>
+          <p:cNvSpPr txBox="1"/>
+          <p:nvPr userDrawn="1"/>
+        </p:nvSpPr>
+        <p:spPr>
+          <a:xfrm>
+            <a:off x="927652" y="1052391"/>
+            <a:ext cx="10336696" cy="5476139"/>
+          </a:xfrm>
+          <a:prstGeom prst="rect">
+            <a:avLst/>
+          </a:prstGeom>
+          <a:noFill/>
+        </p:spPr>
+        <p:txBody>
+          <a:bodyPr wrap="square">
+            <a:spAutoFit/>
+          </a:bodyPr>
+          <a:lstStyle/>
+          <a:p>
+            <a:r>
+              <a:rPr lang="en-US" sz="3200" dirty="0" err="1">
+                <a:latin typeface="Lato" panose="020F0502020204030203" pitchFamily="34" charset="0"/>
+                <a:ea typeface="Lato" panose="020F0502020204030203" pitchFamily="34" charset="0"/>
+                <a:cs typeface="Lato" panose="020F0502020204030203" pitchFamily="34" charset="0"/>
+              </a:rPr>
+              <a:t>Selamat</a:t>
+            </a:r>
+            <a:r>
+              <a:rPr lang="en-US" sz="3200" dirty="0">
+                <a:latin typeface="Lato" panose="020F0502020204030203" pitchFamily="34" charset="0"/>
+                <a:ea typeface="Lato" panose="020F0502020204030203" pitchFamily="34" charset="0"/>
+                <a:cs typeface="Lato" panose="020F0502020204030203" pitchFamily="34" charset="0"/>
+              </a:rPr>
+              <a:t> </a:t>
+            </a:r>
+            <a:r>
+              <a:rPr lang="en-US" sz="3200" dirty="0" err="1">
+                <a:latin typeface="Lato" panose="020F0502020204030203" pitchFamily="34" charset="0"/>
+                <a:ea typeface="Lato" panose="020F0502020204030203" pitchFamily="34" charset="0"/>
+                <a:cs typeface="Lato" panose="020F0502020204030203" pitchFamily="34" charset="0"/>
+              </a:rPr>
+              <a:t>ulang</a:t>
+            </a:r>
+            <a:r>
+              <a:rPr lang="en-US" sz="3200" dirty="0">
+                <a:latin typeface="Lato" panose="020F0502020204030203" pitchFamily="34" charset="0"/>
+                <a:ea typeface="Lato" panose="020F0502020204030203" pitchFamily="34" charset="0"/>
+                <a:cs typeface="Lato" panose="020F0502020204030203" pitchFamily="34" charset="0"/>
+              </a:rPr>
+              <a:t> </a:t>
+            </a:r>
+            <a:r>
+              <a:rPr lang="en-US" sz="3200" dirty="0" err="1">
+                <a:latin typeface="Lato" panose="020F0502020204030203" pitchFamily="34" charset="0"/>
+                <a:ea typeface="Lato" panose="020F0502020204030203" pitchFamily="34" charset="0"/>
+                <a:cs typeface="Lato" panose="020F0502020204030203" pitchFamily="34" charset="0"/>
+              </a:rPr>
+              <a:t>tahun</a:t>
+            </a:r>
+            <a:r>
+              <a:rPr lang="en-US" sz="3200" dirty="0">
+                <a:latin typeface="Lato" panose="020F0502020204030203" pitchFamily="34" charset="0"/>
+                <a:ea typeface="Lato" panose="020F0502020204030203" pitchFamily="34" charset="0"/>
+                <a:cs typeface="Lato" panose="020F0502020204030203" pitchFamily="34" charset="0"/>
+              </a:rPr>
+              <a:t>,</a:t>
+            </a:r>
+          </a:p>
+          <a:p>
+            <a:r>
+              <a:rPr lang="en-US" sz="3200" dirty="0">
+                <a:latin typeface="Lato" panose="020F0502020204030203" pitchFamily="34" charset="0"/>
+                <a:ea typeface="Lato" panose="020F0502020204030203" pitchFamily="34" charset="0"/>
+                <a:cs typeface="Lato" panose="020F0502020204030203" pitchFamily="34" charset="0"/>
+              </a:rPr>
+              <a:t>Kami </a:t>
+            </a:r>
+            <a:r>
+              <a:rPr lang="en-US" sz="3200" dirty="0" err="1">
+                <a:latin typeface="Lato" panose="020F0502020204030203" pitchFamily="34" charset="0"/>
+                <a:ea typeface="Lato" panose="020F0502020204030203" pitchFamily="34" charset="0"/>
+                <a:cs typeface="Lato" panose="020F0502020204030203" pitchFamily="34" charset="0"/>
+              </a:rPr>
+              <a:t>ucapkan</a:t>
+            </a:r>
+            <a:r>
+              <a:rPr lang="en-US" sz="3200" dirty="0">
+                <a:latin typeface="Lato" panose="020F0502020204030203" pitchFamily="34" charset="0"/>
+                <a:ea typeface="Lato" panose="020F0502020204030203" pitchFamily="34" charset="0"/>
+                <a:cs typeface="Lato" panose="020F0502020204030203" pitchFamily="34" charset="0"/>
+              </a:rPr>
+              <a:t> </a:t>
+            </a:r>
+            <a:r>
+              <a:rPr lang="en-US" sz="3200" dirty="0" err="1">
+                <a:latin typeface="Lato" panose="020F0502020204030203" pitchFamily="34" charset="0"/>
+                <a:ea typeface="Lato" panose="020F0502020204030203" pitchFamily="34" charset="0"/>
+                <a:cs typeface="Lato" panose="020F0502020204030203" pitchFamily="34" charset="0"/>
+              </a:rPr>
+              <a:t>padamu</a:t>
+            </a:r>
+            <a:r>
+              <a:rPr lang="en-US" sz="3200" dirty="0">
+                <a:latin typeface="Lato" panose="020F0502020204030203" pitchFamily="34" charset="0"/>
+                <a:ea typeface="Lato" panose="020F0502020204030203" pitchFamily="34" charset="0"/>
+                <a:cs typeface="Lato" panose="020F0502020204030203" pitchFamily="34" charset="0"/>
+              </a:rPr>
+              <a:t>.</a:t>
+            </a:r>
+          </a:p>
+          <a:p>
+            <a:r>
+              <a:rPr lang="en-US" sz="3200" dirty="0" err="1">
+                <a:latin typeface="Lato" panose="020F0502020204030203" pitchFamily="34" charset="0"/>
+                <a:ea typeface="Lato" panose="020F0502020204030203" pitchFamily="34" charset="0"/>
+                <a:cs typeface="Lato" panose="020F0502020204030203" pitchFamily="34" charset="0"/>
+              </a:rPr>
+              <a:t>Selamat</a:t>
+            </a:r>
+            <a:r>
+              <a:rPr lang="en-US" sz="3200" dirty="0">
+                <a:latin typeface="Lato" panose="020F0502020204030203" pitchFamily="34" charset="0"/>
+                <a:ea typeface="Lato" panose="020F0502020204030203" pitchFamily="34" charset="0"/>
+                <a:cs typeface="Lato" panose="020F0502020204030203" pitchFamily="34" charset="0"/>
+              </a:rPr>
+              <a:t> </a:t>
+            </a:r>
+            <a:r>
+              <a:rPr lang="en-US" sz="3200" dirty="0" err="1">
+                <a:latin typeface="Lato" panose="020F0502020204030203" pitchFamily="34" charset="0"/>
+                <a:ea typeface="Lato" panose="020F0502020204030203" pitchFamily="34" charset="0"/>
+                <a:cs typeface="Lato" panose="020F0502020204030203" pitchFamily="34" charset="0"/>
+              </a:rPr>
+              <a:t>hari</a:t>
+            </a:r>
+            <a:r>
+              <a:rPr lang="en-US" sz="3200" dirty="0">
+                <a:latin typeface="Lato" panose="020F0502020204030203" pitchFamily="34" charset="0"/>
+                <a:ea typeface="Lato" panose="020F0502020204030203" pitchFamily="34" charset="0"/>
+                <a:cs typeface="Lato" panose="020F0502020204030203" pitchFamily="34" charset="0"/>
+              </a:rPr>
+              <a:t> </a:t>
+            </a:r>
+            <a:r>
+              <a:rPr lang="en-US" sz="3200" dirty="0" err="1">
+                <a:latin typeface="Lato" panose="020F0502020204030203" pitchFamily="34" charset="0"/>
+                <a:ea typeface="Lato" panose="020F0502020204030203" pitchFamily="34" charset="0"/>
+                <a:cs typeface="Lato" panose="020F0502020204030203" pitchFamily="34" charset="0"/>
+              </a:rPr>
+              <a:t>jadi</a:t>
+            </a:r>
+            <a:r>
+              <a:rPr lang="en-US" sz="3200" dirty="0">
+                <a:latin typeface="Lato" panose="020F0502020204030203" pitchFamily="34" charset="0"/>
+                <a:ea typeface="Lato" panose="020F0502020204030203" pitchFamily="34" charset="0"/>
+                <a:cs typeface="Lato" panose="020F0502020204030203" pitchFamily="34" charset="0"/>
+              </a:rPr>
+              <a:t>, </a:t>
+            </a:r>
+          </a:p>
+          <a:p>
+            <a:r>
+              <a:rPr lang="en-US" sz="3200" dirty="0" err="1">
+                <a:latin typeface="Lato" panose="020F0502020204030203" pitchFamily="34" charset="0"/>
+                <a:ea typeface="Lato" panose="020F0502020204030203" pitchFamily="34" charset="0"/>
+                <a:cs typeface="Lato" panose="020F0502020204030203" pitchFamily="34" charset="0"/>
+              </a:rPr>
+              <a:t>Tuhan</a:t>
+            </a:r>
+            <a:r>
+              <a:rPr lang="en-US" sz="3200" dirty="0">
+                <a:latin typeface="Lato" panose="020F0502020204030203" pitchFamily="34" charset="0"/>
+                <a:ea typeface="Lato" panose="020F0502020204030203" pitchFamily="34" charset="0"/>
+                <a:cs typeface="Lato" panose="020F0502020204030203" pitchFamily="34" charset="0"/>
+              </a:rPr>
+              <a:t> </a:t>
+            </a:r>
+            <a:r>
+              <a:rPr lang="en-US" sz="3200" dirty="0" err="1">
+                <a:latin typeface="Lato" panose="020F0502020204030203" pitchFamily="34" charset="0"/>
+                <a:ea typeface="Lato" panose="020F0502020204030203" pitchFamily="34" charset="0"/>
+                <a:cs typeface="Lato" panose="020F0502020204030203" pitchFamily="34" charset="0"/>
+              </a:rPr>
+              <a:t>Yesus</a:t>
+            </a:r>
+            <a:r>
+              <a:rPr lang="en-US" sz="3200" dirty="0">
+                <a:latin typeface="Lato" panose="020F0502020204030203" pitchFamily="34" charset="0"/>
+                <a:ea typeface="Lato" panose="020F0502020204030203" pitchFamily="34" charset="0"/>
+                <a:cs typeface="Lato" panose="020F0502020204030203" pitchFamily="34" charset="0"/>
+              </a:rPr>
+              <a:t> </a:t>
+            </a:r>
+            <a:r>
+              <a:rPr lang="en-US" sz="3200" dirty="0" err="1">
+                <a:latin typeface="Lato" panose="020F0502020204030203" pitchFamily="34" charset="0"/>
+                <a:ea typeface="Lato" panose="020F0502020204030203" pitchFamily="34" charset="0"/>
+                <a:cs typeface="Lato" panose="020F0502020204030203" pitchFamily="34" charset="0"/>
+              </a:rPr>
+              <a:t>memberkati</a:t>
+            </a:r>
+            <a:r>
+              <a:rPr lang="en-US" sz="3200" dirty="0">
+                <a:latin typeface="Lato" panose="020F0502020204030203" pitchFamily="34" charset="0"/>
+                <a:ea typeface="Lato" panose="020F0502020204030203" pitchFamily="34" charset="0"/>
+                <a:cs typeface="Lato" panose="020F0502020204030203" pitchFamily="34" charset="0"/>
+              </a:rPr>
+              <a:t>.</a:t>
+            </a:r>
+          </a:p>
+          <a:p>
+            <a:endParaRPr lang="en-US" sz="3200" dirty="0">
+              <a:latin typeface="Lato" panose="020F0502020204030203" pitchFamily="34" charset="0"/>
+              <a:ea typeface="Lato" panose="020F0502020204030203" pitchFamily="34" charset="0"/>
+              <a:cs typeface="Lato" panose="020F0502020204030203" pitchFamily="34" charset="0"/>
+            </a:endParaRPr>
+          </a:p>
+          <a:p>
+            <a:r>
+              <a:rPr lang="en-US" sz="3200" dirty="0">
+                <a:latin typeface="Lato" panose="020F0502020204030203" pitchFamily="34" charset="0"/>
+                <a:ea typeface="Lato" panose="020F0502020204030203" pitchFamily="34" charset="0"/>
+                <a:cs typeface="Lato" panose="020F0502020204030203" pitchFamily="34" charset="0"/>
+              </a:rPr>
+              <a:t>Kami </a:t>
+            </a:r>
+            <a:r>
+              <a:rPr lang="en-US" sz="3200" dirty="0" err="1">
+                <a:latin typeface="Lato" panose="020F0502020204030203" pitchFamily="34" charset="0"/>
+                <a:ea typeface="Lato" panose="020F0502020204030203" pitchFamily="34" charset="0"/>
+                <a:cs typeface="Lato" panose="020F0502020204030203" pitchFamily="34" charset="0"/>
+              </a:rPr>
+              <a:t>s'lalu</a:t>
+            </a:r>
+            <a:r>
+              <a:rPr lang="en-US" sz="3200" dirty="0">
+                <a:latin typeface="Lato" panose="020F0502020204030203" pitchFamily="34" charset="0"/>
+                <a:ea typeface="Lato" panose="020F0502020204030203" pitchFamily="34" charset="0"/>
+                <a:cs typeface="Lato" panose="020F0502020204030203" pitchFamily="34" charset="0"/>
+              </a:rPr>
+              <a:t> </a:t>
+            </a:r>
+            <a:r>
+              <a:rPr lang="en-US" sz="3200" dirty="0" err="1">
+                <a:latin typeface="Lato" panose="020F0502020204030203" pitchFamily="34" charset="0"/>
+                <a:ea typeface="Lato" panose="020F0502020204030203" pitchFamily="34" charset="0"/>
+                <a:cs typeface="Lato" panose="020F0502020204030203" pitchFamily="34" charset="0"/>
+              </a:rPr>
+              <a:t>berdoa</a:t>
+            </a:r>
+            <a:endParaRPr lang="en-US" sz="3200" dirty="0">
+              <a:latin typeface="Lato" panose="020F0502020204030203" pitchFamily="34" charset="0"/>
+              <a:ea typeface="Lato" panose="020F0502020204030203" pitchFamily="34" charset="0"/>
+              <a:cs typeface="Lato" panose="020F0502020204030203" pitchFamily="34" charset="0"/>
+            </a:endParaRPr>
+          </a:p>
+          <a:p>
+            <a:r>
+              <a:rPr lang="en-US" sz="3200" dirty="0">
+                <a:latin typeface="Lato" panose="020F0502020204030203" pitchFamily="34" charset="0"/>
+                <a:ea typeface="Lato" panose="020F0502020204030203" pitchFamily="34" charset="0"/>
+                <a:cs typeface="Lato" panose="020F0502020204030203" pitchFamily="34" charset="0"/>
+              </a:rPr>
+              <a:t>Agar kau </a:t>
+            </a:r>
+            <a:r>
+              <a:rPr lang="en-US" sz="3200" dirty="0" err="1">
+                <a:latin typeface="Lato" panose="020F0502020204030203" pitchFamily="34" charset="0"/>
+                <a:ea typeface="Lato" panose="020F0502020204030203" pitchFamily="34" charset="0"/>
+                <a:cs typeface="Lato" panose="020F0502020204030203" pitchFamily="34" charset="0"/>
+              </a:rPr>
+              <a:t>tetap</a:t>
+            </a:r>
+            <a:r>
+              <a:rPr lang="en-US" sz="3200" dirty="0">
+                <a:latin typeface="Lato" panose="020F0502020204030203" pitchFamily="34" charset="0"/>
+                <a:ea typeface="Lato" panose="020F0502020204030203" pitchFamily="34" charset="0"/>
+                <a:cs typeface="Lato" panose="020F0502020204030203" pitchFamily="34" charset="0"/>
+              </a:rPr>
+              <a:t> </a:t>
+            </a:r>
+            <a:r>
+              <a:rPr lang="en-US" sz="3200" dirty="0" err="1">
+                <a:latin typeface="Lato" panose="020F0502020204030203" pitchFamily="34" charset="0"/>
+                <a:ea typeface="Lato" panose="020F0502020204030203" pitchFamily="34" charset="0"/>
+                <a:cs typeface="Lato" panose="020F0502020204030203" pitchFamily="34" charset="0"/>
+              </a:rPr>
+              <a:t>setia</a:t>
+            </a:r>
+            <a:endParaRPr lang="en-US" sz="3200" dirty="0">
+              <a:latin typeface="Lato" panose="020F0502020204030203" pitchFamily="34" charset="0"/>
+              <a:ea typeface="Lato" panose="020F0502020204030203" pitchFamily="34" charset="0"/>
+              <a:cs typeface="Lato" panose="020F0502020204030203" pitchFamily="34" charset="0"/>
+            </a:endParaRPr>
+          </a:p>
+          <a:p>
+            <a:r>
+              <a:rPr lang="en-US" sz="3200" dirty="0">
+                <a:latin typeface="Lato" panose="020F0502020204030203" pitchFamily="34" charset="0"/>
+                <a:ea typeface="Lato" panose="020F0502020204030203" pitchFamily="34" charset="0"/>
+                <a:cs typeface="Lato" panose="020F0502020204030203" pitchFamily="34" charset="0"/>
+              </a:rPr>
+              <a:t>Pada </a:t>
+            </a:r>
+            <a:r>
+              <a:rPr lang="en-US" sz="3200" dirty="0" err="1">
+                <a:latin typeface="Lato" panose="020F0502020204030203" pitchFamily="34" charset="0"/>
+                <a:ea typeface="Lato" panose="020F0502020204030203" pitchFamily="34" charset="0"/>
+                <a:cs typeface="Lato" panose="020F0502020204030203" pitchFamily="34" charset="0"/>
+              </a:rPr>
+              <a:t>Yesus</a:t>
+            </a:r>
+            <a:r>
+              <a:rPr lang="en-US" sz="3200" dirty="0">
+                <a:latin typeface="Lato" panose="020F0502020204030203" pitchFamily="34" charset="0"/>
+                <a:ea typeface="Lato" panose="020F0502020204030203" pitchFamily="34" charset="0"/>
+                <a:cs typeface="Lato" panose="020F0502020204030203" pitchFamily="34" charset="0"/>
+              </a:rPr>
+              <a:t> </a:t>
+            </a:r>
+            <a:r>
+              <a:rPr lang="en-US" sz="3200" dirty="0" err="1">
+                <a:latin typeface="Lato" panose="020F0502020204030203" pitchFamily="34" charset="0"/>
+                <a:ea typeface="Lato" panose="020F0502020204030203" pitchFamily="34" charset="0"/>
+                <a:cs typeface="Lato" panose="020F0502020204030203" pitchFamily="34" charset="0"/>
+              </a:rPr>
+              <a:t>Kristus</a:t>
+            </a:r>
+            <a:r>
+              <a:rPr lang="en-US" sz="3200" dirty="0">
+                <a:latin typeface="Lato" panose="020F0502020204030203" pitchFamily="34" charset="0"/>
+                <a:ea typeface="Lato" panose="020F0502020204030203" pitchFamily="34" charset="0"/>
+                <a:cs typeface="Lato" panose="020F0502020204030203" pitchFamily="34" charset="0"/>
+              </a:rPr>
+              <a:t>, </a:t>
+            </a:r>
+            <a:r>
+              <a:rPr lang="en-US" sz="3200" dirty="0" err="1">
+                <a:latin typeface="Lato" panose="020F0502020204030203" pitchFamily="34" charset="0"/>
+                <a:ea typeface="Lato" panose="020F0502020204030203" pitchFamily="34" charset="0"/>
+                <a:cs typeface="Lato" panose="020F0502020204030203" pitchFamily="34" charset="0"/>
+              </a:rPr>
+              <a:t>Tuhan</a:t>
+            </a:r>
+            <a:r>
+              <a:rPr lang="en-US" sz="3200" dirty="0">
+                <a:latin typeface="Lato" panose="020F0502020204030203" pitchFamily="34" charset="0"/>
+                <a:ea typeface="Lato" panose="020F0502020204030203" pitchFamily="34" charset="0"/>
+                <a:cs typeface="Lato" panose="020F0502020204030203" pitchFamily="34" charset="0"/>
+              </a:rPr>
+              <a:t> dan Raja </a:t>
+            </a:r>
+            <a:r>
+              <a:rPr lang="en-US" sz="3200" dirty="0" err="1">
+                <a:latin typeface="Lato" panose="020F0502020204030203" pitchFamily="34" charset="0"/>
+                <a:ea typeface="Lato" panose="020F0502020204030203" pitchFamily="34" charset="0"/>
+                <a:cs typeface="Lato" panose="020F0502020204030203" pitchFamily="34" charset="0"/>
+              </a:rPr>
+              <a:t>kita</a:t>
+            </a:r>
+            <a:r>
+              <a:rPr lang="en-US" sz="3200" dirty="0">
+                <a:latin typeface="Lato" panose="020F0502020204030203" pitchFamily="34" charset="0"/>
+                <a:ea typeface="Lato" panose="020F0502020204030203" pitchFamily="34" charset="0"/>
+                <a:cs typeface="Lato" panose="020F0502020204030203" pitchFamily="34" charset="0"/>
+              </a:rPr>
+              <a:t>, oh.</a:t>
+            </a:r>
+          </a:p>
+          <a:p>
+            <a:r>
+              <a:rPr lang="en-US" sz="3200" dirty="0">
+                <a:latin typeface="Lato" panose="020F0502020204030203" pitchFamily="34" charset="0"/>
+                <a:ea typeface="Lato" panose="020F0502020204030203" pitchFamily="34" charset="0"/>
+                <a:cs typeface="Lato" panose="020F0502020204030203" pitchFamily="34" charset="0"/>
+              </a:rPr>
+              <a:t>Kami </a:t>
+            </a:r>
+            <a:r>
+              <a:rPr lang="en-US" sz="3200" dirty="0" err="1">
+                <a:latin typeface="Lato" panose="020F0502020204030203" pitchFamily="34" charset="0"/>
+                <a:ea typeface="Lato" panose="020F0502020204030203" pitchFamily="34" charset="0"/>
+                <a:cs typeface="Lato" panose="020F0502020204030203" pitchFamily="34" charset="0"/>
+              </a:rPr>
+              <a:t>mengucap</a:t>
+            </a:r>
+            <a:r>
+              <a:rPr lang="en-US" sz="3200" dirty="0">
+                <a:latin typeface="Lato" panose="020F0502020204030203" pitchFamily="34" charset="0"/>
+                <a:ea typeface="Lato" panose="020F0502020204030203" pitchFamily="34" charset="0"/>
+                <a:cs typeface="Lato" panose="020F0502020204030203" pitchFamily="34" charset="0"/>
+              </a:rPr>
+              <a:t> </a:t>
+            </a:r>
+            <a:r>
+              <a:rPr lang="en-US" sz="3200" dirty="0" err="1">
+                <a:latin typeface="Lato" panose="020F0502020204030203" pitchFamily="34" charset="0"/>
+                <a:ea typeface="Lato" panose="020F0502020204030203" pitchFamily="34" charset="0"/>
+                <a:cs typeface="Lato" panose="020F0502020204030203" pitchFamily="34" charset="0"/>
+              </a:rPr>
+              <a:t>syukur</a:t>
+            </a:r>
+            <a:endParaRPr lang="en-US" sz="3200" dirty="0">
+              <a:latin typeface="Lato" panose="020F0502020204030203" pitchFamily="34" charset="0"/>
+              <a:ea typeface="Lato" panose="020F0502020204030203" pitchFamily="34" charset="0"/>
+              <a:cs typeface="Lato" panose="020F0502020204030203" pitchFamily="34" charset="0"/>
+            </a:endParaRPr>
+          </a:p>
+          <a:p>
+            <a:r>
+              <a:rPr lang="en-US" sz="3200" dirty="0" err="1">
+                <a:latin typeface="Lato" panose="020F0502020204030203" pitchFamily="34" charset="0"/>
+                <a:ea typeface="Lato" panose="020F0502020204030203" pitchFamily="34" charset="0"/>
+                <a:cs typeface="Lato" panose="020F0502020204030203" pitchFamily="34" charset="0"/>
+              </a:rPr>
+              <a:t>Tuhan</a:t>
+            </a:r>
+            <a:r>
+              <a:rPr lang="en-US" sz="3200" dirty="0">
+                <a:latin typeface="Lato" panose="020F0502020204030203" pitchFamily="34" charset="0"/>
+                <a:ea typeface="Lato" panose="020F0502020204030203" pitchFamily="34" charset="0"/>
+                <a:cs typeface="Lato" panose="020F0502020204030203" pitchFamily="34" charset="0"/>
+              </a:rPr>
+              <a:t> </a:t>
+            </a:r>
+            <a:r>
+              <a:rPr lang="en-US" sz="3200" dirty="0" err="1">
+                <a:latin typeface="Lato" panose="020F0502020204030203" pitchFamily="34" charset="0"/>
+                <a:ea typeface="Lato" panose="020F0502020204030203" pitchFamily="34" charset="0"/>
+                <a:cs typeface="Lato" panose="020F0502020204030203" pitchFamily="34" charset="0"/>
+              </a:rPr>
+              <a:t>t'lah</a:t>
+            </a:r>
+            <a:r>
+              <a:rPr lang="en-US" sz="3200" dirty="0">
+                <a:latin typeface="Lato" panose="020F0502020204030203" pitchFamily="34" charset="0"/>
+                <a:ea typeface="Lato" panose="020F0502020204030203" pitchFamily="34" charset="0"/>
+                <a:cs typeface="Lato" panose="020F0502020204030203" pitchFamily="34" charset="0"/>
+              </a:rPr>
+              <a:t> </a:t>
+            </a:r>
+            <a:r>
+              <a:rPr lang="en-US" sz="3200" dirty="0" err="1">
+                <a:latin typeface="Lato" panose="020F0502020204030203" pitchFamily="34" charset="0"/>
+                <a:ea typeface="Lato" panose="020F0502020204030203" pitchFamily="34" charset="0"/>
+                <a:cs typeface="Lato" panose="020F0502020204030203" pitchFamily="34" charset="0"/>
+              </a:rPr>
+              <a:t>pimpin</a:t>
+            </a:r>
+            <a:r>
+              <a:rPr lang="en-US" sz="3200" dirty="0">
+                <a:latin typeface="Lato" panose="020F0502020204030203" pitchFamily="34" charset="0"/>
+                <a:ea typeface="Lato" panose="020F0502020204030203" pitchFamily="34" charset="0"/>
+                <a:cs typeface="Lato" panose="020F0502020204030203" pitchFamily="34" charset="0"/>
+              </a:rPr>
+              <a:t> </a:t>
+            </a:r>
+            <a:r>
+              <a:rPr lang="en-US" sz="3200" dirty="0" err="1">
+                <a:latin typeface="Lato" panose="020F0502020204030203" pitchFamily="34" charset="0"/>
+                <a:ea typeface="Lato" panose="020F0502020204030203" pitchFamily="34" charset="0"/>
+                <a:cs typeface="Lato" panose="020F0502020204030203" pitchFamily="34" charset="0"/>
+              </a:rPr>
+              <a:t>langkahmu</a:t>
+            </a:r>
+            <a:endParaRPr lang="en-US" sz="3200" dirty="0">
+              <a:latin typeface="Lato" panose="020F0502020204030203" pitchFamily="34" charset="0"/>
+              <a:ea typeface="Lato" panose="020F0502020204030203" pitchFamily="34" charset="0"/>
+              <a:cs typeface="Lato" panose="020F0502020204030203" pitchFamily="34" charset="0"/>
+            </a:endParaRPr>
+          </a:p>
+          <a:p>
+            <a:r>
+              <a:rPr lang="en-US" sz="3200" dirty="0" err="1">
+                <a:latin typeface="Lato" panose="020F0502020204030203" pitchFamily="34" charset="0"/>
+                <a:ea typeface="Lato" panose="020F0502020204030203" pitchFamily="34" charset="0"/>
+                <a:cs typeface="Lato" panose="020F0502020204030203" pitchFamily="34" charset="0"/>
+              </a:rPr>
+              <a:t>Padamu</a:t>
+            </a:r>
+            <a:r>
+              <a:rPr lang="en-US" sz="3200" dirty="0">
+                <a:latin typeface="Lato" panose="020F0502020204030203" pitchFamily="34" charset="0"/>
+                <a:ea typeface="Lato" panose="020F0502020204030203" pitchFamily="34" charset="0"/>
+                <a:cs typeface="Lato" panose="020F0502020204030203" pitchFamily="34" charset="0"/>
+              </a:rPr>
+              <a:t> [insert name], </a:t>
+            </a:r>
+            <a:r>
+              <a:rPr lang="en-US" sz="3200" dirty="0" err="1">
+                <a:latin typeface="Lato" panose="020F0502020204030203" pitchFamily="34" charset="0"/>
+                <a:ea typeface="Lato" panose="020F0502020204030203" pitchFamily="34" charset="0"/>
+                <a:cs typeface="Lato" panose="020F0502020204030203" pitchFamily="34" charset="0"/>
+              </a:rPr>
+              <a:t>selamat</a:t>
+            </a:r>
+            <a:r>
+              <a:rPr lang="en-US" sz="3200" dirty="0">
+                <a:latin typeface="Lato" panose="020F0502020204030203" pitchFamily="34" charset="0"/>
+                <a:ea typeface="Lato" panose="020F0502020204030203" pitchFamily="34" charset="0"/>
+                <a:cs typeface="Lato" panose="020F0502020204030203" pitchFamily="34" charset="0"/>
+              </a:rPr>
+              <a:t> </a:t>
+            </a:r>
+            <a:r>
+              <a:rPr lang="en-US" sz="3200" dirty="0" err="1">
+                <a:latin typeface="Lato" panose="020F0502020204030203" pitchFamily="34" charset="0"/>
+                <a:ea typeface="Lato" panose="020F0502020204030203" pitchFamily="34" charset="0"/>
+                <a:cs typeface="Lato" panose="020F0502020204030203" pitchFamily="34" charset="0"/>
+              </a:rPr>
+              <a:t>ulang</a:t>
+            </a:r>
+            <a:r>
+              <a:rPr lang="en-US" sz="3200" dirty="0">
+                <a:latin typeface="Lato" panose="020F0502020204030203" pitchFamily="34" charset="0"/>
+                <a:ea typeface="Lato" panose="020F0502020204030203" pitchFamily="34" charset="0"/>
+                <a:cs typeface="Lato" panose="020F0502020204030203" pitchFamily="34" charset="0"/>
+              </a:rPr>
+              <a:t> </a:t>
+            </a:r>
+            <a:r>
+              <a:rPr lang="en-US" sz="3200" dirty="0" err="1">
+                <a:latin typeface="Lato" panose="020F0502020204030203" pitchFamily="34" charset="0"/>
+                <a:ea typeface="Lato" panose="020F0502020204030203" pitchFamily="34" charset="0"/>
+                <a:cs typeface="Lato" panose="020F0502020204030203" pitchFamily="34" charset="0"/>
+              </a:rPr>
+              <a:t>tahun</a:t>
+            </a:r>
+            <a:r>
+              <a:rPr lang="en-US" sz="3200" dirty="0">
+                <a:latin typeface="Lato" panose="020F0502020204030203" pitchFamily="34" charset="0"/>
+                <a:ea typeface="Lato" panose="020F0502020204030203" pitchFamily="34" charset="0"/>
+                <a:cs typeface="Lato" panose="020F0502020204030203" pitchFamily="34" charset="0"/>
+              </a:rPr>
+              <a:t>!</a:t>
+            </a:r>
+          </a:p>
+        </p:txBody>
+      </p:sp>
+    </p:spTree>
+    <p:extLst>
+      <p:ext uri="{BB962C8B-B14F-4D97-AF65-F5344CB8AC3E}">
+        <p14:creationId xmlns:p14="http://schemas.microsoft.com/office/powerpoint/2010/main" val="550634547"/>
+      </p:ext>
+    </p:extLst>
+  </p:cSld>
+  <p:clrMapOvr>
+    <a:masterClrMapping/>
+  </p:clrMapOvr>
+  <p:extLst>
+    <p:ext uri="{DCECCB84-F9BA-43D5-87BE-67443E8EF086}">
+      <p15:sldGuideLst xmlns:p15="http://schemas.microsoft.com/office/powerpoint/2012/main">
+        <p15:guide id="1" orient="horz" pos="2160" userDrawn="1">
+          <p15:clr>
+            <a:srgbClr val="FBAE40"/>
+          </p15:clr>
+        </p15:guide>
+        <p15:guide id="2" pos="3840" userDrawn="1">
+          <p15:clr>
+            <a:srgbClr val="FBAE40"/>
+          </p15:clr>
+        </p15:guide>
+      </p15:sldGuideLst>
+    </p:ext>
+  </p:extLst>
+</p:sldLayout>
+</file>
+
+<file path=ppt/slideLayouts/slideLayout12.xml><?xml version="1.0" encoding="utf-8"?>
+<p:sldLayout xmlns:a="http://schemas.openxmlformats.org/drawingml/2006/main" xmlns:r="http://schemas.openxmlformats.org/officeDocument/2006/relationships" xmlns:p="http://schemas.openxmlformats.org/presentationml/2006/main" matchingName="Title Only" userDrawn="1">
+  <p:cSld name="TITLE_ONLY">
+    <p:bg>
+      <p:bgPr>
+        <a:gradFill>
+          <a:gsLst>
+            <a:gs pos="0">
+              <a:srgbClr val="E1EFD8">
+                <a:lumMod val="10000"/>
+                <a:lumOff val="90000"/>
+              </a:srgbClr>
+            </a:gs>
+            <a:gs pos="48000">
+              <a:srgbClr val="F2F2F2"/>
+            </a:gs>
+            <a:gs pos="100000">
+              <a:srgbClr val="FBE4D4">
+                <a:alpha val="40000"/>
+              </a:srgbClr>
+            </a:gs>
+          </a:gsLst>
+          <a:lin ang="3000000" scaled="0"/>
+        </a:gradFill>
+        <a:effectLst/>
+      </p:bgPr>
+    </p:bg>
+    <p:spTree>
+      <p:nvGrpSpPr>
+        <p:cNvPr id="1" name="Shape 49"/>
+        <p:cNvGrpSpPr/>
+        <p:nvPr/>
+      </p:nvGrpSpPr>
+      <p:grpSpPr>
+        <a:xfrm>
+          <a:off x="0" y="0"/>
+          <a:ext cx="0" cy="0"/>
+          <a:chOff x="0" y="0"/>
+          <a:chExt cx="0" cy="0"/>
+        </a:xfrm>
+      </p:grpSpPr>
+      <p:sp>
+        <p:nvSpPr>
+          <p:cNvPr id="2" name="Rectangle 1">
+            <a:extLst>
+              <a:ext uri="{FF2B5EF4-FFF2-40B4-BE49-F238E27FC236}">
+                <a16:creationId xmlns:a16="http://schemas.microsoft.com/office/drawing/2014/main" id="{7E968ACD-E23E-F3A6-814C-F5167BBB3278}"/>
+              </a:ext>
+            </a:extLst>
+          </p:cNvPr>
+          <p:cNvSpPr/>
+          <p:nvPr userDrawn="1"/>
+        </p:nvSpPr>
+        <p:spPr>
+          <a:xfrm>
+            <a:off x="-2372138" y="-3360445"/>
+            <a:ext cx="18358338" cy="12520246"/>
+          </a:xfrm>
+          <a:prstGeom prst="rect">
+            <a:avLst/>
+          </a:prstGeom>
+          <a:gradFill>
+            <a:gsLst>
+              <a:gs pos="0">
+                <a:srgbClr val="E1EFD8"/>
+              </a:gs>
+              <a:gs pos="60000">
+                <a:srgbClr val="F2F2F2"/>
+              </a:gs>
+              <a:gs pos="100000">
+                <a:srgbClr val="FBE4D4">
+                  <a:alpha val="40000"/>
+                </a:srgbClr>
+              </a:gs>
+            </a:gsLst>
+            <a:lin ang="3000000" scaled="0"/>
+          </a:gradFill>
+        </p:spPr>
+        <p:style>
+          <a:lnRef idx="2">
+            <a:schemeClr val="accent1">
+              <a:shade val="15000"/>
+            </a:schemeClr>
+          </a:lnRef>
+          <a:fillRef idx="1">
+            <a:schemeClr val="accent1"/>
+          </a:fillRef>
+          <a:effectRef idx="0">
+            <a:schemeClr val="accent1"/>
+          </a:effectRef>
+          <a:fontRef idx="minor">
+            <a:schemeClr val="lt1"/>
+          </a:fontRef>
+        </p:style>
+        <p:txBody>
+          <a:bodyPr rtlCol="0" anchor="ctr"/>
+          <a:lstStyle/>
+          <a:p>
+            <a:pPr algn="ctr"/>
+            <a:endParaRPr lang="en-US"/>
+          </a:p>
+        </p:txBody>
+      </p:sp>
+      <p:sp>
+        <p:nvSpPr>
+          <p:cNvPr id="7" name="Google Shape;307;p44">
+            <a:extLst>
+              <a:ext uri="{FF2B5EF4-FFF2-40B4-BE49-F238E27FC236}">
+                <a16:creationId xmlns:a16="http://schemas.microsoft.com/office/drawing/2014/main" id="{CBF4469A-7CCB-1249-9609-FD47F95AE200}"/>
+              </a:ext>
+            </a:extLst>
+          </p:cNvPr>
+          <p:cNvSpPr txBox="1">
+            <a:spLocks/>
+          </p:cNvSpPr>
+          <p:nvPr userDrawn="1"/>
+        </p:nvSpPr>
+        <p:spPr>
+          <a:xfrm>
+            <a:off x="1347386" y="2813891"/>
+            <a:ext cx="9776461" cy="1173163"/>
           </a:xfrm>
           <a:prstGeom prst="rect">
             <a:avLst/>
@@ -1034,7 +1799,18 @@
             <a:noAutofit/>
           </a:bodyPr>
           <a:lstStyle>
-            <a:lvl1pPr lvl="0" algn="l">
+            <a:defPPr marR="0" lvl="0" algn="l" rtl="0">
+              <a:lnSpc>
+                <a:spcPct val="100000"/>
+              </a:lnSpc>
+              <a:spcBef>
+                <a:spcPts val="0"/>
+              </a:spcBef>
+              <a:spcAft>
+                <a:spcPts val="0"/>
+              </a:spcAft>
+            </a:defPPr>
+            <a:lvl1pPr marR="0" lvl="0" algn="l" rtl="0">
               <a:lnSpc>
                 <a:spcPct val="90000"/>
               </a:lnSpc>
@@ -1047,119 +1823,269 @@
               <a:buClr>
                 <a:schemeClr val="dk1"/>
               </a:buClr>
-              <a:buSzPts val="3200"/>
+              <a:buSzPts val="4400"/>
               <a:buFont typeface="Calibri"/>
               <a:buNone/>
-              <a:defRPr sz="3200"/>
+              <a:defRPr sz="4400" b="0" i="0" u="none" strike="noStrike" cap="none">
+                <a:solidFill>
+                  <a:schemeClr val="dk1"/>
+                </a:solidFill>
+                <a:latin typeface="Calibri"/>
+                <a:ea typeface="Calibri"/>
+                <a:cs typeface="Calibri"/>
+                <a:sym typeface="Calibri"/>
+              </a:defRPr>
             </a:lvl1pPr>
-            <a:lvl2pPr lvl="1">
-              <a:spcBef>
-                <a:spcPts val="0"/>
-              </a:spcBef>
-              <a:spcAft>
-                <a:spcPts val="0"/>
-              </a:spcAft>
-              <a:buSzPts val="1400"/>
-              <a:buNone/>
-              <a:defRPr/>
+            <a:lvl2pPr marR="0" lvl="1" algn="l" rtl="0">
+              <a:lnSpc>
+                <a:spcPct val="100000"/>
+              </a:lnSpc>
+              <a:spcBef>
+                <a:spcPts val="0"/>
+              </a:spcBef>
+              <a:spcAft>
+                <a:spcPts val="0"/>
+              </a:spcAft>
+              <a:buClr>
+                <a:srgbClr val="000000"/>
+              </a:buClr>
+              <a:buSzPts val="1400"/>
+              <a:buFont typeface="Arial"/>
+              <a:buNone/>
+              <a:defRPr sz="1800" b="0" i="0" u="none" strike="noStrike" cap="none">
+                <a:solidFill>
+                  <a:srgbClr val="000000"/>
+                </a:solidFill>
+                <a:latin typeface="Arial"/>
+                <a:ea typeface="Arial"/>
+                <a:cs typeface="Arial"/>
+                <a:sym typeface="Arial"/>
+              </a:defRPr>
             </a:lvl2pPr>
-            <a:lvl3pPr lvl="2">
-              <a:spcBef>
-                <a:spcPts val="0"/>
-              </a:spcBef>
-              <a:spcAft>
-                <a:spcPts val="0"/>
-              </a:spcAft>
-              <a:buSzPts val="1400"/>
-              <a:buNone/>
-              <a:defRPr/>
+            <a:lvl3pPr marR="0" lvl="2" algn="l" rtl="0">
+              <a:lnSpc>
+                <a:spcPct val="100000"/>
+              </a:lnSpc>
+              <a:spcBef>
+                <a:spcPts val="0"/>
+              </a:spcBef>
+              <a:spcAft>
+                <a:spcPts val="0"/>
+              </a:spcAft>
+              <a:buClr>
+                <a:srgbClr val="000000"/>
+              </a:buClr>
+              <a:buSzPts val="1400"/>
+              <a:buFont typeface="Arial"/>
+              <a:buNone/>
+              <a:defRPr sz="1800" b="0" i="0" u="none" strike="noStrike" cap="none">
+                <a:solidFill>
+                  <a:srgbClr val="000000"/>
+                </a:solidFill>
+                <a:latin typeface="Arial"/>
+                <a:ea typeface="Arial"/>
+                <a:cs typeface="Arial"/>
+                <a:sym typeface="Arial"/>
+              </a:defRPr>
             </a:lvl3pPr>
-            <a:lvl4pPr lvl="3">
-              <a:spcBef>
-                <a:spcPts val="0"/>
-              </a:spcBef>
-              <a:spcAft>
-                <a:spcPts val="0"/>
-              </a:spcAft>
-              <a:buSzPts val="1400"/>
-              <a:buNone/>
-              <a:defRPr/>
+            <a:lvl4pPr marR="0" lvl="3" algn="l" rtl="0">
+              <a:lnSpc>
+                <a:spcPct val="100000"/>
+              </a:lnSpc>
+              <a:spcBef>
+                <a:spcPts val="0"/>
+              </a:spcBef>
+              <a:spcAft>
+                <a:spcPts val="0"/>
+              </a:spcAft>
+              <a:buClr>
+                <a:srgbClr val="000000"/>
+              </a:buClr>
+              <a:buSzPts val="1400"/>
+              <a:buFont typeface="Arial"/>
+              <a:buNone/>
+              <a:defRPr sz="1800" b="0" i="0" u="none" strike="noStrike" cap="none">
+                <a:solidFill>
+                  <a:srgbClr val="000000"/>
+                </a:solidFill>
+                <a:latin typeface="Arial"/>
+                <a:ea typeface="Arial"/>
+                <a:cs typeface="Arial"/>
+                <a:sym typeface="Arial"/>
+              </a:defRPr>
             </a:lvl4pPr>
-            <a:lvl5pPr lvl="4">
-              <a:spcBef>
-                <a:spcPts val="0"/>
-              </a:spcBef>
-              <a:spcAft>
-                <a:spcPts val="0"/>
-              </a:spcAft>
-              <a:buSzPts val="1400"/>
-              <a:buNone/>
-              <a:defRPr/>
+            <a:lvl5pPr marR="0" lvl="4" algn="l" rtl="0">
+              <a:lnSpc>
+                <a:spcPct val="100000"/>
+              </a:lnSpc>
+              <a:spcBef>
+                <a:spcPts val="0"/>
+              </a:spcBef>
+              <a:spcAft>
+                <a:spcPts val="0"/>
+              </a:spcAft>
+              <a:buClr>
+                <a:srgbClr val="000000"/>
+              </a:buClr>
+              <a:buSzPts val="1400"/>
+              <a:buFont typeface="Arial"/>
+              <a:buNone/>
+              <a:defRPr sz="1800" b="0" i="0" u="none" strike="noStrike" cap="none">
+                <a:solidFill>
+                  <a:srgbClr val="000000"/>
+                </a:solidFill>
+                <a:latin typeface="Arial"/>
+                <a:ea typeface="Arial"/>
+                <a:cs typeface="Arial"/>
+                <a:sym typeface="Arial"/>
+              </a:defRPr>
             </a:lvl5pPr>
-            <a:lvl6pPr lvl="5">
-              <a:spcBef>
-                <a:spcPts val="0"/>
-              </a:spcBef>
-              <a:spcAft>
-                <a:spcPts val="0"/>
-              </a:spcAft>
-              <a:buSzPts val="1400"/>
-              <a:buNone/>
-              <a:defRPr/>
+            <a:lvl6pPr marR="0" lvl="5" algn="l" rtl="0">
+              <a:lnSpc>
+                <a:spcPct val="100000"/>
+              </a:lnSpc>
+              <a:spcBef>
+                <a:spcPts val="0"/>
+              </a:spcBef>
+              <a:spcAft>
+                <a:spcPts val="0"/>
+              </a:spcAft>
+              <a:buClr>
+                <a:srgbClr val="000000"/>
+              </a:buClr>
+              <a:buSzPts val="1400"/>
+              <a:buFont typeface="Arial"/>
+              <a:buNone/>
+              <a:defRPr sz="1800" b="0" i="0" u="none" strike="noStrike" cap="none">
+                <a:solidFill>
+                  <a:srgbClr val="000000"/>
+                </a:solidFill>
+                <a:latin typeface="Arial"/>
+                <a:ea typeface="Arial"/>
+                <a:cs typeface="Arial"/>
+                <a:sym typeface="Arial"/>
+              </a:defRPr>
             </a:lvl6pPr>
-            <a:lvl7pPr lvl="6">
-              <a:spcBef>
-                <a:spcPts val="0"/>
-              </a:spcBef>
-              <a:spcAft>
-                <a:spcPts val="0"/>
-              </a:spcAft>
-              <a:buSzPts val="1400"/>
-              <a:buNone/>
-              <a:defRPr/>
+            <a:lvl7pPr marR="0" lvl="6" algn="l" rtl="0">
+              <a:lnSpc>
+                <a:spcPct val="100000"/>
+              </a:lnSpc>
+              <a:spcBef>
+                <a:spcPts val="0"/>
+              </a:spcBef>
+              <a:spcAft>
+                <a:spcPts val="0"/>
+              </a:spcAft>
+              <a:buClr>
+                <a:srgbClr val="000000"/>
+              </a:buClr>
+              <a:buSzPts val="1400"/>
+              <a:buFont typeface="Arial"/>
+              <a:buNone/>
+              <a:defRPr sz="1800" b="0" i="0" u="none" strike="noStrike" cap="none">
+                <a:solidFill>
+                  <a:srgbClr val="000000"/>
+                </a:solidFill>
+                <a:latin typeface="Arial"/>
+                <a:ea typeface="Arial"/>
+                <a:cs typeface="Arial"/>
+                <a:sym typeface="Arial"/>
+              </a:defRPr>
             </a:lvl7pPr>
-            <a:lvl8pPr lvl="7">
-              <a:spcBef>
-                <a:spcPts val="0"/>
-              </a:spcBef>
-              <a:spcAft>
-                <a:spcPts val="0"/>
-              </a:spcAft>
-              <a:buSzPts val="1400"/>
-              <a:buNone/>
-              <a:defRPr/>
+            <a:lvl8pPr marR="0" lvl="7" algn="l" rtl="0">
+              <a:lnSpc>
+                <a:spcPct val="100000"/>
+              </a:lnSpc>
+              <a:spcBef>
+                <a:spcPts val="0"/>
+              </a:spcBef>
+              <a:spcAft>
+                <a:spcPts val="0"/>
+              </a:spcAft>
+              <a:buClr>
+                <a:srgbClr val="000000"/>
+              </a:buClr>
+              <a:buSzPts val="1400"/>
+              <a:buFont typeface="Arial"/>
+              <a:buNone/>
+              <a:defRPr sz="1800" b="0" i="0" u="none" strike="noStrike" cap="none">
+                <a:solidFill>
+                  <a:srgbClr val="000000"/>
+                </a:solidFill>
+                <a:latin typeface="Arial"/>
+                <a:ea typeface="Arial"/>
+                <a:cs typeface="Arial"/>
+                <a:sym typeface="Arial"/>
+              </a:defRPr>
             </a:lvl8pPr>
-            <a:lvl9pPr lvl="8">
-              <a:spcBef>
-                <a:spcPts val="0"/>
-              </a:spcBef>
-              <a:spcAft>
-                <a:spcPts val="0"/>
-              </a:spcAft>
-              <a:buSzPts val="1400"/>
-              <a:buNone/>
-              <a:defRPr/>
+            <a:lvl9pPr marR="0" lvl="8" algn="l" rtl="0">
+              <a:lnSpc>
+                <a:spcPct val="100000"/>
+              </a:lnSpc>
+              <a:spcBef>
+                <a:spcPts val="0"/>
+              </a:spcBef>
+              <a:spcAft>
+                <a:spcPts val="0"/>
+              </a:spcAft>
+              <a:buClr>
+                <a:srgbClr val="000000"/>
+              </a:buClr>
+              <a:buSzPts val="1400"/>
+              <a:buFont typeface="Arial"/>
+              <a:buNone/>
+              <a:defRPr sz="1800" b="0" i="0" u="none" strike="noStrike" cap="none">
+                <a:solidFill>
+                  <a:srgbClr val="000000"/>
+                </a:solidFill>
+                <a:latin typeface="Arial"/>
+                <a:ea typeface="Arial"/>
+                <a:cs typeface="Arial"/>
+                <a:sym typeface="Arial"/>
+              </a:defRPr>
             </a:lvl9pPr>
           </a:lstStyle>
           <a:p>
-            <a:endParaRPr/>
+            <a:pPr>
+              <a:buClr>
+                <a:srgbClr val="3F3F3F"/>
+              </a:buClr>
+              <a:buSzPts val="7200"/>
+              <a:buFont typeface="Lato Light"/>
+              <a:buNone/>
+            </a:pPr>
+            <a:r>
+              <a:rPr lang="en-US" sz="7200">
+                <a:solidFill>
+                  <a:srgbClr val="3F3F3F"/>
+                </a:solidFill>
+                <a:latin typeface="Lato Light"/>
+                <a:ea typeface="Lato Light"/>
+                <a:cs typeface="Lato Light"/>
+                <a:sym typeface="Lato Light"/>
+              </a:rPr>
+              <a:t>See you next week!</a:t>
+            </a:r>
+            <a:endParaRPr lang="en-US" dirty="0"/>
           </a:p>
         </p:txBody>
       </p:sp>
       <p:sp>
         <p:nvSpPr>
-          <p:cNvPr id="56" name="Google Shape;56;p9"/>
-          <p:cNvSpPr txBox="1">
-            <a:spLocks noGrp="1"/>
-          </p:cNvSpPr>
-          <p:nvPr>
-            <p:ph type="body" idx="1"/>
-          </p:nvPr>
+          <p:cNvPr id="8" name="Google Shape;308;p44">
+            <a:extLst>
+              <a:ext uri="{FF2B5EF4-FFF2-40B4-BE49-F238E27FC236}">
+                <a16:creationId xmlns:a16="http://schemas.microsoft.com/office/drawing/2014/main" id="{64080D66-2AAD-4E9D-AE6D-443EBB0999B9}"/>
+              </a:ext>
+            </a:extLst>
+          </p:cNvPr>
+          <p:cNvSpPr txBox="1"/>
+          <p:nvPr userDrawn="1"/>
         </p:nvSpPr>
         <p:spPr>
           <a:xfrm>
-            <a:off x="5183188" y="987425"/>
-            <a:ext cx="6172200" cy="4873625"/>
+            <a:off x="1524000" y="6192981"/>
+            <a:ext cx="9144000" cy="524421"/>
           </a:xfrm>
           <a:prstGeom prst="rect">
             <a:avLst/>
@@ -1173,726 +2099,38 @@
           <a:bodyPr spcFirstLastPara="1" wrap="square" lIns="91425" tIns="45700" rIns="91425" bIns="45700" anchor="t" anchorCtr="0">
             <a:noAutofit/>
           </a:bodyPr>
-          <a:lstStyle>
-            <a:lvl1pPr marL="457200" lvl="0" indent="-431800" algn="l">
+          <a:lstStyle/>
+          <a:p>
+            <a:pPr marL="0" marR="0" lvl="0" indent="0" algn="ctr" rtl="0">
               <a:lnSpc>
-                <a:spcPct val="90000"/>
+                <a:spcPct val="100000"/>
               </a:lnSpc>
               <a:spcBef>
-                <a:spcPts val="1000"/>
+                <a:spcPts val="0"/>
               </a:spcBef>
               <a:spcAft>
                 <a:spcPts val="0"/>
               </a:spcAft>
               <a:buClr>
-                <a:schemeClr val="dk1"/>
+                <a:srgbClr val="A3AB9E"/>
               </a:buClr>
-              <a:buSzPts val="3200"/>
-              <a:buChar char="•"/>
-              <a:defRPr sz="3200"/>
-            </a:lvl1pPr>
-            <a:lvl2pPr marL="914400" lvl="1" indent="-406400" algn="l">
-              <a:lnSpc>
-                <a:spcPct val="90000"/>
-              </a:lnSpc>
-              <a:spcBef>
-                <a:spcPts val="500"/>
-              </a:spcBef>
-              <a:spcAft>
-                <a:spcPts val="0"/>
-              </a:spcAft>
-              <a:buClr>
-                <a:schemeClr val="dk1"/>
-              </a:buClr>
-              <a:buSzPts val="2800"/>
-              <a:buChar char="•"/>
-              <a:defRPr sz="2800"/>
-            </a:lvl2pPr>
-            <a:lvl3pPr marL="1371600" lvl="2" indent="-381000" algn="l">
-              <a:lnSpc>
-                <a:spcPct val="90000"/>
-              </a:lnSpc>
-              <a:spcBef>
-                <a:spcPts val="500"/>
-              </a:spcBef>
-              <a:spcAft>
-                <a:spcPts val="0"/>
-              </a:spcAft>
-              <a:buClr>
-                <a:schemeClr val="dk1"/>
-              </a:buClr>
-              <a:buSzPts val="2400"/>
-              <a:buChar char="•"/>
-              <a:defRPr sz="2400"/>
-            </a:lvl3pPr>
-            <a:lvl4pPr marL="1828800" lvl="3" indent="-355600" algn="l">
-              <a:lnSpc>
-                <a:spcPct val="90000"/>
-              </a:lnSpc>
-              <a:spcBef>
-                <a:spcPts val="500"/>
-              </a:spcBef>
-              <a:spcAft>
-                <a:spcPts val="0"/>
-              </a:spcAft>
-              <a:buClr>
-                <a:schemeClr val="dk1"/>
-              </a:buClr>
-              <a:buSzPts val="2000"/>
-              <a:buChar char="•"/>
-              <a:defRPr sz="2000"/>
-            </a:lvl4pPr>
-            <a:lvl5pPr marL="2286000" lvl="4" indent="-355600" algn="l">
-              <a:lnSpc>
-                <a:spcPct val="90000"/>
-              </a:lnSpc>
-              <a:spcBef>
-                <a:spcPts val="500"/>
-              </a:spcBef>
-              <a:spcAft>
-                <a:spcPts val="0"/>
-              </a:spcAft>
-              <a:buClr>
-                <a:schemeClr val="dk1"/>
-              </a:buClr>
-              <a:buSzPts val="2000"/>
-              <a:buChar char="•"/>
-              <a:defRPr sz="2000"/>
-            </a:lvl5pPr>
-            <a:lvl6pPr marL="2743200" lvl="5" indent="-355600" algn="l">
-              <a:lnSpc>
-                <a:spcPct val="90000"/>
-              </a:lnSpc>
-              <a:spcBef>
-                <a:spcPts val="500"/>
-              </a:spcBef>
-              <a:spcAft>
-                <a:spcPts val="0"/>
-              </a:spcAft>
-              <a:buClr>
-                <a:schemeClr val="dk1"/>
-              </a:buClr>
-              <a:buSzPts val="2000"/>
-              <a:buChar char="•"/>
-              <a:defRPr sz="2000"/>
-            </a:lvl6pPr>
-            <a:lvl7pPr marL="3200400" lvl="6" indent="-355600" algn="l">
-              <a:lnSpc>
-                <a:spcPct val="90000"/>
-              </a:lnSpc>
-              <a:spcBef>
-                <a:spcPts val="500"/>
-              </a:spcBef>
-              <a:spcAft>
-                <a:spcPts val="0"/>
-              </a:spcAft>
-              <a:buClr>
-                <a:schemeClr val="dk1"/>
-              </a:buClr>
-              <a:buSzPts val="2000"/>
-              <a:buChar char="•"/>
-              <a:defRPr sz="2000"/>
-            </a:lvl7pPr>
-            <a:lvl8pPr marL="3657600" lvl="7" indent="-355600" algn="l">
-              <a:lnSpc>
-                <a:spcPct val="90000"/>
-              </a:lnSpc>
-              <a:spcBef>
-                <a:spcPts val="500"/>
-              </a:spcBef>
-              <a:spcAft>
-                <a:spcPts val="0"/>
-              </a:spcAft>
-              <a:buClr>
-                <a:schemeClr val="dk1"/>
-              </a:buClr>
-              <a:buSzPts val="2000"/>
-              <a:buChar char="•"/>
-              <a:defRPr sz="2000"/>
-            </a:lvl8pPr>
-            <a:lvl9pPr marL="4114800" lvl="8" indent="-355600" algn="l">
-              <a:lnSpc>
-                <a:spcPct val="90000"/>
-              </a:lnSpc>
-              <a:spcBef>
-                <a:spcPts val="500"/>
-              </a:spcBef>
-              <a:spcAft>
-                <a:spcPts val="0"/>
-              </a:spcAft>
-              <a:buClr>
-                <a:schemeClr val="dk1"/>
-              </a:buClr>
-              <a:buSzPts val="2000"/>
-              <a:buChar char="•"/>
-              <a:defRPr sz="2000"/>
-            </a:lvl9pPr>
-          </a:lstStyle>
-          <a:p>
-            <a:endParaRPr/>
-          </a:p>
-        </p:txBody>
-      </p:sp>
-      <p:sp>
-        <p:nvSpPr>
-          <p:cNvPr id="57" name="Google Shape;57;p9"/>
-          <p:cNvSpPr txBox="1">
-            <a:spLocks noGrp="1"/>
-          </p:cNvSpPr>
-          <p:nvPr>
-            <p:ph type="body" idx="2"/>
-          </p:nvPr>
-        </p:nvSpPr>
-        <p:spPr>
-          <a:xfrm>
-            <a:off x="839788" y="2057400"/>
-            <a:ext cx="3932237" cy="3811588"/>
-          </a:xfrm>
-          <a:prstGeom prst="rect">
-            <a:avLst/>
-          </a:prstGeom>
-          <a:noFill/>
-          <a:ln>
-            <a:noFill/>
-          </a:ln>
-        </p:spPr>
-        <p:txBody>
-          <a:bodyPr spcFirstLastPara="1" wrap="square" lIns="91425" tIns="45700" rIns="91425" bIns="45700" anchor="t" anchorCtr="0">
-            <a:noAutofit/>
-          </a:bodyPr>
-          <a:lstStyle>
-            <a:lvl1pPr marL="457200" lvl="0" indent="-228600" algn="l">
-              <a:lnSpc>
-                <a:spcPct val="90000"/>
-              </a:lnSpc>
-              <a:spcBef>
-                <a:spcPts val="1000"/>
-              </a:spcBef>
-              <a:spcAft>
-                <a:spcPts val="0"/>
-              </a:spcAft>
-              <a:buClr>
-                <a:schemeClr val="dk1"/>
-              </a:buClr>
-              <a:buSzPts val="1600"/>
-              <a:buNone/>
-              <a:defRPr sz="1600"/>
-            </a:lvl1pPr>
-            <a:lvl2pPr marL="914400" lvl="1" indent="-228600" algn="l">
-              <a:lnSpc>
-                <a:spcPct val="90000"/>
-              </a:lnSpc>
-              <a:spcBef>
-                <a:spcPts val="500"/>
-              </a:spcBef>
-              <a:spcAft>
-                <a:spcPts val="0"/>
-              </a:spcAft>
-              <a:buClr>
-                <a:schemeClr val="dk1"/>
-              </a:buClr>
-              <a:buSzPts val="1400"/>
-              <a:buNone/>
-              <a:defRPr sz="1400"/>
-            </a:lvl2pPr>
-            <a:lvl3pPr marL="1371600" lvl="2" indent="-228600" algn="l">
-              <a:lnSpc>
-                <a:spcPct val="90000"/>
-              </a:lnSpc>
-              <a:spcBef>
-                <a:spcPts val="500"/>
-              </a:spcBef>
-              <a:spcAft>
-                <a:spcPts val="0"/>
-              </a:spcAft>
-              <a:buClr>
-                <a:schemeClr val="dk1"/>
-              </a:buClr>
-              <a:buSzPts val="1200"/>
-              <a:buNone/>
-              <a:defRPr sz="1200"/>
-            </a:lvl3pPr>
-            <a:lvl4pPr marL="1828800" lvl="3" indent="-228600" algn="l">
-              <a:lnSpc>
-                <a:spcPct val="90000"/>
-              </a:lnSpc>
-              <a:spcBef>
-                <a:spcPts val="500"/>
-              </a:spcBef>
-              <a:spcAft>
-                <a:spcPts val="0"/>
-              </a:spcAft>
-              <a:buClr>
-                <a:schemeClr val="dk1"/>
-              </a:buClr>
-              <a:buSzPts val="1000"/>
-              <a:buNone/>
-              <a:defRPr sz="1000"/>
-            </a:lvl4pPr>
-            <a:lvl5pPr marL="2286000" lvl="4" indent="-228600" algn="l">
-              <a:lnSpc>
-                <a:spcPct val="90000"/>
-              </a:lnSpc>
-              <a:spcBef>
-                <a:spcPts val="500"/>
-              </a:spcBef>
-              <a:spcAft>
-                <a:spcPts val="0"/>
-              </a:spcAft>
-              <a:buClr>
-                <a:schemeClr val="dk1"/>
-              </a:buClr>
-              <a:buSzPts val="1000"/>
-              <a:buNone/>
-              <a:defRPr sz="1000"/>
-            </a:lvl5pPr>
-            <a:lvl6pPr marL="2743200" lvl="5" indent="-228600" algn="l">
-              <a:lnSpc>
-                <a:spcPct val="90000"/>
-              </a:lnSpc>
-              <a:spcBef>
-                <a:spcPts val="500"/>
-              </a:spcBef>
-              <a:spcAft>
-                <a:spcPts val="0"/>
-              </a:spcAft>
-              <a:buClr>
-                <a:schemeClr val="dk1"/>
-              </a:buClr>
-              <a:buSzPts val="1000"/>
-              <a:buNone/>
-              <a:defRPr sz="1000"/>
-            </a:lvl6pPr>
-            <a:lvl7pPr marL="3200400" lvl="6" indent="-228600" algn="l">
-              <a:lnSpc>
-                <a:spcPct val="90000"/>
-              </a:lnSpc>
-              <a:spcBef>
-                <a:spcPts val="500"/>
-              </a:spcBef>
-              <a:spcAft>
-                <a:spcPts val="0"/>
-              </a:spcAft>
-              <a:buClr>
-                <a:schemeClr val="dk1"/>
-              </a:buClr>
-              <a:buSzPts val="1000"/>
-              <a:buNone/>
-              <a:defRPr sz="1000"/>
-            </a:lvl7pPr>
-            <a:lvl8pPr marL="3657600" lvl="7" indent="-228600" algn="l">
-              <a:lnSpc>
-                <a:spcPct val="90000"/>
-              </a:lnSpc>
-              <a:spcBef>
-                <a:spcPts val="500"/>
-              </a:spcBef>
-              <a:spcAft>
-                <a:spcPts val="0"/>
-              </a:spcAft>
-              <a:buClr>
-                <a:schemeClr val="dk1"/>
-              </a:buClr>
-              <a:buSzPts val="1000"/>
-              <a:buNone/>
-              <a:defRPr sz="1000"/>
-            </a:lvl8pPr>
-            <a:lvl9pPr marL="4114800" lvl="8" indent="-228600" algn="l">
-              <a:lnSpc>
-                <a:spcPct val="90000"/>
-              </a:lnSpc>
-              <a:spcBef>
-                <a:spcPts val="500"/>
-              </a:spcBef>
-              <a:spcAft>
-                <a:spcPts val="0"/>
-              </a:spcAft>
-              <a:buClr>
-                <a:schemeClr val="dk1"/>
-              </a:buClr>
-              <a:buSzPts val="1000"/>
-              <a:buNone/>
-              <a:defRPr sz="1000"/>
-            </a:lvl9pPr>
-          </a:lstStyle>
-          <a:p>
-            <a:endParaRPr/>
-          </a:p>
-        </p:txBody>
-      </p:sp>
-      <p:sp>
-        <p:nvSpPr>
-          <p:cNvPr id="58" name="Google Shape;58;p9"/>
-          <p:cNvSpPr txBox="1">
-            <a:spLocks noGrp="1"/>
-          </p:cNvSpPr>
-          <p:nvPr>
-            <p:ph type="dt" idx="10"/>
-          </p:nvPr>
-        </p:nvSpPr>
-        <p:spPr>
-          <a:xfrm>
-            <a:off x="838200" y="6356350"/>
-            <a:ext cx="2743200" cy="365125"/>
-          </a:xfrm>
-          <a:prstGeom prst="rect">
-            <a:avLst/>
-          </a:prstGeom>
-          <a:noFill/>
-          <a:ln>
-            <a:noFill/>
-          </a:ln>
-        </p:spPr>
-        <p:txBody>
-          <a:bodyPr spcFirstLastPara="1" wrap="square" lIns="91425" tIns="45700" rIns="91425" bIns="45700" anchor="ctr" anchorCtr="0">
-            <a:noAutofit/>
-          </a:bodyPr>
-          <a:lstStyle>
-            <a:lvl1pPr lvl="0" algn="l">
-              <a:spcBef>
-                <a:spcPts val="0"/>
-              </a:spcBef>
-              <a:spcAft>
-                <a:spcPts val="0"/>
-              </a:spcAft>
-              <a:buSzPts val="1400"/>
-              <a:buNone/>
-              <a:defRPr/>
-            </a:lvl1pPr>
-            <a:lvl2pPr lvl="1" algn="l">
-              <a:spcBef>
-                <a:spcPts val="0"/>
-              </a:spcBef>
-              <a:spcAft>
-                <a:spcPts val="0"/>
-              </a:spcAft>
-              <a:buSzPts val="1400"/>
-              <a:buNone/>
-              <a:defRPr/>
-            </a:lvl2pPr>
-            <a:lvl3pPr lvl="2" algn="l">
-              <a:spcBef>
-                <a:spcPts val="0"/>
-              </a:spcBef>
-              <a:spcAft>
-                <a:spcPts val="0"/>
-              </a:spcAft>
-              <a:buSzPts val="1400"/>
-              <a:buNone/>
-              <a:defRPr/>
-            </a:lvl3pPr>
-            <a:lvl4pPr lvl="3" algn="l">
-              <a:spcBef>
-                <a:spcPts val="0"/>
-              </a:spcBef>
-              <a:spcAft>
-                <a:spcPts val="0"/>
-              </a:spcAft>
-              <a:buSzPts val="1400"/>
-              <a:buNone/>
-              <a:defRPr/>
-            </a:lvl4pPr>
-            <a:lvl5pPr lvl="4" algn="l">
-              <a:spcBef>
-                <a:spcPts val="0"/>
-              </a:spcBef>
-              <a:spcAft>
-                <a:spcPts val="0"/>
-              </a:spcAft>
-              <a:buSzPts val="1400"/>
-              <a:buNone/>
-              <a:defRPr/>
-            </a:lvl5pPr>
-            <a:lvl6pPr lvl="5" algn="l">
-              <a:spcBef>
-                <a:spcPts val="0"/>
-              </a:spcBef>
-              <a:spcAft>
-                <a:spcPts val="0"/>
-              </a:spcAft>
-              <a:buSzPts val="1400"/>
-              <a:buNone/>
-              <a:defRPr/>
-            </a:lvl6pPr>
-            <a:lvl7pPr lvl="6" algn="l">
-              <a:spcBef>
-                <a:spcPts val="0"/>
-              </a:spcBef>
-              <a:spcAft>
-                <a:spcPts val="0"/>
-              </a:spcAft>
-              <a:buSzPts val="1400"/>
-              <a:buNone/>
-              <a:defRPr/>
-            </a:lvl7pPr>
-            <a:lvl8pPr lvl="7" algn="l">
-              <a:spcBef>
-                <a:spcPts val="0"/>
-              </a:spcBef>
-              <a:spcAft>
-                <a:spcPts val="0"/>
-              </a:spcAft>
-              <a:buSzPts val="1400"/>
-              <a:buNone/>
-              <a:defRPr/>
-            </a:lvl8pPr>
-            <a:lvl9pPr lvl="8" algn="l">
-              <a:spcBef>
-                <a:spcPts val="0"/>
-              </a:spcBef>
-              <a:spcAft>
-                <a:spcPts val="0"/>
-              </a:spcAft>
-              <a:buSzPts val="1400"/>
-              <a:buNone/>
-              <a:defRPr/>
-            </a:lvl9pPr>
-          </a:lstStyle>
-          <a:p>
-            <a:endParaRPr/>
-          </a:p>
-        </p:txBody>
-      </p:sp>
-      <p:sp>
-        <p:nvSpPr>
-          <p:cNvPr id="59" name="Google Shape;59;p9"/>
-          <p:cNvSpPr txBox="1">
-            <a:spLocks noGrp="1"/>
-          </p:cNvSpPr>
-          <p:nvPr>
-            <p:ph type="ftr" idx="11"/>
-          </p:nvPr>
-        </p:nvSpPr>
-        <p:spPr>
-          <a:xfrm>
-            <a:off x="4038600" y="6356350"/>
-            <a:ext cx="4114800" cy="365125"/>
-          </a:xfrm>
-          <a:prstGeom prst="rect">
-            <a:avLst/>
-          </a:prstGeom>
-          <a:noFill/>
-          <a:ln>
-            <a:noFill/>
-          </a:ln>
-        </p:spPr>
-        <p:txBody>
-          <a:bodyPr spcFirstLastPara="1" wrap="square" lIns="91425" tIns="45700" rIns="91425" bIns="45700" anchor="ctr" anchorCtr="0">
-            <a:noAutofit/>
-          </a:bodyPr>
-          <a:lstStyle>
-            <a:lvl1pPr lvl="0" algn="ctr">
-              <a:spcBef>
-                <a:spcPts val="0"/>
-              </a:spcBef>
-              <a:spcAft>
-                <a:spcPts val="0"/>
-              </a:spcAft>
-              <a:buSzPts val="1400"/>
-              <a:buNone/>
-              <a:defRPr/>
-            </a:lvl1pPr>
-            <a:lvl2pPr lvl="1" algn="l">
-              <a:spcBef>
-                <a:spcPts val="0"/>
-              </a:spcBef>
-              <a:spcAft>
-                <a:spcPts val="0"/>
-              </a:spcAft>
-              <a:buSzPts val="1400"/>
-              <a:buNone/>
-              <a:defRPr/>
-            </a:lvl2pPr>
-            <a:lvl3pPr lvl="2" algn="l">
-              <a:spcBef>
-                <a:spcPts val="0"/>
-              </a:spcBef>
-              <a:spcAft>
-                <a:spcPts val="0"/>
-              </a:spcAft>
-              <a:buSzPts val="1400"/>
-              <a:buNone/>
-              <a:defRPr/>
-            </a:lvl3pPr>
-            <a:lvl4pPr lvl="3" algn="l">
-              <a:spcBef>
-                <a:spcPts val="0"/>
-              </a:spcBef>
-              <a:spcAft>
-                <a:spcPts val="0"/>
-              </a:spcAft>
-              <a:buSzPts val="1400"/>
-              <a:buNone/>
-              <a:defRPr/>
-            </a:lvl4pPr>
-            <a:lvl5pPr lvl="4" algn="l">
-              <a:spcBef>
-                <a:spcPts val="0"/>
-              </a:spcBef>
-              <a:spcAft>
-                <a:spcPts val="0"/>
-              </a:spcAft>
-              <a:buSzPts val="1400"/>
-              <a:buNone/>
-              <a:defRPr/>
-            </a:lvl5pPr>
-            <a:lvl6pPr lvl="5" algn="l">
-              <a:spcBef>
-                <a:spcPts val="0"/>
-              </a:spcBef>
-              <a:spcAft>
-                <a:spcPts val="0"/>
-              </a:spcAft>
-              <a:buSzPts val="1400"/>
-              <a:buNone/>
-              <a:defRPr/>
-            </a:lvl6pPr>
-            <a:lvl7pPr lvl="6" algn="l">
-              <a:spcBef>
-                <a:spcPts val="0"/>
-              </a:spcBef>
-              <a:spcAft>
-                <a:spcPts val="0"/>
-              </a:spcAft>
-              <a:buSzPts val="1400"/>
-              <a:buNone/>
-              <a:defRPr/>
-            </a:lvl7pPr>
-            <a:lvl8pPr lvl="7" algn="l">
-              <a:spcBef>
-                <a:spcPts val="0"/>
-              </a:spcBef>
-              <a:spcAft>
-                <a:spcPts val="0"/>
-              </a:spcAft>
-              <a:buSzPts val="1400"/>
-              <a:buNone/>
-              <a:defRPr/>
-            </a:lvl8pPr>
-            <a:lvl9pPr lvl="8" algn="l">
-              <a:spcBef>
-                <a:spcPts val="0"/>
-              </a:spcBef>
-              <a:spcAft>
-                <a:spcPts val="0"/>
-              </a:spcAft>
-              <a:buSzPts val="1400"/>
-              <a:buNone/>
-              <a:defRPr/>
-            </a:lvl9pPr>
-          </a:lstStyle>
-          <a:p>
-            <a:endParaRPr/>
-          </a:p>
-        </p:txBody>
-      </p:sp>
-      <p:sp>
-        <p:nvSpPr>
-          <p:cNvPr id="60" name="Google Shape;60;p9"/>
-          <p:cNvSpPr txBox="1">
-            <a:spLocks noGrp="1"/>
-          </p:cNvSpPr>
-          <p:nvPr>
-            <p:ph type="sldNum" idx="12"/>
-          </p:nvPr>
-        </p:nvSpPr>
-        <p:spPr>
-          <a:xfrm>
-            <a:off x="8610600" y="6356350"/>
-            <a:ext cx="2743200" cy="365125"/>
-          </a:xfrm>
-          <a:prstGeom prst="rect">
-            <a:avLst/>
-          </a:prstGeom>
-          <a:noFill/>
-          <a:ln>
-            <a:noFill/>
-          </a:ln>
-        </p:spPr>
-        <p:txBody>
-          <a:bodyPr spcFirstLastPara="1" wrap="square" lIns="91425" tIns="45700" rIns="91425" bIns="45700" anchor="ctr" anchorCtr="0">
-            <a:noAutofit/>
-          </a:bodyPr>
-          <a:lstStyle>
-            <a:lvl1pPr marL="0" lvl="0" indent="0" algn="r">
-              <a:spcBef>
-                <a:spcPts val="0"/>
-              </a:spcBef>
-              <a:buNone/>
-              <a:defRPr/>
-            </a:lvl1pPr>
-            <a:lvl2pPr marL="0" lvl="1" indent="0" algn="r">
-              <a:spcBef>
-                <a:spcPts val="0"/>
-              </a:spcBef>
-              <a:buNone/>
-              <a:defRPr/>
-            </a:lvl2pPr>
-            <a:lvl3pPr marL="0" lvl="2" indent="0" algn="r">
-              <a:spcBef>
-                <a:spcPts val="0"/>
-              </a:spcBef>
-              <a:buNone/>
-              <a:defRPr/>
-            </a:lvl3pPr>
-            <a:lvl4pPr marL="0" lvl="3" indent="0" algn="r">
-              <a:spcBef>
-                <a:spcPts val="0"/>
-              </a:spcBef>
-              <a:buNone/>
-              <a:defRPr/>
-            </a:lvl4pPr>
-            <a:lvl5pPr marL="0" lvl="4" indent="0" algn="r">
-              <a:spcBef>
-                <a:spcPts val="0"/>
-              </a:spcBef>
-              <a:buNone/>
-              <a:defRPr/>
-            </a:lvl5pPr>
-            <a:lvl6pPr marL="0" lvl="5" indent="0" algn="r">
-              <a:spcBef>
-                <a:spcPts val="0"/>
-              </a:spcBef>
-              <a:buNone/>
-              <a:defRPr/>
-            </a:lvl6pPr>
-            <a:lvl7pPr marL="0" lvl="6" indent="0" algn="r">
-              <a:spcBef>
-                <a:spcPts val="0"/>
-              </a:spcBef>
-              <a:buNone/>
-              <a:defRPr/>
-            </a:lvl7pPr>
-            <a:lvl8pPr marL="0" lvl="7" indent="0" algn="r">
-              <a:spcBef>
-                <a:spcPts val="0"/>
-              </a:spcBef>
-              <a:buNone/>
-              <a:defRPr/>
-            </a:lvl8pPr>
-            <a:lvl9pPr marL="0" lvl="8" indent="0" algn="r">
-              <a:spcBef>
-                <a:spcPts val="0"/>
-              </a:spcBef>
-              <a:buNone/>
-              <a:defRPr/>
-            </a:lvl9pPr>
-          </a:lstStyle>
-          <a:p>
-            <a:pPr marL="0" lvl="0" indent="0" algn="r" rtl="0">
-              <a:spcBef>
-                <a:spcPts val="0"/>
-              </a:spcBef>
-              <a:spcAft>
-                <a:spcPts val="0"/>
-              </a:spcAft>
+              <a:buSzPts val="1800"/>
+              <a:buFont typeface="Arial"/>
               <a:buNone/>
             </a:pPr>
-            <a:fld id="{00000000-1234-1234-1234-123412341234}" type="slidenum">
-              <a:rPr lang="en-US"/>
-              <a:t>‹#›</a:t>
-            </a:fld>
-            <a:endParaRPr/>
+            <a:r>
+              <a:rPr lang="en-US" sz="1800" b="0" i="0" u="none" strike="noStrike" cap="none" dirty="0">
+                <a:solidFill>
+                  <a:srgbClr val="A3AB9E"/>
+                </a:solidFill>
+                <a:latin typeface="Lato"/>
+                <a:ea typeface="Lato"/>
+                <a:cs typeface="Lato"/>
+                <a:sym typeface="Lato"/>
+              </a:rPr>
+              <a:t>Reformed Evangelical Church Singapore</a:t>
+            </a:r>
+            <a:endParaRPr dirty="0"/>
           </a:p>
         </p:txBody>
       </p:sp>
@@ -1901,10 +2139,129 @@
   <p:clrMapOvr>
     <a:masterClrMapping/>
   </p:clrMapOvr>
+  <p:timing>
+    <p:tnLst>
+      <p:par>
+        <p:cTn id="1" dur="indefinite" restart="never" nodeType="tmRoot">
+          <p:childTnLst>
+            <p:seq concurrent="1" nextAc="seek">
+              <p:cTn id="2" dur="indefinite" nodeType="mainSeq">
+                <p:childTnLst>
+                  <p:par>
+                    <p:cTn id="3" fill="hold">
+                      <p:stCondLst>
+                        <p:cond delay="indefinite"/>
+                        <p:cond evt="onBegin" delay="0">
+                          <p:tn val="2"/>
+                        </p:cond>
+                      </p:stCondLst>
+                      <p:childTnLst>
+                        <p:par>
+                          <p:cTn id="4" fill="hold">
+                            <p:stCondLst>
+                              <p:cond delay="0"/>
+                            </p:stCondLst>
+                            <p:childTnLst>
+                              <p:par>
+                                <p:cTn id="5" presetID="1" presetClass="path" presetSubtype="0" accel="50000" decel="50000" fill="hold" grpId="0" nodeType="withEffect">
+                                  <p:stCondLst>
+                                    <p:cond delay="0"/>
+                                  </p:stCondLst>
+                                  <p:childTnLst>
+                                    <p:animMotion origin="layout" path="M -0.02916 -0.2 C 0.10951 -0.2 0.22214 -0.07106 0.22214 0.08912 C 0.22214 0.24884 0.10951 0.37963 -0.02916 0.37963 C -0.1677 0.37963 -0.27981 0.24884 -0.27981 0.08912 C -0.27981 -0.07106 -0.1677 -0.2 -0.02916 -0.2 Z " pathEditMode="relative" rAng="0" ptsTypes="AAAAA">
+                                      <p:cBhvr>
+                                        <p:cTn id="6" dur="10000" fill="hold"/>
+                                        <p:tgtEl>
+                                          <p:spTgt spid="2"/>
+                                        </p:tgtEl>
+                                        <p:attrNameLst>
+                                          <p:attrName>ppt_x</p:attrName>
+                                          <p:attrName>ppt_y</p:attrName>
+                                        </p:attrNameLst>
+                                      </p:cBhvr>
+                                      <p:rCtr x="26" y="28981"/>
+                                    </p:animMotion>
+                                  </p:childTnLst>
+                                </p:cTn>
+                              </p:par>
+                              <p:par>
+                                <p:cTn id="7" presetID="10" presetClass="entr" presetSubtype="0" fill="hold" nodeType="withEffect">
+                                  <p:stCondLst>
+                                    <p:cond delay="0"/>
+                                  </p:stCondLst>
+                                  <p:childTnLst>
+                                    <p:set>
+                                      <p:cBhvr>
+                                        <p:cTn id="8" dur="1" fill="hold">
+                                          <p:stCondLst>
+                                            <p:cond delay="0"/>
+                                          </p:stCondLst>
+                                        </p:cTn>
+                                        <p:tgtEl>
+                                          <p:spTgt spid="8">
+                                            <p:txEl>
+                                              <p:pRg st="0" end="0"/>
+                                            </p:txEl>
+                                          </p:spTgt>
+                                        </p:tgtEl>
+                                        <p:attrNameLst>
+                                          <p:attrName>style.visibility</p:attrName>
+                                        </p:attrNameLst>
+                                      </p:cBhvr>
+                                      <p:to>
+                                        <p:strVal val="visible"/>
+                                      </p:to>
+                                    </p:set>
+                                    <p:animEffect transition="in" filter="fade">
+                                      <p:cBhvr>
+                                        <p:cTn id="9" dur="500"/>
+                                        <p:tgtEl>
+                                          <p:spTgt spid="8">
+                                            <p:txEl>
+                                              <p:pRg st="0" end="0"/>
+                                            </p:txEl>
+                                          </p:spTgt>
+                                        </p:tgtEl>
+                                      </p:cBhvr>
+                                    </p:animEffect>
+                                  </p:childTnLst>
+                                </p:cTn>
+                              </p:par>
+                            </p:childTnLst>
+                          </p:cTn>
+                        </p:par>
+                      </p:childTnLst>
+                    </p:cTn>
+                  </p:par>
+                </p:childTnLst>
+              </p:cTn>
+              <p:prevCondLst>
+                <p:cond evt="onPrev" delay="0">
+                  <p:tgtEl>
+                    <p:sldTgt/>
+                  </p:tgtEl>
+                </p:cond>
+              </p:prevCondLst>
+              <p:nextCondLst>
+                <p:cond evt="onNext" delay="0">
+                  <p:tgtEl>
+                    <p:sldTgt/>
+                  </p:tgtEl>
+                </p:cond>
+              </p:nextCondLst>
+            </p:seq>
+          </p:childTnLst>
+        </p:cTn>
+      </p:par>
+    </p:tnLst>
+    <p:bldLst>
+      <p:bldP spid="2" grpId="0" animBg="1"/>
+    </p:bldLst>
+  </p:timing>
 </p:sldLayout>
 </file>
 
-<file path=ppt/slideLayouts/slideLayout11.xml><?xml version="1.0" encoding="utf-8"?>
+<file path=ppt/slideLayouts/slideLayout13.xml><?xml version="1.0" encoding="utf-8"?>
 <p:sldLayout xmlns:a="http://schemas.openxmlformats.org/drawingml/2006/main" xmlns:r="http://schemas.openxmlformats.org/officeDocument/2006/relationships" xmlns:p="http://schemas.openxmlformats.org/presentationml/2006/main" matchingName="Picture with Caption" type="picTx">
   <p:cSld name="PICTURE_WITH_CAPTION_TEXT">
     <p:spTree>
@@ -2900,7 +3257,7 @@
 </p:sldLayout>
 </file>
 
-<file path=ppt/slideLayouts/slideLayout12.xml><?xml version="1.0" encoding="utf-8"?>
+<file path=ppt/slideLayouts/slideLayout14.xml><?xml version="1.0" encoding="utf-8"?>
 <p:sldLayout xmlns:a="http://schemas.openxmlformats.org/drawingml/2006/main" xmlns:r="http://schemas.openxmlformats.org/officeDocument/2006/relationships" xmlns:p="http://schemas.openxmlformats.org/presentationml/2006/main" matchingName="Title and Vertical Text" type="vertTx">
   <p:cSld name="VERTICAL_TEXT">
     <p:spTree>
@@ -3627,7 +3984,7 @@
 </p:sldLayout>
 </file>
 
-<file path=ppt/slideLayouts/slideLayout13.xml><?xml version="1.0" encoding="utf-8"?>
+<file path=ppt/slideLayouts/slideLayout15.xml><?xml version="1.0" encoding="utf-8"?>
 <p:sldLayout xmlns:a="http://schemas.openxmlformats.org/drawingml/2006/main" xmlns:r="http://schemas.openxmlformats.org/officeDocument/2006/relationships" xmlns:p="http://schemas.openxmlformats.org/presentationml/2006/main" matchingName="Vertical Title and Text" type="vertTitleAndTx">
   <p:cSld name="VERTICAL_TITLE_AND_VERTICAL_TEXT">
     <p:spTree>
@@ -5098,8 +5455,521 @@
 </file>
 
 <file path=ppt/slideLayouts/slideLayout6.xml><?xml version="1.0" encoding="utf-8"?>
-<p:sldLayout xmlns:a="http://schemas.openxmlformats.org/drawingml/2006/main" xmlns:r="http://schemas.openxmlformats.org/officeDocument/2006/relationships" xmlns:p="http://schemas.openxmlformats.org/presentationml/2006/main" matchingName="Section Header" type="secHead">
+<p:sldLayout xmlns:a="http://schemas.openxmlformats.org/drawingml/2006/main" xmlns:r="http://schemas.openxmlformats.org/officeDocument/2006/relationships" xmlns:p="http://schemas.openxmlformats.org/presentationml/2006/main" matchingName="Blank" preserve="1" userDrawn="1">
+  <p:cSld name="1_Blank">
+    <p:bg>
+      <p:bgPr>
+        <a:solidFill>
+          <a:srgbClr val="FFFFFF"/>
+        </a:solidFill>
+        <a:effectLst/>
+      </p:bgPr>
+    </p:bg>
+    <p:spTree>
+      <p:nvGrpSpPr>
+        <p:cNvPr id="1" name="Shape 11"/>
+        <p:cNvGrpSpPr/>
+        <p:nvPr/>
+      </p:nvGrpSpPr>
+      <p:grpSpPr>
+        <a:xfrm>
+          <a:off x="0" y="0"/>
+          <a:ext cx="0" cy="0"/>
+          <a:chOff x="0" y="0"/>
+          <a:chExt cx="0" cy="0"/>
+        </a:xfrm>
+      </p:grpSpPr>
+      <p:sp>
+        <p:nvSpPr>
+          <p:cNvPr id="4" name="Title 3">
+            <a:extLst>
+              <a:ext uri="{FF2B5EF4-FFF2-40B4-BE49-F238E27FC236}">
+                <a16:creationId xmlns:a16="http://schemas.microsoft.com/office/drawing/2014/main" id="{A3CE34C6-C56E-8E17-F327-5087BBE17CF5}"/>
+              </a:ext>
+            </a:extLst>
+          </p:cNvPr>
+          <p:cNvSpPr>
+            <a:spLocks noGrp="1"/>
+          </p:cNvSpPr>
+          <p:nvPr>
+            <p:ph type="title"/>
+          </p:nvPr>
+        </p:nvSpPr>
+        <p:spPr>
+          <a:xfrm>
+            <a:off x="348996" y="329470"/>
+            <a:ext cx="11494008" cy="649224"/>
+          </a:xfrm>
+        </p:spPr>
+        <p:txBody>
+          <a:bodyPr/>
+          <a:lstStyle>
+            <a:lvl1pPr algn="ctr">
+              <a:defRPr sz="3600">
+                <a:solidFill>
+                  <a:srgbClr val="2E75B6"/>
+                </a:solidFill>
+                <a:latin typeface="Arial" panose="020B0604020202020204" pitchFamily="34" charset="0"/>
+                <a:cs typeface="Arial" panose="020B0604020202020204" pitchFamily="34" charset="0"/>
+              </a:defRPr>
+            </a:lvl1pPr>
+          </a:lstStyle>
+          <a:p>
+            <a:r>
+              <a:rPr lang="en-US" dirty="0"/>
+              <a:t>Click to edit Master title style</a:t>
+            </a:r>
+          </a:p>
+        </p:txBody>
+      </p:sp>
+      <p:sp>
+        <p:nvSpPr>
+          <p:cNvPr id="6" name="Text Placeholder 5">
+            <a:extLst>
+              <a:ext uri="{FF2B5EF4-FFF2-40B4-BE49-F238E27FC236}">
+                <a16:creationId xmlns:a16="http://schemas.microsoft.com/office/drawing/2014/main" id="{F52641B2-5252-C06A-D46A-AC38A2E20118}"/>
+              </a:ext>
+            </a:extLst>
+          </p:cNvPr>
+          <p:cNvSpPr>
+            <a:spLocks noGrp="1"/>
+          </p:cNvSpPr>
+          <p:nvPr>
+            <p:ph type="body" sz="quarter" idx="11"/>
+          </p:nvPr>
+        </p:nvSpPr>
+        <p:spPr>
+          <a:xfrm>
+            <a:off x="3067050" y="1106488"/>
+            <a:ext cx="6057900" cy="365760"/>
+          </a:xfrm>
+        </p:spPr>
+        <p:txBody>
+          <a:bodyPr anchor="b"/>
+          <a:lstStyle>
+            <a:lvl1pPr marL="50800" indent="0" algn="ctr">
+              <a:buNone/>
+              <a:defRPr sz="1800">
+                <a:solidFill>
+                  <a:srgbClr val="7B7B7B"/>
+                </a:solidFill>
+                <a:latin typeface="Arial" panose="020B0604020202020204" pitchFamily="34" charset="0"/>
+                <a:cs typeface="Arial" panose="020B0604020202020204" pitchFamily="34" charset="0"/>
+              </a:defRPr>
+            </a:lvl1pPr>
+          </a:lstStyle>
+          <a:p>
+            <a:pPr lvl="0"/>
+            <a:r>
+              <a:rPr lang="en-US" dirty="0"/>
+              <a:t>Click to edit Master text styles</a:t>
+            </a:r>
+          </a:p>
+        </p:txBody>
+      </p:sp>
+      <p:sp>
+        <p:nvSpPr>
+          <p:cNvPr id="8" name="Text Placeholder 7">
+            <a:extLst>
+              <a:ext uri="{FF2B5EF4-FFF2-40B4-BE49-F238E27FC236}">
+                <a16:creationId xmlns:a16="http://schemas.microsoft.com/office/drawing/2014/main" id="{C9028B1B-75E5-78D0-891E-EBE719B6E8E1}"/>
+              </a:ext>
+            </a:extLst>
+          </p:cNvPr>
+          <p:cNvSpPr>
+            <a:spLocks noGrp="1"/>
+          </p:cNvSpPr>
+          <p:nvPr>
+            <p:ph type="body" sz="quarter" idx="12"/>
+          </p:nvPr>
+        </p:nvSpPr>
+        <p:spPr>
+          <a:xfrm>
+            <a:off x="647700" y="1790699"/>
+            <a:ext cx="10985500" cy="3606801"/>
+          </a:xfrm>
+        </p:spPr>
+        <p:txBody>
+          <a:bodyPr/>
+          <a:lstStyle>
+            <a:lvl1pPr marL="50800" indent="0">
+              <a:buNone/>
+              <a:defRPr/>
+            </a:lvl1pPr>
+          </a:lstStyle>
+          <a:p>
+            <a:pPr lvl="0"/>
+            <a:r>
+              <a:rPr lang="en-US" dirty="0"/>
+              <a:t>Click to edit Master </a:t>
+            </a:r>
+            <a:r>
+              <a:rPr lang="en-US"/>
+              <a:t>text styles</a:t>
+            </a:r>
+            <a:endParaRPr lang="en-US" dirty="0"/>
+          </a:p>
+        </p:txBody>
+      </p:sp>
+      <p:sp>
+        <p:nvSpPr>
+          <p:cNvPr id="10" name="Text Placeholder 9">
+            <a:extLst>
+              <a:ext uri="{FF2B5EF4-FFF2-40B4-BE49-F238E27FC236}">
+                <a16:creationId xmlns:a16="http://schemas.microsoft.com/office/drawing/2014/main" id="{8C301872-27F1-C792-A3DC-A2E6B113DBA4}"/>
+              </a:ext>
+            </a:extLst>
+          </p:cNvPr>
+          <p:cNvSpPr>
+            <a:spLocks noGrp="1"/>
+          </p:cNvSpPr>
+          <p:nvPr>
+            <p:ph type="body" sz="quarter" idx="13" hasCustomPrompt="1"/>
+          </p:nvPr>
+        </p:nvSpPr>
+        <p:spPr>
+          <a:xfrm>
+            <a:off x="4597400" y="5753830"/>
+            <a:ext cx="2997200" cy="672370"/>
+          </a:xfrm>
+        </p:spPr>
+        <p:txBody>
+          <a:bodyPr/>
+          <a:lstStyle>
+            <a:lvl1pPr marL="50800" indent="0" algn="ctr">
+              <a:buNone/>
+              <a:defRPr sz="3000">
+                <a:solidFill>
+                  <a:srgbClr val="2E75B6"/>
+                </a:solidFill>
+                <a:latin typeface="Lato" panose="020F0502020204030203" pitchFamily="34" charset="0"/>
+                <a:ea typeface="Lato" panose="020F0502020204030203" pitchFamily="34" charset="0"/>
+                <a:cs typeface="Lato" panose="020F0502020204030203" pitchFamily="34" charset="0"/>
+              </a:defRPr>
+            </a:lvl1pPr>
+          </a:lstStyle>
+          <a:p>
+            <a:pPr lvl="0"/>
+            <a:r>
+              <a:rPr lang="en-US" dirty="0"/>
+              <a:t>1</a:t>
+            </a:r>
+          </a:p>
+        </p:txBody>
+      </p:sp>
+    </p:spTree>
+    <p:extLst>
+      <p:ext uri="{BB962C8B-B14F-4D97-AF65-F5344CB8AC3E}">
+        <p14:creationId xmlns:p14="http://schemas.microsoft.com/office/powerpoint/2010/main" val="3773338413"/>
+      </p:ext>
+    </p:extLst>
+  </p:cSld>
+  <p:clrMapOvr>
+    <a:masterClrMapping/>
+  </p:clrMapOvr>
+  <p:extLst>
+    <p:ext uri="{DCECCB84-F9BA-43D5-87BE-67443E8EF086}">
+      <p15:sldGuideLst xmlns:p15="http://schemas.microsoft.com/office/powerpoint/2012/main">
+        <p15:guide id="1" orient="horz" pos="2160" userDrawn="1">
+          <p15:clr>
+            <a:srgbClr val="FBAE40"/>
+          </p15:clr>
+        </p15:guide>
+        <p15:guide id="2" pos="3840" userDrawn="1">
+          <p15:clr>
+            <a:srgbClr val="FBAE40"/>
+          </p15:clr>
+        </p15:guide>
+      </p15:sldGuideLst>
+    </p:ext>
+  </p:extLst>
+</p:sldLayout>
+</file>
+
+<file path=ppt/slideLayouts/slideLayout7.xml><?xml version="1.0" encoding="utf-8"?>
+<p:sldLayout xmlns:a="http://schemas.openxmlformats.org/drawingml/2006/main" xmlns:r="http://schemas.openxmlformats.org/officeDocument/2006/relationships" xmlns:p="http://schemas.openxmlformats.org/presentationml/2006/main" matchingName="Blank" preserve="1" userDrawn="1">
+  <p:cSld name="1_Blank">
+    <p:bg>
+      <p:bgPr>
+        <a:solidFill>
+          <a:srgbClr val="FAFDF7"/>
+        </a:solidFill>
+        <a:effectLst/>
+      </p:bgPr>
+    </p:bg>
+    <p:spTree>
+      <p:nvGrpSpPr>
+        <p:cNvPr id="1" name="Shape 11"/>
+        <p:cNvGrpSpPr/>
+        <p:nvPr/>
+      </p:nvGrpSpPr>
+      <p:grpSpPr>
+        <a:xfrm>
+          <a:off x="0" y="0"/>
+          <a:ext cx="0" cy="0"/>
+          <a:chOff x="0" y="0"/>
+          <a:chExt cx="0" cy="0"/>
+        </a:xfrm>
+      </p:grpSpPr>
+      <p:sp>
+        <p:nvSpPr>
+          <p:cNvPr id="4" name="Title 3">
+            <a:extLst>
+              <a:ext uri="{FF2B5EF4-FFF2-40B4-BE49-F238E27FC236}">
+                <a16:creationId xmlns:a16="http://schemas.microsoft.com/office/drawing/2014/main" id="{A3CE34C6-C56E-8E17-F327-5087BBE17CF5}"/>
+              </a:ext>
+            </a:extLst>
+          </p:cNvPr>
+          <p:cNvSpPr>
+            <a:spLocks noGrp="1"/>
+          </p:cNvSpPr>
+          <p:nvPr>
+            <p:ph type="title"/>
+          </p:nvPr>
+        </p:nvSpPr>
+        <p:spPr>
+          <a:xfrm>
+            <a:off x="4597400" y="329470"/>
+            <a:ext cx="7245604" cy="649224"/>
+          </a:xfrm>
+        </p:spPr>
+        <p:txBody>
+          <a:bodyPr/>
+          <a:lstStyle>
+            <a:lvl1pPr algn="ctr">
+              <a:defRPr sz="3600">
+                <a:solidFill>
+                  <a:srgbClr val="548135"/>
+                </a:solidFill>
+                <a:latin typeface="Arial" panose="020B0604020202020204" pitchFamily="34" charset="0"/>
+                <a:cs typeface="Arial" panose="020B0604020202020204" pitchFamily="34" charset="0"/>
+              </a:defRPr>
+            </a:lvl1pPr>
+          </a:lstStyle>
+          <a:p>
+            <a:r>
+              <a:rPr lang="en-US" dirty="0"/>
+              <a:t>Click to edit Master title style</a:t>
+            </a:r>
+          </a:p>
+        </p:txBody>
+      </p:sp>
+      <p:sp>
+        <p:nvSpPr>
+          <p:cNvPr id="6" name="Text Placeholder 5">
+            <a:extLst>
+              <a:ext uri="{FF2B5EF4-FFF2-40B4-BE49-F238E27FC236}">
+                <a16:creationId xmlns:a16="http://schemas.microsoft.com/office/drawing/2014/main" id="{F52641B2-5252-C06A-D46A-AC38A2E20118}"/>
+              </a:ext>
+            </a:extLst>
+          </p:cNvPr>
+          <p:cNvSpPr>
+            <a:spLocks noGrp="1"/>
+          </p:cNvSpPr>
+          <p:nvPr>
+            <p:ph type="body" sz="quarter" idx="11"/>
+          </p:nvPr>
+        </p:nvSpPr>
+        <p:spPr>
+          <a:xfrm>
+            <a:off x="6453809" y="1063894"/>
+            <a:ext cx="3578088" cy="365760"/>
+          </a:xfrm>
+        </p:spPr>
+        <p:txBody>
+          <a:bodyPr anchor="b"/>
+          <a:lstStyle>
+            <a:lvl1pPr marL="50800" indent="0" algn="ctr">
+              <a:buNone/>
+              <a:defRPr sz="1800">
+                <a:solidFill>
+                  <a:srgbClr val="7B7B7B"/>
+                </a:solidFill>
+                <a:latin typeface="Arial" panose="020B0604020202020204" pitchFamily="34" charset="0"/>
+                <a:cs typeface="Arial" panose="020B0604020202020204" pitchFamily="34" charset="0"/>
+              </a:defRPr>
+            </a:lvl1pPr>
+          </a:lstStyle>
+          <a:p>
+            <a:pPr lvl="0"/>
+            <a:r>
+              <a:rPr lang="en-US" dirty="0"/>
+              <a:t>Click to edit Master text styles</a:t>
+            </a:r>
+          </a:p>
+        </p:txBody>
+      </p:sp>
+      <p:sp>
+        <p:nvSpPr>
+          <p:cNvPr id="8" name="Text Placeholder 7">
+            <a:extLst>
+              <a:ext uri="{FF2B5EF4-FFF2-40B4-BE49-F238E27FC236}">
+                <a16:creationId xmlns:a16="http://schemas.microsoft.com/office/drawing/2014/main" id="{C9028B1B-75E5-78D0-891E-EBE719B6E8E1}"/>
+              </a:ext>
+            </a:extLst>
+          </p:cNvPr>
+          <p:cNvSpPr>
+            <a:spLocks noGrp="1"/>
+          </p:cNvSpPr>
+          <p:nvPr>
+            <p:ph type="body" sz="quarter" idx="12"/>
+          </p:nvPr>
+        </p:nvSpPr>
+        <p:spPr>
+          <a:xfrm>
+            <a:off x="4704522" y="1790699"/>
+            <a:ext cx="7138482" cy="3606801"/>
+          </a:xfrm>
+        </p:spPr>
+        <p:txBody>
+          <a:bodyPr/>
+          <a:lstStyle>
+            <a:lvl1pPr marL="50800" indent="0">
+              <a:buNone/>
+              <a:defRPr/>
+            </a:lvl1pPr>
+          </a:lstStyle>
+          <a:p>
+            <a:pPr lvl="0"/>
+            <a:r>
+              <a:rPr lang="en-US" dirty="0"/>
+              <a:t>Click to edit Master </a:t>
+            </a:r>
+            <a:r>
+              <a:rPr lang="en-US"/>
+              <a:t>text styles</a:t>
+            </a:r>
+            <a:endParaRPr lang="en-US" dirty="0"/>
+          </a:p>
+        </p:txBody>
+      </p:sp>
+      <p:sp>
+        <p:nvSpPr>
+          <p:cNvPr id="10" name="Text Placeholder 9">
+            <a:extLst>
+              <a:ext uri="{FF2B5EF4-FFF2-40B4-BE49-F238E27FC236}">
+                <a16:creationId xmlns:a16="http://schemas.microsoft.com/office/drawing/2014/main" id="{8C301872-27F1-C792-A3DC-A2E6B113DBA4}"/>
+              </a:ext>
+            </a:extLst>
+          </p:cNvPr>
+          <p:cNvSpPr>
+            <a:spLocks noGrp="1"/>
+          </p:cNvSpPr>
+          <p:nvPr>
+            <p:ph type="body" sz="quarter" idx="13" hasCustomPrompt="1"/>
+          </p:nvPr>
+        </p:nvSpPr>
+        <p:spPr>
+          <a:xfrm>
+            <a:off x="4597400" y="5753830"/>
+            <a:ext cx="2997200" cy="672370"/>
+          </a:xfrm>
+        </p:spPr>
+        <p:txBody>
+          <a:bodyPr/>
+          <a:lstStyle>
+            <a:lvl1pPr marL="50800" indent="0" algn="ctr">
+              <a:buNone/>
+              <a:defRPr sz="3000">
+                <a:solidFill>
+                  <a:srgbClr val="A8D18C"/>
+                </a:solidFill>
+                <a:latin typeface="Lato" panose="020F0502020204030203" pitchFamily="34" charset="0"/>
+                <a:ea typeface="Lato" panose="020F0502020204030203" pitchFamily="34" charset="0"/>
+                <a:cs typeface="Lato" panose="020F0502020204030203" pitchFamily="34" charset="0"/>
+              </a:defRPr>
+            </a:lvl1pPr>
+          </a:lstStyle>
+          <a:p>
+            <a:pPr lvl="0"/>
+            <a:r>
+              <a:rPr lang="en-US" dirty="0"/>
+              <a:t>1</a:t>
+            </a:r>
+          </a:p>
+        </p:txBody>
+      </p:sp>
+      <p:pic>
+        <p:nvPicPr>
+          <p:cNvPr id="2" name="Google Shape;255;p34">
+            <a:extLst>
+              <a:ext uri="{FF2B5EF4-FFF2-40B4-BE49-F238E27FC236}">
+                <a16:creationId xmlns:a16="http://schemas.microsoft.com/office/drawing/2014/main" id="{85C2D67E-92F3-3A9C-5E59-BD8402164296}"/>
+              </a:ext>
+            </a:extLst>
+          </p:cNvPr>
+          <p:cNvPicPr preferRelativeResize="0"/>
+          <p:nvPr userDrawn="1"/>
+        </p:nvPicPr>
+        <p:blipFill>
+          <a:blip r:embed="rId2">
+            <a:alphaModFix/>
+          </a:blip>
+          <a:stretch>
+            <a:fillRect/>
+          </a:stretch>
+        </p:blipFill>
+        <p:spPr>
+          <a:xfrm>
+            <a:off x="184275" y="1087974"/>
+            <a:ext cx="4317525" cy="4846320"/>
+          </a:xfrm>
+          <a:prstGeom prst="rect">
+            <a:avLst/>
+          </a:prstGeom>
+          <a:solidFill>
+            <a:schemeClr val="accent3">
+              <a:lumMod val="20000"/>
+              <a:lumOff val="80000"/>
+            </a:schemeClr>
+          </a:solidFill>
+          <a:ln w="82550">
+            <a:solidFill>
+              <a:schemeClr val="bg1"/>
+            </a:solidFill>
+          </a:ln>
+        </p:spPr>
+      </p:pic>
+    </p:spTree>
+    <p:extLst>
+      <p:ext uri="{BB962C8B-B14F-4D97-AF65-F5344CB8AC3E}">
+        <p14:creationId xmlns:p14="http://schemas.microsoft.com/office/powerpoint/2010/main" val="1312340487"/>
+      </p:ext>
+    </p:extLst>
+  </p:cSld>
+  <p:clrMapOvr>
+    <a:masterClrMapping/>
+  </p:clrMapOvr>
+  <p:extLst>
+    <p:ext uri="{DCECCB84-F9BA-43D5-87BE-67443E8EF086}">
+      <p15:sldGuideLst xmlns:p15="http://schemas.microsoft.com/office/powerpoint/2012/main">
+        <p15:guide id="1" orient="horz" pos="2160" userDrawn="1">
+          <p15:clr>
+            <a:srgbClr val="FBAE40"/>
+          </p15:clr>
+        </p15:guide>
+        <p15:guide id="2" pos="3840" userDrawn="1">
+          <p15:clr>
+            <a:srgbClr val="FBAE40"/>
+          </p15:clr>
+        </p15:guide>
+      </p15:sldGuideLst>
+    </p:ext>
+  </p:extLst>
+</p:sldLayout>
+</file>
+
+<file path=ppt/slideLayouts/slideLayout8.xml><?xml version="1.0" encoding="utf-8"?>
+<p:sldLayout xmlns:a="http://schemas.openxmlformats.org/drawingml/2006/main" xmlns:r="http://schemas.openxmlformats.org/officeDocument/2006/relationships" xmlns:p="http://schemas.openxmlformats.org/presentationml/2006/main" matchingName="Section Header" userDrawn="1">
   <p:cSld name="SECTION_HEADER">
+    <p:bg>
+      <p:bgPr>
+        <a:solidFill>
+          <a:schemeClr val="tx1"/>
+        </a:solidFill>
+        <a:effectLst/>
+      </p:bgPr>
+    </p:bg>
     <p:spTree>
       <p:nvGrpSpPr>
         <p:cNvPr id="1" name="Shape 27"/>
@@ -5114,745 +5984,6 @@
           <a:chExt cx="0" cy="0"/>
         </a:xfrm>
       </p:grpSpPr>
-      <p:sp>
-        <p:nvSpPr>
-          <p:cNvPr id="28" name="Google Shape;28;p5"/>
-          <p:cNvSpPr txBox="1">
-            <a:spLocks noGrp="1"/>
-          </p:cNvSpPr>
-          <p:nvPr>
-            <p:ph type="title"/>
-          </p:nvPr>
-        </p:nvSpPr>
-        <p:spPr>
-          <a:xfrm>
-            <a:off x="831850" y="1709738"/>
-            <a:ext cx="10515600" cy="2852737"/>
-          </a:xfrm>
-          <a:prstGeom prst="rect">
-            <a:avLst/>
-          </a:prstGeom>
-          <a:noFill/>
-          <a:ln>
-            <a:noFill/>
-          </a:ln>
-        </p:spPr>
-        <p:txBody>
-          <a:bodyPr spcFirstLastPara="1" wrap="square" lIns="91425" tIns="45700" rIns="91425" bIns="45700" anchor="b" anchorCtr="0">
-            <a:noAutofit/>
-          </a:bodyPr>
-          <a:lstStyle>
-            <a:lvl1pPr lvl="0" algn="l">
-              <a:lnSpc>
-                <a:spcPct val="90000"/>
-              </a:lnSpc>
-              <a:spcBef>
-                <a:spcPts val="0"/>
-              </a:spcBef>
-              <a:spcAft>
-                <a:spcPts val="0"/>
-              </a:spcAft>
-              <a:buClr>
-                <a:schemeClr val="dk1"/>
-              </a:buClr>
-              <a:buSzPts val="6000"/>
-              <a:buFont typeface="Calibri"/>
-              <a:buNone/>
-              <a:defRPr sz="6000"/>
-            </a:lvl1pPr>
-            <a:lvl2pPr lvl="1">
-              <a:spcBef>
-                <a:spcPts val="0"/>
-              </a:spcBef>
-              <a:spcAft>
-                <a:spcPts val="0"/>
-              </a:spcAft>
-              <a:buSzPts val="1400"/>
-              <a:buNone/>
-              <a:defRPr/>
-            </a:lvl2pPr>
-            <a:lvl3pPr lvl="2">
-              <a:spcBef>
-                <a:spcPts val="0"/>
-              </a:spcBef>
-              <a:spcAft>
-                <a:spcPts val="0"/>
-              </a:spcAft>
-              <a:buSzPts val="1400"/>
-              <a:buNone/>
-              <a:defRPr/>
-            </a:lvl3pPr>
-            <a:lvl4pPr lvl="3">
-              <a:spcBef>
-                <a:spcPts val="0"/>
-              </a:spcBef>
-              <a:spcAft>
-                <a:spcPts val="0"/>
-              </a:spcAft>
-              <a:buSzPts val="1400"/>
-              <a:buNone/>
-              <a:defRPr/>
-            </a:lvl4pPr>
-            <a:lvl5pPr lvl="4">
-              <a:spcBef>
-                <a:spcPts val="0"/>
-              </a:spcBef>
-              <a:spcAft>
-                <a:spcPts val="0"/>
-              </a:spcAft>
-              <a:buSzPts val="1400"/>
-              <a:buNone/>
-              <a:defRPr/>
-            </a:lvl5pPr>
-            <a:lvl6pPr lvl="5">
-              <a:spcBef>
-                <a:spcPts val="0"/>
-              </a:spcBef>
-              <a:spcAft>
-                <a:spcPts val="0"/>
-              </a:spcAft>
-              <a:buSzPts val="1400"/>
-              <a:buNone/>
-              <a:defRPr/>
-            </a:lvl6pPr>
-            <a:lvl7pPr lvl="6">
-              <a:spcBef>
-                <a:spcPts val="0"/>
-              </a:spcBef>
-              <a:spcAft>
-                <a:spcPts val="0"/>
-              </a:spcAft>
-              <a:buSzPts val="1400"/>
-              <a:buNone/>
-              <a:defRPr/>
-            </a:lvl7pPr>
-            <a:lvl8pPr lvl="7">
-              <a:spcBef>
-                <a:spcPts val="0"/>
-              </a:spcBef>
-              <a:spcAft>
-                <a:spcPts val="0"/>
-              </a:spcAft>
-              <a:buSzPts val="1400"/>
-              <a:buNone/>
-              <a:defRPr/>
-            </a:lvl8pPr>
-            <a:lvl9pPr lvl="8">
-              <a:spcBef>
-                <a:spcPts val="0"/>
-              </a:spcBef>
-              <a:spcAft>
-                <a:spcPts val="0"/>
-              </a:spcAft>
-              <a:buSzPts val="1400"/>
-              <a:buNone/>
-              <a:defRPr/>
-            </a:lvl9pPr>
-          </a:lstStyle>
-          <a:p>
-            <a:endParaRPr/>
-          </a:p>
-        </p:txBody>
-      </p:sp>
-      <p:sp>
-        <p:nvSpPr>
-          <p:cNvPr id="29" name="Google Shape;29;p5"/>
-          <p:cNvSpPr txBox="1">
-            <a:spLocks noGrp="1"/>
-          </p:cNvSpPr>
-          <p:nvPr>
-            <p:ph type="body" idx="1"/>
-          </p:nvPr>
-        </p:nvSpPr>
-        <p:spPr>
-          <a:xfrm>
-            <a:off x="831850" y="4589463"/>
-            <a:ext cx="10515600" cy="1500187"/>
-          </a:xfrm>
-          <a:prstGeom prst="rect">
-            <a:avLst/>
-          </a:prstGeom>
-          <a:noFill/>
-          <a:ln>
-            <a:noFill/>
-          </a:ln>
-        </p:spPr>
-        <p:txBody>
-          <a:bodyPr spcFirstLastPara="1" wrap="square" lIns="91425" tIns="45700" rIns="91425" bIns="45700" anchor="t" anchorCtr="0">
-            <a:noAutofit/>
-          </a:bodyPr>
-          <a:lstStyle>
-            <a:lvl1pPr marL="457200" lvl="0" indent="-228600" algn="l">
-              <a:lnSpc>
-                <a:spcPct val="90000"/>
-              </a:lnSpc>
-              <a:spcBef>
-                <a:spcPts val="1000"/>
-              </a:spcBef>
-              <a:spcAft>
-                <a:spcPts val="0"/>
-              </a:spcAft>
-              <a:buClr>
-                <a:srgbClr val="888888"/>
-              </a:buClr>
-              <a:buSzPts val="2400"/>
-              <a:buNone/>
-              <a:defRPr sz="2400">
-                <a:solidFill>
-                  <a:srgbClr val="888888"/>
-                </a:solidFill>
-              </a:defRPr>
-            </a:lvl1pPr>
-            <a:lvl2pPr marL="914400" lvl="1" indent="-228600" algn="l">
-              <a:lnSpc>
-                <a:spcPct val="90000"/>
-              </a:lnSpc>
-              <a:spcBef>
-                <a:spcPts val="500"/>
-              </a:spcBef>
-              <a:spcAft>
-                <a:spcPts val="0"/>
-              </a:spcAft>
-              <a:buClr>
-                <a:srgbClr val="888888"/>
-              </a:buClr>
-              <a:buSzPts val="2000"/>
-              <a:buNone/>
-              <a:defRPr sz="2000">
-                <a:solidFill>
-                  <a:srgbClr val="888888"/>
-                </a:solidFill>
-              </a:defRPr>
-            </a:lvl2pPr>
-            <a:lvl3pPr marL="1371600" lvl="2" indent="-228600" algn="l">
-              <a:lnSpc>
-                <a:spcPct val="90000"/>
-              </a:lnSpc>
-              <a:spcBef>
-                <a:spcPts val="500"/>
-              </a:spcBef>
-              <a:spcAft>
-                <a:spcPts val="0"/>
-              </a:spcAft>
-              <a:buClr>
-                <a:srgbClr val="888888"/>
-              </a:buClr>
-              <a:buSzPts val="1800"/>
-              <a:buNone/>
-              <a:defRPr sz="1800">
-                <a:solidFill>
-                  <a:srgbClr val="888888"/>
-                </a:solidFill>
-              </a:defRPr>
-            </a:lvl3pPr>
-            <a:lvl4pPr marL="1828800" lvl="3" indent="-228600" algn="l">
-              <a:lnSpc>
-                <a:spcPct val="90000"/>
-              </a:lnSpc>
-              <a:spcBef>
-                <a:spcPts val="500"/>
-              </a:spcBef>
-              <a:spcAft>
-                <a:spcPts val="0"/>
-              </a:spcAft>
-              <a:buClr>
-                <a:srgbClr val="888888"/>
-              </a:buClr>
-              <a:buSzPts val="1600"/>
-              <a:buNone/>
-              <a:defRPr sz="1600">
-                <a:solidFill>
-                  <a:srgbClr val="888888"/>
-                </a:solidFill>
-              </a:defRPr>
-            </a:lvl4pPr>
-            <a:lvl5pPr marL="2286000" lvl="4" indent="-228600" algn="l">
-              <a:lnSpc>
-                <a:spcPct val="90000"/>
-              </a:lnSpc>
-              <a:spcBef>
-                <a:spcPts val="500"/>
-              </a:spcBef>
-              <a:spcAft>
-                <a:spcPts val="0"/>
-              </a:spcAft>
-              <a:buClr>
-                <a:srgbClr val="888888"/>
-              </a:buClr>
-              <a:buSzPts val="1600"/>
-              <a:buNone/>
-              <a:defRPr sz="1600">
-                <a:solidFill>
-                  <a:srgbClr val="888888"/>
-                </a:solidFill>
-              </a:defRPr>
-            </a:lvl5pPr>
-            <a:lvl6pPr marL="2743200" lvl="5" indent="-228600" algn="l">
-              <a:lnSpc>
-                <a:spcPct val="90000"/>
-              </a:lnSpc>
-              <a:spcBef>
-                <a:spcPts val="500"/>
-              </a:spcBef>
-              <a:spcAft>
-                <a:spcPts val="0"/>
-              </a:spcAft>
-              <a:buClr>
-                <a:srgbClr val="888888"/>
-              </a:buClr>
-              <a:buSzPts val="1600"/>
-              <a:buNone/>
-              <a:defRPr sz="1600">
-                <a:solidFill>
-                  <a:srgbClr val="888888"/>
-                </a:solidFill>
-              </a:defRPr>
-            </a:lvl6pPr>
-            <a:lvl7pPr marL="3200400" lvl="6" indent="-228600" algn="l">
-              <a:lnSpc>
-                <a:spcPct val="90000"/>
-              </a:lnSpc>
-              <a:spcBef>
-                <a:spcPts val="500"/>
-              </a:spcBef>
-              <a:spcAft>
-                <a:spcPts val="0"/>
-              </a:spcAft>
-              <a:buClr>
-                <a:srgbClr val="888888"/>
-              </a:buClr>
-              <a:buSzPts val="1600"/>
-              <a:buNone/>
-              <a:defRPr sz="1600">
-                <a:solidFill>
-                  <a:srgbClr val="888888"/>
-                </a:solidFill>
-              </a:defRPr>
-            </a:lvl7pPr>
-            <a:lvl8pPr marL="3657600" lvl="7" indent="-228600" algn="l">
-              <a:lnSpc>
-                <a:spcPct val="90000"/>
-              </a:lnSpc>
-              <a:spcBef>
-                <a:spcPts val="500"/>
-              </a:spcBef>
-              <a:spcAft>
-                <a:spcPts val="0"/>
-              </a:spcAft>
-              <a:buClr>
-                <a:srgbClr val="888888"/>
-              </a:buClr>
-              <a:buSzPts val="1600"/>
-              <a:buNone/>
-              <a:defRPr sz="1600">
-                <a:solidFill>
-                  <a:srgbClr val="888888"/>
-                </a:solidFill>
-              </a:defRPr>
-            </a:lvl8pPr>
-            <a:lvl9pPr marL="4114800" lvl="8" indent="-228600" algn="l">
-              <a:lnSpc>
-                <a:spcPct val="90000"/>
-              </a:lnSpc>
-              <a:spcBef>
-                <a:spcPts val="500"/>
-              </a:spcBef>
-              <a:spcAft>
-                <a:spcPts val="0"/>
-              </a:spcAft>
-              <a:buClr>
-                <a:srgbClr val="888888"/>
-              </a:buClr>
-              <a:buSzPts val="1600"/>
-              <a:buNone/>
-              <a:defRPr sz="1600">
-                <a:solidFill>
-                  <a:srgbClr val="888888"/>
-                </a:solidFill>
-              </a:defRPr>
-            </a:lvl9pPr>
-          </a:lstStyle>
-          <a:p>
-            <a:endParaRPr/>
-          </a:p>
-        </p:txBody>
-      </p:sp>
-      <p:sp>
-        <p:nvSpPr>
-          <p:cNvPr id="30" name="Google Shape;30;p5"/>
-          <p:cNvSpPr txBox="1">
-            <a:spLocks noGrp="1"/>
-          </p:cNvSpPr>
-          <p:nvPr>
-            <p:ph type="dt" idx="10"/>
-          </p:nvPr>
-        </p:nvSpPr>
-        <p:spPr>
-          <a:xfrm>
-            <a:off x="838200" y="6356350"/>
-            <a:ext cx="2743200" cy="365125"/>
-          </a:xfrm>
-          <a:prstGeom prst="rect">
-            <a:avLst/>
-          </a:prstGeom>
-          <a:noFill/>
-          <a:ln>
-            <a:noFill/>
-          </a:ln>
-        </p:spPr>
-        <p:txBody>
-          <a:bodyPr spcFirstLastPara="1" wrap="square" lIns="91425" tIns="45700" rIns="91425" bIns="45700" anchor="ctr" anchorCtr="0">
-            <a:noAutofit/>
-          </a:bodyPr>
-          <a:lstStyle>
-            <a:lvl1pPr lvl="0" algn="l">
-              <a:spcBef>
-                <a:spcPts val="0"/>
-              </a:spcBef>
-              <a:spcAft>
-                <a:spcPts val="0"/>
-              </a:spcAft>
-              <a:buSzPts val="1400"/>
-              <a:buNone/>
-              <a:defRPr/>
-            </a:lvl1pPr>
-            <a:lvl2pPr lvl="1" algn="l">
-              <a:spcBef>
-                <a:spcPts val="0"/>
-              </a:spcBef>
-              <a:spcAft>
-                <a:spcPts val="0"/>
-              </a:spcAft>
-              <a:buSzPts val="1400"/>
-              <a:buNone/>
-              <a:defRPr/>
-            </a:lvl2pPr>
-            <a:lvl3pPr lvl="2" algn="l">
-              <a:spcBef>
-                <a:spcPts val="0"/>
-              </a:spcBef>
-              <a:spcAft>
-                <a:spcPts val="0"/>
-              </a:spcAft>
-              <a:buSzPts val="1400"/>
-              <a:buNone/>
-              <a:defRPr/>
-            </a:lvl3pPr>
-            <a:lvl4pPr lvl="3" algn="l">
-              <a:spcBef>
-                <a:spcPts val="0"/>
-              </a:spcBef>
-              <a:spcAft>
-                <a:spcPts val="0"/>
-              </a:spcAft>
-              <a:buSzPts val="1400"/>
-              <a:buNone/>
-              <a:defRPr/>
-            </a:lvl4pPr>
-            <a:lvl5pPr lvl="4" algn="l">
-              <a:spcBef>
-                <a:spcPts val="0"/>
-              </a:spcBef>
-              <a:spcAft>
-                <a:spcPts val="0"/>
-              </a:spcAft>
-              <a:buSzPts val="1400"/>
-              <a:buNone/>
-              <a:defRPr/>
-            </a:lvl5pPr>
-            <a:lvl6pPr lvl="5" algn="l">
-              <a:spcBef>
-                <a:spcPts val="0"/>
-              </a:spcBef>
-              <a:spcAft>
-                <a:spcPts val="0"/>
-              </a:spcAft>
-              <a:buSzPts val="1400"/>
-              <a:buNone/>
-              <a:defRPr/>
-            </a:lvl6pPr>
-            <a:lvl7pPr lvl="6" algn="l">
-              <a:spcBef>
-                <a:spcPts val="0"/>
-              </a:spcBef>
-              <a:spcAft>
-                <a:spcPts val="0"/>
-              </a:spcAft>
-              <a:buSzPts val="1400"/>
-              <a:buNone/>
-              <a:defRPr/>
-            </a:lvl7pPr>
-            <a:lvl8pPr lvl="7" algn="l">
-              <a:spcBef>
-                <a:spcPts val="0"/>
-              </a:spcBef>
-              <a:spcAft>
-                <a:spcPts val="0"/>
-              </a:spcAft>
-              <a:buSzPts val="1400"/>
-              <a:buNone/>
-              <a:defRPr/>
-            </a:lvl8pPr>
-            <a:lvl9pPr lvl="8" algn="l">
-              <a:spcBef>
-                <a:spcPts val="0"/>
-              </a:spcBef>
-              <a:spcAft>
-                <a:spcPts val="0"/>
-              </a:spcAft>
-              <a:buSzPts val="1400"/>
-              <a:buNone/>
-              <a:defRPr/>
-            </a:lvl9pPr>
-          </a:lstStyle>
-          <a:p>
-            <a:endParaRPr/>
-          </a:p>
-        </p:txBody>
-      </p:sp>
-      <p:sp>
-        <p:nvSpPr>
-          <p:cNvPr id="31" name="Google Shape;31;p5"/>
-          <p:cNvSpPr txBox="1">
-            <a:spLocks noGrp="1"/>
-          </p:cNvSpPr>
-          <p:nvPr>
-            <p:ph type="ftr" idx="11"/>
-          </p:nvPr>
-        </p:nvSpPr>
-        <p:spPr>
-          <a:xfrm>
-            <a:off x="4038600" y="6356350"/>
-            <a:ext cx="4114800" cy="365125"/>
-          </a:xfrm>
-          <a:prstGeom prst="rect">
-            <a:avLst/>
-          </a:prstGeom>
-          <a:noFill/>
-          <a:ln>
-            <a:noFill/>
-          </a:ln>
-        </p:spPr>
-        <p:txBody>
-          <a:bodyPr spcFirstLastPara="1" wrap="square" lIns="91425" tIns="45700" rIns="91425" bIns="45700" anchor="ctr" anchorCtr="0">
-            <a:noAutofit/>
-          </a:bodyPr>
-          <a:lstStyle>
-            <a:lvl1pPr lvl="0" algn="ctr">
-              <a:spcBef>
-                <a:spcPts val="0"/>
-              </a:spcBef>
-              <a:spcAft>
-                <a:spcPts val="0"/>
-              </a:spcAft>
-              <a:buSzPts val="1400"/>
-              <a:buNone/>
-              <a:defRPr/>
-            </a:lvl1pPr>
-            <a:lvl2pPr lvl="1" algn="l">
-              <a:spcBef>
-                <a:spcPts val="0"/>
-              </a:spcBef>
-              <a:spcAft>
-                <a:spcPts val="0"/>
-              </a:spcAft>
-              <a:buSzPts val="1400"/>
-              <a:buNone/>
-              <a:defRPr/>
-            </a:lvl2pPr>
-            <a:lvl3pPr lvl="2" algn="l">
-              <a:spcBef>
-                <a:spcPts val="0"/>
-              </a:spcBef>
-              <a:spcAft>
-                <a:spcPts val="0"/>
-              </a:spcAft>
-              <a:buSzPts val="1400"/>
-              <a:buNone/>
-              <a:defRPr/>
-            </a:lvl3pPr>
-            <a:lvl4pPr lvl="3" algn="l">
-              <a:spcBef>
-                <a:spcPts val="0"/>
-              </a:spcBef>
-              <a:spcAft>
-                <a:spcPts val="0"/>
-              </a:spcAft>
-              <a:buSzPts val="1400"/>
-              <a:buNone/>
-              <a:defRPr/>
-            </a:lvl4pPr>
-            <a:lvl5pPr lvl="4" algn="l">
-              <a:spcBef>
-                <a:spcPts val="0"/>
-              </a:spcBef>
-              <a:spcAft>
-                <a:spcPts val="0"/>
-              </a:spcAft>
-              <a:buSzPts val="1400"/>
-              <a:buNone/>
-              <a:defRPr/>
-            </a:lvl5pPr>
-            <a:lvl6pPr lvl="5" algn="l">
-              <a:spcBef>
-                <a:spcPts val="0"/>
-              </a:spcBef>
-              <a:spcAft>
-                <a:spcPts val="0"/>
-              </a:spcAft>
-              <a:buSzPts val="1400"/>
-              <a:buNone/>
-              <a:defRPr/>
-            </a:lvl6pPr>
-            <a:lvl7pPr lvl="6" algn="l">
-              <a:spcBef>
-                <a:spcPts val="0"/>
-              </a:spcBef>
-              <a:spcAft>
-                <a:spcPts val="0"/>
-              </a:spcAft>
-              <a:buSzPts val="1400"/>
-              <a:buNone/>
-              <a:defRPr/>
-            </a:lvl7pPr>
-            <a:lvl8pPr lvl="7" algn="l">
-              <a:spcBef>
-                <a:spcPts val="0"/>
-              </a:spcBef>
-              <a:spcAft>
-                <a:spcPts val="0"/>
-              </a:spcAft>
-              <a:buSzPts val="1400"/>
-              <a:buNone/>
-              <a:defRPr/>
-            </a:lvl8pPr>
-            <a:lvl9pPr lvl="8" algn="l">
-              <a:spcBef>
-                <a:spcPts val="0"/>
-              </a:spcBef>
-              <a:spcAft>
-                <a:spcPts val="0"/>
-              </a:spcAft>
-              <a:buSzPts val="1400"/>
-              <a:buNone/>
-              <a:defRPr/>
-            </a:lvl9pPr>
-          </a:lstStyle>
-          <a:p>
-            <a:endParaRPr/>
-          </a:p>
-        </p:txBody>
-      </p:sp>
-      <p:sp>
-        <p:nvSpPr>
-          <p:cNvPr id="32" name="Google Shape;32;p5"/>
-          <p:cNvSpPr txBox="1">
-            <a:spLocks noGrp="1"/>
-          </p:cNvSpPr>
-          <p:nvPr>
-            <p:ph type="sldNum" idx="12"/>
-          </p:nvPr>
-        </p:nvSpPr>
-        <p:spPr>
-          <a:xfrm>
-            <a:off x="8610600" y="6356350"/>
-            <a:ext cx="2743200" cy="365125"/>
-          </a:xfrm>
-          <a:prstGeom prst="rect">
-            <a:avLst/>
-          </a:prstGeom>
-          <a:noFill/>
-          <a:ln>
-            <a:noFill/>
-          </a:ln>
-        </p:spPr>
-        <p:txBody>
-          <a:bodyPr spcFirstLastPara="1" wrap="square" lIns="91425" tIns="45700" rIns="91425" bIns="45700" anchor="ctr" anchorCtr="0">
-            <a:noAutofit/>
-          </a:bodyPr>
-          <a:lstStyle>
-            <a:lvl1pPr marL="0" lvl="0" indent="0" algn="r">
-              <a:spcBef>
-                <a:spcPts val="0"/>
-              </a:spcBef>
-              <a:buNone/>
-              <a:defRPr/>
-            </a:lvl1pPr>
-            <a:lvl2pPr marL="0" lvl="1" indent="0" algn="r">
-              <a:spcBef>
-                <a:spcPts val="0"/>
-              </a:spcBef>
-              <a:buNone/>
-              <a:defRPr/>
-            </a:lvl2pPr>
-            <a:lvl3pPr marL="0" lvl="2" indent="0" algn="r">
-              <a:spcBef>
-                <a:spcPts val="0"/>
-              </a:spcBef>
-              <a:buNone/>
-              <a:defRPr/>
-            </a:lvl3pPr>
-            <a:lvl4pPr marL="0" lvl="3" indent="0" algn="r">
-              <a:spcBef>
-                <a:spcPts val="0"/>
-              </a:spcBef>
-              <a:buNone/>
-              <a:defRPr/>
-            </a:lvl4pPr>
-            <a:lvl5pPr marL="0" lvl="4" indent="0" algn="r">
-              <a:spcBef>
-                <a:spcPts val="0"/>
-              </a:spcBef>
-              <a:buNone/>
-              <a:defRPr/>
-            </a:lvl5pPr>
-            <a:lvl6pPr marL="0" lvl="5" indent="0" algn="r">
-              <a:spcBef>
-                <a:spcPts val="0"/>
-              </a:spcBef>
-              <a:buNone/>
-              <a:defRPr/>
-            </a:lvl6pPr>
-            <a:lvl7pPr marL="0" lvl="6" indent="0" algn="r">
-              <a:spcBef>
-                <a:spcPts val="0"/>
-              </a:spcBef>
-              <a:buNone/>
-              <a:defRPr/>
-            </a:lvl7pPr>
-            <a:lvl8pPr marL="0" lvl="7" indent="0" algn="r">
-              <a:spcBef>
-                <a:spcPts val="0"/>
-              </a:spcBef>
-              <a:buNone/>
-              <a:defRPr/>
-            </a:lvl8pPr>
-            <a:lvl9pPr marL="0" lvl="8" indent="0" algn="r">
-              <a:spcBef>
-                <a:spcPts val="0"/>
-              </a:spcBef>
-              <a:buNone/>
-              <a:defRPr/>
-            </a:lvl9pPr>
-          </a:lstStyle>
-          <a:p>
-            <a:pPr marL="0" lvl="0" indent="0" algn="r" rtl="0">
-              <a:spcBef>
-                <a:spcPts val="0"/>
-              </a:spcBef>
-              <a:spcAft>
-                <a:spcPts val="0"/>
-              </a:spcAft>
-              <a:buNone/>
-            </a:pPr>
-            <a:fld id="{00000000-1234-1234-1234-123412341234}" type="slidenum">
-              <a:rPr lang="en-US"/>
-              <a:t>‹#›</a:t>
-            </a:fld>
-            <a:endParaRPr/>
-          </a:p>
-        </p:txBody>
-      </p:sp>
     </p:spTree>
   </p:cSld>
   <p:clrMapOvr>
@@ -5861,9 +5992,17 @@
 </p:sldLayout>
 </file>
 
-<file path=ppt/slideLayouts/slideLayout7.xml><?xml version="1.0" encoding="utf-8"?>
-<p:sldLayout xmlns:a="http://schemas.openxmlformats.org/drawingml/2006/main" xmlns:r="http://schemas.openxmlformats.org/officeDocument/2006/relationships" xmlns:p="http://schemas.openxmlformats.org/presentationml/2006/main" matchingName="Two Content" type="twoObj">
+<file path=ppt/slideLayouts/slideLayout9.xml><?xml version="1.0" encoding="utf-8"?>
+<p:sldLayout xmlns:a="http://schemas.openxmlformats.org/drawingml/2006/main" xmlns:r="http://schemas.openxmlformats.org/officeDocument/2006/relationships" xmlns:p="http://schemas.openxmlformats.org/presentationml/2006/main" matchingName="Two Content" userDrawn="1">
   <p:cSld name="TWO_OBJECTS">
+    <p:bg>
+      <p:bgPr>
+        <a:solidFill>
+          <a:srgbClr val="333333"/>
+        </a:solidFill>
+        <a:effectLst/>
+      </p:bgPr>
+    </p:bg>
     <p:spTree>
       <p:nvGrpSpPr>
         <p:cNvPr id="1" name="Shape 33"/>
@@ -5880,157 +6019,20 @@
       </p:grpSpPr>
       <p:sp>
         <p:nvSpPr>
-          <p:cNvPr id="34" name="Google Shape;34;p6"/>
-          <p:cNvSpPr txBox="1">
-            <a:spLocks noGrp="1"/>
-          </p:cNvSpPr>
-          <p:nvPr>
-            <p:ph type="title"/>
-          </p:nvPr>
+          <p:cNvPr id="2" name="Google Shape;284;p39">
+            <a:extLst>
+              <a:ext uri="{FF2B5EF4-FFF2-40B4-BE49-F238E27FC236}">
+                <a16:creationId xmlns:a16="http://schemas.microsoft.com/office/drawing/2014/main" id="{3BE20674-1192-7F5F-0F74-AF92E0F52A2D}"/>
+              </a:ext>
+            </a:extLst>
+          </p:cNvPr>
+          <p:cNvSpPr txBox="1"/>
+          <p:nvPr userDrawn="1"/>
         </p:nvSpPr>
         <p:spPr>
           <a:xfrm>
-            <a:off x="838200" y="365125"/>
-            <a:ext cx="10515600" cy="1325563"/>
-          </a:xfrm>
-          <a:prstGeom prst="rect">
-            <a:avLst/>
-          </a:prstGeom>
-          <a:noFill/>
-          <a:ln>
-            <a:noFill/>
-          </a:ln>
-        </p:spPr>
-        <p:txBody>
-          <a:bodyPr spcFirstLastPara="1" wrap="square" lIns="91425" tIns="45700" rIns="91425" bIns="45700" anchor="ctr" anchorCtr="0">
-            <a:noAutofit/>
-          </a:bodyPr>
-          <a:lstStyle>
-            <a:lvl1pPr lvl="0" algn="l">
-              <a:lnSpc>
-                <a:spcPct val="90000"/>
-              </a:lnSpc>
-              <a:spcBef>
-                <a:spcPts val="0"/>
-              </a:spcBef>
-              <a:spcAft>
-                <a:spcPts val="0"/>
-              </a:spcAft>
-              <a:buClr>
-                <a:schemeClr val="dk1"/>
-              </a:buClr>
-              <a:buSzPts val="1800"/>
-              <a:buNone/>
-              <a:defRPr/>
-            </a:lvl1pPr>
-            <a:lvl2pPr lvl="1">
-              <a:spcBef>
-                <a:spcPts val="0"/>
-              </a:spcBef>
-              <a:spcAft>
-                <a:spcPts val="0"/>
-              </a:spcAft>
-              <a:buSzPts val="1400"/>
-              <a:buNone/>
-              <a:defRPr/>
-            </a:lvl2pPr>
-            <a:lvl3pPr lvl="2">
-              <a:spcBef>
-                <a:spcPts val="0"/>
-              </a:spcBef>
-              <a:spcAft>
-                <a:spcPts val="0"/>
-              </a:spcAft>
-              <a:buSzPts val="1400"/>
-              <a:buNone/>
-              <a:defRPr/>
-            </a:lvl3pPr>
-            <a:lvl4pPr lvl="3">
-              <a:spcBef>
-                <a:spcPts val="0"/>
-              </a:spcBef>
-              <a:spcAft>
-                <a:spcPts val="0"/>
-              </a:spcAft>
-              <a:buSzPts val="1400"/>
-              <a:buNone/>
-              <a:defRPr/>
-            </a:lvl4pPr>
-            <a:lvl5pPr lvl="4">
-              <a:spcBef>
-                <a:spcPts val="0"/>
-              </a:spcBef>
-              <a:spcAft>
-                <a:spcPts val="0"/>
-              </a:spcAft>
-              <a:buSzPts val="1400"/>
-              <a:buNone/>
-              <a:defRPr/>
-            </a:lvl5pPr>
-            <a:lvl6pPr lvl="5">
-              <a:spcBef>
-                <a:spcPts val="0"/>
-              </a:spcBef>
-              <a:spcAft>
-                <a:spcPts val="0"/>
-              </a:spcAft>
-              <a:buSzPts val="1400"/>
-              <a:buNone/>
-              <a:defRPr/>
-            </a:lvl6pPr>
-            <a:lvl7pPr lvl="6">
-              <a:spcBef>
-                <a:spcPts val="0"/>
-              </a:spcBef>
-              <a:spcAft>
-                <a:spcPts val="0"/>
-              </a:spcAft>
-              <a:buSzPts val="1400"/>
-              <a:buNone/>
-              <a:defRPr/>
-            </a:lvl7pPr>
-            <a:lvl8pPr lvl="7">
-              <a:spcBef>
-                <a:spcPts val="0"/>
-              </a:spcBef>
-              <a:spcAft>
-                <a:spcPts val="0"/>
-              </a:spcAft>
-              <a:buSzPts val="1400"/>
-              <a:buNone/>
-              <a:defRPr/>
-            </a:lvl8pPr>
-            <a:lvl9pPr lvl="8">
-              <a:spcBef>
-                <a:spcPts val="0"/>
-              </a:spcBef>
-              <a:spcAft>
-                <a:spcPts val="0"/>
-              </a:spcAft>
-              <a:buSzPts val="1400"/>
-              <a:buNone/>
-              <a:defRPr/>
-            </a:lvl9pPr>
-          </a:lstStyle>
-          <a:p>
-            <a:endParaRPr/>
-          </a:p>
-        </p:txBody>
-      </p:sp>
-      <p:sp>
-        <p:nvSpPr>
-          <p:cNvPr id="35" name="Google Shape;35;p6"/>
-          <p:cNvSpPr txBox="1">
-            <a:spLocks noGrp="1"/>
-          </p:cNvSpPr>
-          <p:nvPr>
-            <p:ph type="body" idx="1"/>
-          </p:nvPr>
-        </p:nvSpPr>
-        <p:spPr>
-          <a:xfrm>
-            <a:off x="838200" y="1825625"/>
-            <a:ext cx="5181600" cy="4351338"/>
+            <a:off x="348343" y="3013502"/>
+            <a:ext cx="11495314" cy="830997"/>
           </a:xfrm>
           <a:prstGeom prst="rect">
             <a:avLst/>
@@ -6044,713 +6046,9 @@
           <a:bodyPr spcFirstLastPara="1" wrap="square" lIns="91425" tIns="45700" rIns="91425" bIns="45700" anchor="t" anchorCtr="0">
             <a:noAutofit/>
           </a:bodyPr>
-          <a:lstStyle>
-            <a:lvl1pPr marL="457200" lvl="0" indent="-342900" algn="l">
-              <a:lnSpc>
-                <a:spcPct val="90000"/>
-              </a:lnSpc>
-              <a:spcBef>
-                <a:spcPts val="1000"/>
-              </a:spcBef>
-              <a:spcAft>
-                <a:spcPts val="0"/>
-              </a:spcAft>
-              <a:buClr>
-                <a:schemeClr val="dk1"/>
-              </a:buClr>
-              <a:buSzPts val="1800"/>
-              <a:buChar char="•"/>
-              <a:defRPr/>
-            </a:lvl1pPr>
-            <a:lvl2pPr marL="914400" lvl="1" indent="-342900" algn="l">
-              <a:lnSpc>
-                <a:spcPct val="90000"/>
-              </a:lnSpc>
-              <a:spcBef>
-                <a:spcPts val="500"/>
-              </a:spcBef>
-              <a:spcAft>
-                <a:spcPts val="0"/>
-              </a:spcAft>
-              <a:buClr>
-                <a:schemeClr val="dk1"/>
-              </a:buClr>
-              <a:buSzPts val="1800"/>
-              <a:buChar char="•"/>
-              <a:defRPr/>
-            </a:lvl2pPr>
-            <a:lvl3pPr marL="1371600" lvl="2" indent="-342900" algn="l">
-              <a:lnSpc>
-                <a:spcPct val="90000"/>
-              </a:lnSpc>
-              <a:spcBef>
-                <a:spcPts val="500"/>
-              </a:spcBef>
-              <a:spcAft>
-                <a:spcPts val="0"/>
-              </a:spcAft>
-              <a:buClr>
-                <a:schemeClr val="dk1"/>
-              </a:buClr>
-              <a:buSzPts val="1800"/>
-              <a:buChar char="•"/>
-              <a:defRPr/>
-            </a:lvl3pPr>
-            <a:lvl4pPr marL="1828800" lvl="3" indent="-342900" algn="l">
-              <a:lnSpc>
-                <a:spcPct val="90000"/>
-              </a:lnSpc>
-              <a:spcBef>
-                <a:spcPts val="500"/>
-              </a:spcBef>
-              <a:spcAft>
-                <a:spcPts val="0"/>
-              </a:spcAft>
-              <a:buClr>
-                <a:schemeClr val="dk1"/>
-              </a:buClr>
-              <a:buSzPts val="1800"/>
-              <a:buChar char="•"/>
-              <a:defRPr/>
-            </a:lvl4pPr>
-            <a:lvl5pPr marL="2286000" lvl="4" indent="-342900" algn="l">
-              <a:lnSpc>
-                <a:spcPct val="90000"/>
-              </a:lnSpc>
-              <a:spcBef>
-                <a:spcPts val="500"/>
-              </a:spcBef>
-              <a:spcAft>
-                <a:spcPts val="0"/>
-              </a:spcAft>
-              <a:buClr>
-                <a:schemeClr val="dk1"/>
-              </a:buClr>
-              <a:buSzPts val="1800"/>
-              <a:buChar char="•"/>
-              <a:defRPr/>
-            </a:lvl5pPr>
-            <a:lvl6pPr marL="2743200" lvl="5" indent="-342900" algn="l">
-              <a:lnSpc>
-                <a:spcPct val="90000"/>
-              </a:lnSpc>
-              <a:spcBef>
-                <a:spcPts val="500"/>
-              </a:spcBef>
-              <a:spcAft>
-                <a:spcPts val="0"/>
-              </a:spcAft>
-              <a:buClr>
-                <a:schemeClr val="dk1"/>
-              </a:buClr>
-              <a:buSzPts val="1800"/>
-              <a:buChar char="•"/>
-              <a:defRPr/>
-            </a:lvl6pPr>
-            <a:lvl7pPr marL="3200400" lvl="6" indent="-342900" algn="l">
-              <a:lnSpc>
-                <a:spcPct val="90000"/>
-              </a:lnSpc>
-              <a:spcBef>
-                <a:spcPts val="500"/>
-              </a:spcBef>
-              <a:spcAft>
-                <a:spcPts val="0"/>
-              </a:spcAft>
-              <a:buClr>
-                <a:schemeClr val="dk1"/>
-              </a:buClr>
-              <a:buSzPts val="1800"/>
-              <a:buChar char="•"/>
-              <a:defRPr/>
-            </a:lvl7pPr>
-            <a:lvl8pPr marL="3657600" lvl="7" indent="-342900" algn="l">
-              <a:lnSpc>
-                <a:spcPct val="90000"/>
-              </a:lnSpc>
-              <a:spcBef>
-                <a:spcPts val="500"/>
-              </a:spcBef>
-              <a:spcAft>
-                <a:spcPts val="0"/>
-              </a:spcAft>
-              <a:buClr>
-                <a:schemeClr val="dk1"/>
-              </a:buClr>
-              <a:buSzPts val="1800"/>
-              <a:buChar char="•"/>
-              <a:defRPr/>
-            </a:lvl8pPr>
-            <a:lvl9pPr marL="4114800" lvl="8" indent="-342900" algn="l">
-              <a:lnSpc>
-                <a:spcPct val="90000"/>
-              </a:lnSpc>
-              <a:spcBef>
-                <a:spcPts val="500"/>
-              </a:spcBef>
-              <a:spcAft>
-                <a:spcPts val="0"/>
-              </a:spcAft>
-              <a:buClr>
-                <a:schemeClr val="dk1"/>
-              </a:buClr>
-              <a:buSzPts val="1800"/>
-              <a:buChar char="•"/>
-              <a:defRPr/>
-            </a:lvl9pPr>
-          </a:lstStyle>
+          <a:lstStyle/>
           <a:p>
-            <a:endParaRPr/>
-          </a:p>
-        </p:txBody>
-      </p:sp>
-      <p:sp>
-        <p:nvSpPr>
-          <p:cNvPr id="36" name="Google Shape;36;p6"/>
-          <p:cNvSpPr txBox="1">
-            <a:spLocks noGrp="1"/>
-          </p:cNvSpPr>
-          <p:nvPr>
-            <p:ph type="body" idx="2"/>
-          </p:nvPr>
-        </p:nvSpPr>
-        <p:spPr>
-          <a:xfrm>
-            <a:off x="6172200" y="1825625"/>
-            <a:ext cx="5181600" cy="4351338"/>
-          </a:xfrm>
-          <a:prstGeom prst="rect">
-            <a:avLst/>
-          </a:prstGeom>
-          <a:noFill/>
-          <a:ln>
-            <a:noFill/>
-          </a:ln>
-        </p:spPr>
-        <p:txBody>
-          <a:bodyPr spcFirstLastPara="1" wrap="square" lIns="91425" tIns="45700" rIns="91425" bIns="45700" anchor="t" anchorCtr="0">
-            <a:noAutofit/>
-          </a:bodyPr>
-          <a:lstStyle>
-            <a:lvl1pPr marL="457200" lvl="0" indent="-342900" algn="l">
-              <a:lnSpc>
-                <a:spcPct val="90000"/>
-              </a:lnSpc>
-              <a:spcBef>
-                <a:spcPts val="1000"/>
-              </a:spcBef>
-              <a:spcAft>
-                <a:spcPts val="0"/>
-              </a:spcAft>
-              <a:buClr>
-                <a:schemeClr val="dk1"/>
-              </a:buClr>
-              <a:buSzPts val="1800"/>
-              <a:buChar char="•"/>
-              <a:defRPr/>
-            </a:lvl1pPr>
-            <a:lvl2pPr marL="914400" lvl="1" indent="-342900" algn="l">
-              <a:lnSpc>
-                <a:spcPct val="90000"/>
-              </a:lnSpc>
-              <a:spcBef>
-                <a:spcPts val="500"/>
-              </a:spcBef>
-              <a:spcAft>
-                <a:spcPts val="0"/>
-              </a:spcAft>
-              <a:buClr>
-                <a:schemeClr val="dk1"/>
-              </a:buClr>
-              <a:buSzPts val="1800"/>
-              <a:buChar char="•"/>
-              <a:defRPr/>
-            </a:lvl2pPr>
-            <a:lvl3pPr marL="1371600" lvl="2" indent="-342900" algn="l">
-              <a:lnSpc>
-                <a:spcPct val="90000"/>
-              </a:lnSpc>
-              <a:spcBef>
-                <a:spcPts val="500"/>
-              </a:spcBef>
-              <a:spcAft>
-                <a:spcPts val="0"/>
-              </a:spcAft>
-              <a:buClr>
-                <a:schemeClr val="dk1"/>
-              </a:buClr>
-              <a:buSzPts val="1800"/>
-              <a:buChar char="•"/>
-              <a:defRPr/>
-            </a:lvl3pPr>
-            <a:lvl4pPr marL="1828800" lvl="3" indent="-342900" algn="l">
-              <a:lnSpc>
-                <a:spcPct val="90000"/>
-              </a:lnSpc>
-              <a:spcBef>
-                <a:spcPts val="500"/>
-              </a:spcBef>
-              <a:spcAft>
-                <a:spcPts val="0"/>
-              </a:spcAft>
-              <a:buClr>
-                <a:schemeClr val="dk1"/>
-              </a:buClr>
-              <a:buSzPts val="1800"/>
-              <a:buChar char="•"/>
-              <a:defRPr/>
-            </a:lvl4pPr>
-            <a:lvl5pPr marL="2286000" lvl="4" indent="-342900" algn="l">
-              <a:lnSpc>
-                <a:spcPct val="90000"/>
-              </a:lnSpc>
-              <a:spcBef>
-                <a:spcPts val="500"/>
-              </a:spcBef>
-              <a:spcAft>
-                <a:spcPts val="0"/>
-              </a:spcAft>
-              <a:buClr>
-                <a:schemeClr val="dk1"/>
-              </a:buClr>
-              <a:buSzPts val="1800"/>
-              <a:buChar char="•"/>
-              <a:defRPr/>
-            </a:lvl5pPr>
-            <a:lvl6pPr marL="2743200" lvl="5" indent="-342900" algn="l">
-              <a:lnSpc>
-                <a:spcPct val="90000"/>
-              </a:lnSpc>
-              <a:spcBef>
-                <a:spcPts val="500"/>
-              </a:spcBef>
-              <a:spcAft>
-                <a:spcPts val="0"/>
-              </a:spcAft>
-              <a:buClr>
-                <a:schemeClr val="dk1"/>
-              </a:buClr>
-              <a:buSzPts val="1800"/>
-              <a:buChar char="•"/>
-              <a:defRPr/>
-            </a:lvl6pPr>
-            <a:lvl7pPr marL="3200400" lvl="6" indent="-342900" algn="l">
-              <a:lnSpc>
-                <a:spcPct val="90000"/>
-              </a:lnSpc>
-              <a:spcBef>
-                <a:spcPts val="500"/>
-              </a:spcBef>
-              <a:spcAft>
-                <a:spcPts val="0"/>
-              </a:spcAft>
-              <a:buClr>
-                <a:schemeClr val="dk1"/>
-              </a:buClr>
-              <a:buSzPts val="1800"/>
-              <a:buChar char="•"/>
-              <a:defRPr/>
-            </a:lvl7pPr>
-            <a:lvl8pPr marL="3657600" lvl="7" indent="-342900" algn="l">
-              <a:lnSpc>
-                <a:spcPct val="90000"/>
-              </a:lnSpc>
-              <a:spcBef>
-                <a:spcPts val="500"/>
-              </a:spcBef>
-              <a:spcAft>
-                <a:spcPts val="0"/>
-              </a:spcAft>
-              <a:buClr>
-                <a:schemeClr val="dk1"/>
-              </a:buClr>
-              <a:buSzPts val="1800"/>
-              <a:buChar char="•"/>
-              <a:defRPr/>
-            </a:lvl8pPr>
-            <a:lvl9pPr marL="4114800" lvl="8" indent="-342900" algn="l">
-              <a:lnSpc>
-                <a:spcPct val="90000"/>
-              </a:lnSpc>
-              <a:spcBef>
-                <a:spcPts val="500"/>
-              </a:spcBef>
-              <a:spcAft>
-                <a:spcPts val="0"/>
-              </a:spcAft>
-              <a:buClr>
-                <a:schemeClr val="dk1"/>
-              </a:buClr>
-              <a:buSzPts val="1800"/>
-              <a:buChar char="•"/>
-              <a:defRPr/>
-            </a:lvl9pPr>
-          </a:lstStyle>
-          <a:p>
-            <a:endParaRPr/>
-          </a:p>
-        </p:txBody>
-      </p:sp>
-      <p:sp>
-        <p:nvSpPr>
-          <p:cNvPr id="37" name="Google Shape;37;p6"/>
-          <p:cNvSpPr txBox="1">
-            <a:spLocks noGrp="1"/>
-          </p:cNvSpPr>
-          <p:nvPr>
-            <p:ph type="dt" idx="10"/>
-          </p:nvPr>
-        </p:nvSpPr>
-        <p:spPr>
-          <a:xfrm>
-            <a:off x="838200" y="6356350"/>
-            <a:ext cx="2743200" cy="365125"/>
-          </a:xfrm>
-          <a:prstGeom prst="rect">
-            <a:avLst/>
-          </a:prstGeom>
-          <a:noFill/>
-          <a:ln>
-            <a:noFill/>
-          </a:ln>
-        </p:spPr>
-        <p:txBody>
-          <a:bodyPr spcFirstLastPara="1" wrap="square" lIns="91425" tIns="45700" rIns="91425" bIns="45700" anchor="ctr" anchorCtr="0">
-            <a:noAutofit/>
-          </a:bodyPr>
-          <a:lstStyle>
-            <a:lvl1pPr lvl="0" algn="l">
-              <a:spcBef>
-                <a:spcPts val="0"/>
-              </a:spcBef>
-              <a:spcAft>
-                <a:spcPts val="0"/>
-              </a:spcAft>
-              <a:buSzPts val="1400"/>
-              <a:buNone/>
-              <a:defRPr/>
-            </a:lvl1pPr>
-            <a:lvl2pPr lvl="1" algn="l">
-              <a:spcBef>
-                <a:spcPts val="0"/>
-              </a:spcBef>
-              <a:spcAft>
-                <a:spcPts val="0"/>
-              </a:spcAft>
-              <a:buSzPts val="1400"/>
-              <a:buNone/>
-              <a:defRPr/>
-            </a:lvl2pPr>
-            <a:lvl3pPr lvl="2" algn="l">
-              <a:spcBef>
-                <a:spcPts val="0"/>
-              </a:spcBef>
-              <a:spcAft>
-                <a:spcPts val="0"/>
-              </a:spcAft>
-              <a:buSzPts val="1400"/>
-              <a:buNone/>
-              <a:defRPr/>
-            </a:lvl3pPr>
-            <a:lvl4pPr lvl="3" algn="l">
-              <a:spcBef>
-                <a:spcPts val="0"/>
-              </a:spcBef>
-              <a:spcAft>
-                <a:spcPts val="0"/>
-              </a:spcAft>
-              <a:buSzPts val="1400"/>
-              <a:buNone/>
-              <a:defRPr/>
-            </a:lvl4pPr>
-            <a:lvl5pPr lvl="4" algn="l">
-              <a:spcBef>
-                <a:spcPts val="0"/>
-              </a:spcBef>
-              <a:spcAft>
-                <a:spcPts val="0"/>
-              </a:spcAft>
-              <a:buSzPts val="1400"/>
-              <a:buNone/>
-              <a:defRPr/>
-            </a:lvl5pPr>
-            <a:lvl6pPr lvl="5" algn="l">
-              <a:spcBef>
-                <a:spcPts val="0"/>
-              </a:spcBef>
-              <a:spcAft>
-                <a:spcPts val="0"/>
-              </a:spcAft>
-              <a:buSzPts val="1400"/>
-              <a:buNone/>
-              <a:defRPr/>
-            </a:lvl6pPr>
-            <a:lvl7pPr lvl="6" algn="l">
-              <a:spcBef>
-                <a:spcPts val="0"/>
-              </a:spcBef>
-              <a:spcAft>
-                <a:spcPts val="0"/>
-              </a:spcAft>
-              <a:buSzPts val="1400"/>
-              <a:buNone/>
-              <a:defRPr/>
-            </a:lvl7pPr>
-            <a:lvl8pPr lvl="7" algn="l">
-              <a:spcBef>
-                <a:spcPts val="0"/>
-              </a:spcBef>
-              <a:spcAft>
-                <a:spcPts val="0"/>
-              </a:spcAft>
-              <a:buSzPts val="1400"/>
-              <a:buNone/>
-              <a:defRPr/>
-            </a:lvl8pPr>
-            <a:lvl9pPr lvl="8" algn="l">
-              <a:spcBef>
-                <a:spcPts val="0"/>
-              </a:spcBef>
-              <a:spcAft>
-                <a:spcPts val="0"/>
-              </a:spcAft>
-              <a:buSzPts val="1400"/>
-              <a:buNone/>
-              <a:defRPr/>
-            </a:lvl9pPr>
-          </a:lstStyle>
-          <a:p>
-            <a:endParaRPr/>
-          </a:p>
-        </p:txBody>
-      </p:sp>
-      <p:sp>
-        <p:nvSpPr>
-          <p:cNvPr id="38" name="Google Shape;38;p6"/>
-          <p:cNvSpPr txBox="1">
-            <a:spLocks noGrp="1"/>
-          </p:cNvSpPr>
-          <p:nvPr>
-            <p:ph type="ftr" idx="11"/>
-          </p:nvPr>
-        </p:nvSpPr>
-        <p:spPr>
-          <a:xfrm>
-            <a:off x="4038600" y="6356350"/>
-            <a:ext cx="4114800" cy="365125"/>
-          </a:xfrm>
-          <a:prstGeom prst="rect">
-            <a:avLst/>
-          </a:prstGeom>
-          <a:noFill/>
-          <a:ln>
-            <a:noFill/>
-          </a:ln>
-        </p:spPr>
-        <p:txBody>
-          <a:bodyPr spcFirstLastPara="1" wrap="square" lIns="91425" tIns="45700" rIns="91425" bIns="45700" anchor="ctr" anchorCtr="0">
-            <a:noAutofit/>
-          </a:bodyPr>
-          <a:lstStyle>
-            <a:lvl1pPr lvl="0" algn="ctr">
-              <a:spcBef>
-                <a:spcPts val="0"/>
-              </a:spcBef>
-              <a:spcAft>
-                <a:spcPts val="0"/>
-              </a:spcAft>
-              <a:buSzPts val="1400"/>
-              <a:buNone/>
-              <a:defRPr/>
-            </a:lvl1pPr>
-            <a:lvl2pPr lvl="1" algn="l">
-              <a:spcBef>
-                <a:spcPts val="0"/>
-              </a:spcBef>
-              <a:spcAft>
-                <a:spcPts val="0"/>
-              </a:spcAft>
-              <a:buSzPts val="1400"/>
-              <a:buNone/>
-              <a:defRPr/>
-            </a:lvl2pPr>
-            <a:lvl3pPr lvl="2" algn="l">
-              <a:spcBef>
-                <a:spcPts val="0"/>
-              </a:spcBef>
-              <a:spcAft>
-                <a:spcPts val="0"/>
-              </a:spcAft>
-              <a:buSzPts val="1400"/>
-              <a:buNone/>
-              <a:defRPr/>
-            </a:lvl3pPr>
-            <a:lvl4pPr lvl="3" algn="l">
-              <a:spcBef>
-                <a:spcPts val="0"/>
-              </a:spcBef>
-              <a:spcAft>
-                <a:spcPts val="0"/>
-              </a:spcAft>
-              <a:buSzPts val="1400"/>
-              <a:buNone/>
-              <a:defRPr/>
-            </a:lvl4pPr>
-            <a:lvl5pPr lvl="4" algn="l">
-              <a:spcBef>
-                <a:spcPts val="0"/>
-              </a:spcBef>
-              <a:spcAft>
-                <a:spcPts val="0"/>
-              </a:spcAft>
-              <a:buSzPts val="1400"/>
-              <a:buNone/>
-              <a:defRPr/>
-            </a:lvl5pPr>
-            <a:lvl6pPr lvl="5" algn="l">
-              <a:spcBef>
-                <a:spcPts val="0"/>
-              </a:spcBef>
-              <a:spcAft>
-                <a:spcPts val="0"/>
-              </a:spcAft>
-              <a:buSzPts val="1400"/>
-              <a:buNone/>
-              <a:defRPr/>
-            </a:lvl6pPr>
-            <a:lvl7pPr lvl="6" algn="l">
-              <a:spcBef>
-                <a:spcPts val="0"/>
-              </a:spcBef>
-              <a:spcAft>
-                <a:spcPts val="0"/>
-              </a:spcAft>
-              <a:buSzPts val="1400"/>
-              <a:buNone/>
-              <a:defRPr/>
-            </a:lvl7pPr>
-            <a:lvl8pPr lvl="7" algn="l">
-              <a:spcBef>
-                <a:spcPts val="0"/>
-              </a:spcBef>
-              <a:spcAft>
-                <a:spcPts val="0"/>
-              </a:spcAft>
-              <a:buSzPts val="1400"/>
-              <a:buNone/>
-              <a:defRPr/>
-            </a:lvl8pPr>
-            <a:lvl9pPr lvl="8" algn="l">
-              <a:spcBef>
-                <a:spcPts val="0"/>
-              </a:spcBef>
-              <a:spcAft>
-                <a:spcPts val="0"/>
-              </a:spcAft>
-              <a:buSzPts val="1400"/>
-              <a:buNone/>
-              <a:defRPr/>
-            </a:lvl9pPr>
-          </a:lstStyle>
-          <a:p>
-            <a:endParaRPr/>
-          </a:p>
-        </p:txBody>
-      </p:sp>
-      <p:sp>
-        <p:nvSpPr>
-          <p:cNvPr id="39" name="Google Shape;39;p6"/>
-          <p:cNvSpPr txBox="1">
-            <a:spLocks noGrp="1"/>
-          </p:cNvSpPr>
-          <p:nvPr>
-            <p:ph type="sldNum" idx="12"/>
-          </p:nvPr>
-        </p:nvSpPr>
-        <p:spPr>
-          <a:xfrm>
-            <a:off x="8610600" y="6356350"/>
-            <a:ext cx="2743200" cy="365125"/>
-          </a:xfrm>
-          <a:prstGeom prst="rect">
-            <a:avLst/>
-          </a:prstGeom>
-          <a:noFill/>
-          <a:ln>
-            <a:noFill/>
-          </a:ln>
-        </p:spPr>
-        <p:txBody>
-          <a:bodyPr spcFirstLastPara="1" wrap="square" lIns="91425" tIns="45700" rIns="91425" bIns="45700" anchor="ctr" anchorCtr="0">
-            <a:noAutofit/>
-          </a:bodyPr>
-          <a:lstStyle>
-            <a:lvl1pPr marL="0" lvl="0" indent="0" algn="r">
-              <a:spcBef>
-                <a:spcPts val="0"/>
-              </a:spcBef>
-              <a:buNone/>
-              <a:defRPr/>
-            </a:lvl1pPr>
-            <a:lvl2pPr marL="0" lvl="1" indent="0" algn="r">
-              <a:spcBef>
-                <a:spcPts val="0"/>
-              </a:spcBef>
-              <a:buNone/>
-              <a:defRPr/>
-            </a:lvl2pPr>
-            <a:lvl3pPr marL="0" lvl="2" indent="0" algn="r">
-              <a:spcBef>
-                <a:spcPts val="0"/>
-              </a:spcBef>
-              <a:buNone/>
-              <a:defRPr/>
-            </a:lvl3pPr>
-            <a:lvl4pPr marL="0" lvl="3" indent="0" algn="r">
-              <a:spcBef>
-                <a:spcPts val="0"/>
-              </a:spcBef>
-              <a:buNone/>
-              <a:defRPr/>
-            </a:lvl4pPr>
-            <a:lvl5pPr marL="0" lvl="4" indent="0" algn="r">
-              <a:spcBef>
-                <a:spcPts val="0"/>
-              </a:spcBef>
-              <a:buNone/>
-              <a:defRPr/>
-            </a:lvl5pPr>
-            <a:lvl6pPr marL="0" lvl="5" indent="0" algn="r">
-              <a:spcBef>
-                <a:spcPts val="0"/>
-              </a:spcBef>
-              <a:buNone/>
-              <a:defRPr/>
-            </a:lvl6pPr>
-            <a:lvl7pPr marL="0" lvl="6" indent="0" algn="r">
-              <a:spcBef>
-                <a:spcPts val="0"/>
-              </a:spcBef>
-              <a:buNone/>
-              <a:defRPr/>
-            </a:lvl7pPr>
-            <a:lvl8pPr marL="0" lvl="7" indent="0" algn="r">
-              <a:spcBef>
-                <a:spcPts val="0"/>
-              </a:spcBef>
-              <a:buNone/>
-              <a:defRPr/>
-            </a:lvl8pPr>
-            <a:lvl9pPr marL="0" lvl="8" indent="0" algn="r">
-              <a:spcBef>
-                <a:spcPts val="0"/>
-              </a:spcBef>
-              <a:buNone/>
-              <a:defRPr/>
-            </a:lvl9pPr>
-          </a:lstStyle>
-          <a:p>
-            <a:pPr marL="0" lvl="0" indent="0" algn="r" rtl="0">
+            <a:pPr marL="0" marR="0" lvl="0" indent="0" algn="ctr" rtl="0">
               <a:spcBef>
                 <a:spcPts val="0"/>
               </a:spcBef>
@@ -6759,1839 +6057,19 @@
               </a:spcAft>
               <a:buNone/>
             </a:pPr>
-            <a:fld id="{00000000-1234-1234-1234-123412341234}" type="slidenum">
-              <a:rPr lang="en-US"/>
-              <a:t>‹#›</a:t>
-            </a:fld>
-            <a:endParaRPr/>
-          </a:p>
-        </p:txBody>
-      </p:sp>
-    </p:spTree>
-  </p:cSld>
-  <p:clrMapOvr>
-    <a:masterClrMapping/>
-  </p:clrMapOvr>
-</p:sldLayout>
-</file>
-
-<file path=ppt/slideLayouts/slideLayout8.xml><?xml version="1.0" encoding="utf-8"?>
-<p:sldLayout xmlns:a="http://schemas.openxmlformats.org/drawingml/2006/main" xmlns:r="http://schemas.openxmlformats.org/officeDocument/2006/relationships" xmlns:p="http://schemas.openxmlformats.org/presentationml/2006/main" matchingName="Comparison" type="twoTxTwoObj">
-  <p:cSld name="TWO_OBJECTS_WITH_TEXT">
-    <p:spTree>
-      <p:nvGrpSpPr>
-        <p:cNvPr id="1" name="Shape 40"/>
-        <p:cNvGrpSpPr/>
-        <p:nvPr/>
-      </p:nvGrpSpPr>
-      <p:grpSpPr>
-        <a:xfrm>
-          <a:off x="0" y="0"/>
-          <a:ext cx="0" cy="0"/>
-          <a:chOff x="0" y="0"/>
-          <a:chExt cx="0" cy="0"/>
-        </a:xfrm>
-      </p:grpSpPr>
-      <p:sp>
-        <p:nvSpPr>
-          <p:cNvPr id="41" name="Google Shape;41;p7"/>
-          <p:cNvSpPr txBox="1">
-            <a:spLocks noGrp="1"/>
-          </p:cNvSpPr>
-          <p:nvPr>
-            <p:ph type="title"/>
-          </p:nvPr>
-        </p:nvSpPr>
-        <p:spPr>
-          <a:xfrm>
-            <a:off x="839788" y="365125"/>
-            <a:ext cx="10515600" cy="1325563"/>
-          </a:xfrm>
-          <a:prstGeom prst="rect">
-            <a:avLst/>
-          </a:prstGeom>
-          <a:noFill/>
-          <a:ln>
-            <a:noFill/>
-          </a:ln>
-        </p:spPr>
-        <p:txBody>
-          <a:bodyPr spcFirstLastPara="1" wrap="square" lIns="91425" tIns="45700" rIns="91425" bIns="45700" anchor="ctr" anchorCtr="0">
-            <a:noAutofit/>
-          </a:bodyPr>
-          <a:lstStyle>
-            <a:lvl1pPr lvl="0" algn="l">
-              <a:lnSpc>
-                <a:spcPct val="90000"/>
-              </a:lnSpc>
-              <a:spcBef>
-                <a:spcPts val="0"/>
-              </a:spcBef>
-              <a:spcAft>
-                <a:spcPts val="0"/>
-              </a:spcAft>
-              <a:buClr>
-                <a:schemeClr val="dk1"/>
-              </a:buClr>
-              <a:buSzPts val="1800"/>
-              <a:buNone/>
-              <a:defRPr/>
-            </a:lvl1pPr>
-            <a:lvl2pPr lvl="1">
-              <a:spcBef>
-                <a:spcPts val="0"/>
-              </a:spcBef>
-              <a:spcAft>
-                <a:spcPts val="0"/>
-              </a:spcAft>
-              <a:buSzPts val="1400"/>
-              <a:buNone/>
-              <a:defRPr/>
-            </a:lvl2pPr>
-            <a:lvl3pPr lvl="2">
-              <a:spcBef>
-                <a:spcPts val="0"/>
-              </a:spcBef>
-              <a:spcAft>
-                <a:spcPts val="0"/>
-              </a:spcAft>
-              <a:buSzPts val="1400"/>
-              <a:buNone/>
-              <a:defRPr/>
-            </a:lvl3pPr>
-            <a:lvl4pPr lvl="3">
-              <a:spcBef>
-                <a:spcPts val="0"/>
-              </a:spcBef>
-              <a:spcAft>
-                <a:spcPts val="0"/>
-              </a:spcAft>
-              <a:buSzPts val="1400"/>
-              <a:buNone/>
-              <a:defRPr/>
-            </a:lvl4pPr>
-            <a:lvl5pPr lvl="4">
-              <a:spcBef>
-                <a:spcPts val="0"/>
-              </a:spcBef>
-              <a:spcAft>
-                <a:spcPts val="0"/>
-              </a:spcAft>
-              <a:buSzPts val="1400"/>
-              <a:buNone/>
-              <a:defRPr/>
-            </a:lvl5pPr>
-            <a:lvl6pPr lvl="5">
-              <a:spcBef>
-                <a:spcPts val="0"/>
-              </a:spcBef>
-              <a:spcAft>
-                <a:spcPts val="0"/>
-              </a:spcAft>
-              <a:buSzPts val="1400"/>
-              <a:buNone/>
-              <a:defRPr/>
-            </a:lvl6pPr>
-            <a:lvl7pPr lvl="6">
-              <a:spcBef>
-                <a:spcPts val="0"/>
-              </a:spcBef>
-              <a:spcAft>
-                <a:spcPts val="0"/>
-              </a:spcAft>
-              <a:buSzPts val="1400"/>
-              <a:buNone/>
-              <a:defRPr/>
-            </a:lvl7pPr>
-            <a:lvl8pPr lvl="7">
-              <a:spcBef>
-                <a:spcPts val="0"/>
-              </a:spcBef>
-              <a:spcAft>
-                <a:spcPts val="0"/>
-              </a:spcAft>
-              <a:buSzPts val="1400"/>
-              <a:buNone/>
-              <a:defRPr/>
-            </a:lvl8pPr>
-            <a:lvl9pPr lvl="8">
-              <a:spcBef>
-                <a:spcPts val="0"/>
-              </a:spcBef>
-              <a:spcAft>
-                <a:spcPts val="0"/>
-              </a:spcAft>
-              <a:buSzPts val="1400"/>
-              <a:buNone/>
-              <a:defRPr/>
-            </a:lvl9pPr>
-          </a:lstStyle>
-          <a:p>
-            <a:endParaRPr/>
-          </a:p>
-        </p:txBody>
-      </p:sp>
-      <p:sp>
-        <p:nvSpPr>
-          <p:cNvPr id="42" name="Google Shape;42;p7"/>
-          <p:cNvSpPr txBox="1">
-            <a:spLocks noGrp="1"/>
-          </p:cNvSpPr>
-          <p:nvPr>
-            <p:ph type="body" idx="1"/>
-          </p:nvPr>
-        </p:nvSpPr>
-        <p:spPr>
-          <a:xfrm>
-            <a:off x="839788" y="1681163"/>
-            <a:ext cx="5157787" cy="823912"/>
-          </a:xfrm>
-          <a:prstGeom prst="rect">
-            <a:avLst/>
-          </a:prstGeom>
-          <a:noFill/>
-          <a:ln>
-            <a:noFill/>
-          </a:ln>
-        </p:spPr>
-        <p:txBody>
-          <a:bodyPr spcFirstLastPara="1" wrap="square" lIns="91425" tIns="45700" rIns="91425" bIns="45700" anchor="b" anchorCtr="0">
-            <a:noAutofit/>
-          </a:bodyPr>
-          <a:lstStyle>
-            <a:lvl1pPr marL="457200" lvl="0" indent="-228600" algn="l">
-              <a:lnSpc>
-                <a:spcPct val="90000"/>
-              </a:lnSpc>
-              <a:spcBef>
-                <a:spcPts val="1000"/>
-              </a:spcBef>
-              <a:spcAft>
-                <a:spcPts val="0"/>
-              </a:spcAft>
-              <a:buClr>
-                <a:schemeClr val="dk1"/>
-              </a:buClr>
-              <a:buSzPts val="2400"/>
-              <a:buNone/>
-              <a:defRPr sz="2400" b="1"/>
-            </a:lvl1pPr>
-            <a:lvl2pPr marL="914400" lvl="1" indent="-228600" algn="l">
-              <a:lnSpc>
-                <a:spcPct val="90000"/>
-              </a:lnSpc>
-              <a:spcBef>
-                <a:spcPts val="500"/>
-              </a:spcBef>
-              <a:spcAft>
-                <a:spcPts val="0"/>
-              </a:spcAft>
-              <a:buClr>
-                <a:schemeClr val="dk1"/>
-              </a:buClr>
-              <a:buSzPts val="2000"/>
-              <a:buNone/>
-              <a:defRPr sz="2000" b="1"/>
-            </a:lvl2pPr>
-            <a:lvl3pPr marL="1371600" lvl="2" indent="-228600" algn="l">
-              <a:lnSpc>
-                <a:spcPct val="90000"/>
-              </a:lnSpc>
-              <a:spcBef>
-                <a:spcPts val="500"/>
-              </a:spcBef>
-              <a:spcAft>
-                <a:spcPts val="0"/>
-              </a:spcAft>
-              <a:buClr>
-                <a:schemeClr val="dk1"/>
-              </a:buClr>
-              <a:buSzPts val="1800"/>
-              <a:buNone/>
-              <a:defRPr sz="1800" b="1"/>
-            </a:lvl3pPr>
-            <a:lvl4pPr marL="1828800" lvl="3" indent="-228600" algn="l">
-              <a:lnSpc>
-                <a:spcPct val="90000"/>
-              </a:lnSpc>
-              <a:spcBef>
-                <a:spcPts val="500"/>
-              </a:spcBef>
-              <a:spcAft>
-                <a:spcPts val="0"/>
-              </a:spcAft>
-              <a:buClr>
-                <a:schemeClr val="dk1"/>
-              </a:buClr>
-              <a:buSzPts val="1600"/>
-              <a:buNone/>
-              <a:defRPr sz="1600" b="1"/>
-            </a:lvl4pPr>
-            <a:lvl5pPr marL="2286000" lvl="4" indent="-228600" algn="l">
-              <a:lnSpc>
-                <a:spcPct val="90000"/>
-              </a:lnSpc>
-              <a:spcBef>
-                <a:spcPts val="500"/>
-              </a:spcBef>
-              <a:spcAft>
-                <a:spcPts val="0"/>
-              </a:spcAft>
-              <a:buClr>
-                <a:schemeClr val="dk1"/>
-              </a:buClr>
-              <a:buSzPts val="1600"/>
-              <a:buNone/>
-              <a:defRPr sz="1600" b="1"/>
-            </a:lvl5pPr>
-            <a:lvl6pPr marL="2743200" lvl="5" indent="-228600" algn="l">
-              <a:lnSpc>
-                <a:spcPct val="90000"/>
-              </a:lnSpc>
-              <a:spcBef>
-                <a:spcPts val="500"/>
-              </a:spcBef>
-              <a:spcAft>
-                <a:spcPts val="0"/>
-              </a:spcAft>
-              <a:buClr>
-                <a:schemeClr val="dk1"/>
-              </a:buClr>
-              <a:buSzPts val="1600"/>
-              <a:buNone/>
-              <a:defRPr sz="1600" b="1"/>
-            </a:lvl6pPr>
-            <a:lvl7pPr marL="3200400" lvl="6" indent="-228600" algn="l">
-              <a:lnSpc>
-                <a:spcPct val="90000"/>
-              </a:lnSpc>
-              <a:spcBef>
-                <a:spcPts val="500"/>
-              </a:spcBef>
-              <a:spcAft>
-                <a:spcPts val="0"/>
-              </a:spcAft>
-              <a:buClr>
-                <a:schemeClr val="dk1"/>
-              </a:buClr>
-              <a:buSzPts val="1600"/>
-              <a:buNone/>
-              <a:defRPr sz="1600" b="1"/>
-            </a:lvl7pPr>
-            <a:lvl8pPr marL="3657600" lvl="7" indent="-228600" algn="l">
-              <a:lnSpc>
-                <a:spcPct val="90000"/>
-              </a:lnSpc>
-              <a:spcBef>
-                <a:spcPts val="500"/>
-              </a:spcBef>
-              <a:spcAft>
-                <a:spcPts val="0"/>
-              </a:spcAft>
-              <a:buClr>
-                <a:schemeClr val="dk1"/>
-              </a:buClr>
-              <a:buSzPts val="1600"/>
-              <a:buNone/>
-              <a:defRPr sz="1600" b="1"/>
-            </a:lvl8pPr>
-            <a:lvl9pPr marL="4114800" lvl="8" indent="-228600" algn="l">
-              <a:lnSpc>
-                <a:spcPct val="90000"/>
-              </a:lnSpc>
-              <a:spcBef>
-                <a:spcPts val="500"/>
-              </a:spcBef>
-              <a:spcAft>
-                <a:spcPts val="0"/>
-              </a:spcAft>
-              <a:buClr>
-                <a:schemeClr val="dk1"/>
-              </a:buClr>
-              <a:buSzPts val="1600"/>
-              <a:buNone/>
-              <a:defRPr sz="1600" b="1"/>
-            </a:lvl9pPr>
-          </a:lstStyle>
-          <a:p>
-            <a:endParaRPr/>
-          </a:p>
-        </p:txBody>
-      </p:sp>
-      <p:sp>
-        <p:nvSpPr>
-          <p:cNvPr id="43" name="Google Shape;43;p7"/>
-          <p:cNvSpPr txBox="1">
-            <a:spLocks noGrp="1"/>
-          </p:cNvSpPr>
-          <p:nvPr>
-            <p:ph type="body" idx="2"/>
-          </p:nvPr>
-        </p:nvSpPr>
-        <p:spPr>
-          <a:xfrm>
-            <a:off x="839788" y="2505075"/>
-            <a:ext cx="5157787" cy="3684588"/>
-          </a:xfrm>
-          <a:prstGeom prst="rect">
-            <a:avLst/>
-          </a:prstGeom>
-          <a:noFill/>
-          <a:ln>
-            <a:noFill/>
-          </a:ln>
-        </p:spPr>
-        <p:txBody>
-          <a:bodyPr spcFirstLastPara="1" wrap="square" lIns="91425" tIns="45700" rIns="91425" bIns="45700" anchor="t" anchorCtr="0">
-            <a:noAutofit/>
-          </a:bodyPr>
-          <a:lstStyle>
-            <a:lvl1pPr marL="457200" lvl="0" indent="-342900" algn="l">
-              <a:lnSpc>
-                <a:spcPct val="90000"/>
-              </a:lnSpc>
-              <a:spcBef>
-                <a:spcPts val="1000"/>
-              </a:spcBef>
-              <a:spcAft>
-                <a:spcPts val="0"/>
-              </a:spcAft>
-              <a:buClr>
-                <a:schemeClr val="dk1"/>
-              </a:buClr>
-              <a:buSzPts val="1800"/>
-              <a:buChar char="•"/>
-              <a:defRPr/>
-            </a:lvl1pPr>
-            <a:lvl2pPr marL="914400" lvl="1" indent="-342900" algn="l">
-              <a:lnSpc>
-                <a:spcPct val="90000"/>
-              </a:lnSpc>
-              <a:spcBef>
-                <a:spcPts val="500"/>
-              </a:spcBef>
-              <a:spcAft>
-                <a:spcPts val="0"/>
-              </a:spcAft>
-              <a:buClr>
-                <a:schemeClr val="dk1"/>
-              </a:buClr>
-              <a:buSzPts val="1800"/>
-              <a:buChar char="•"/>
-              <a:defRPr/>
-            </a:lvl2pPr>
-            <a:lvl3pPr marL="1371600" lvl="2" indent="-342900" algn="l">
-              <a:lnSpc>
-                <a:spcPct val="90000"/>
-              </a:lnSpc>
-              <a:spcBef>
-                <a:spcPts val="500"/>
-              </a:spcBef>
-              <a:spcAft>
-                <a:spcPts val="0"/>
-              </a:spcAft>
-              <a:buClr>
-                <a:schemeClr val="dk1"/>
-              </a:buClr>
-              <a:buSzPts val="1800"/>
-              <a:buChar char="•"/>
-              <a:defRPr/>
-            </a:lvl3pPr>
-            <a:lvl4pPr marL="1828800" lvl="3" indent="-342900" algn="l">
-              <a:lnSpc>
-                <a:spcPct val="90000"/>
-              </a:lnSpc>
-              <a:spcBef>
-                <a:spcPts val="500"/>
-              </a:spcBef>
-              <a:spcAft>
-                <a:spcPts val="0"/>
-              </a:spcAft>
-              <a:buClr>
-                <a:schemeClr val="dk1"/>
-              </a:buClr>
-              <a:buSzPts val="1800"/>
-              <a:buChar char="•"/>
-              <a:defRPr/>
-            </a:lvl4pPr>
-            <a:lvl5pPr marL="2286000" lvl="4" indent="-342900" algn="l">
-              <a:lnSpc>
-                <a:spcPct val="90000"/>
-              </a:lnSpc>
-              <a:spcBef>
-                <a:spcPts val="500"/>
-              </a:spcBef>
-              <a:spcAft>
-                <a:spcPts val="0"/>
-              </a:spcAft>
-              <a:buClr>
-                <a:schemeClr val="dk1"/>
-              </a:buClr>
-              <a:buSzPts val="1800"/>
-              <a:buChar char="•"/>
-              <a:defRPr/>
-            </a:lvl5pPr>
-            <a:lvl6pPr marL="2743200" lvl="5" indent="-342900" algn="l">
-              <a:lnSpc>
-                <a:spcPct val="90000"/>
-              </a:lnSpc>
-              <a:spcBef>
-                <a:spcPts val="500"/>
-              </a:spcBef>
-              <a:spcAft>
-                <a:spcPts val="0"/>
-              </a:spcAft>
-              <a:buClr>
-                <a:schemeClr val="dk1"/>
-              </a:buClr>
-              <a:buSzPts val="1800"/>
-              <a:buChar char="•"/>
-              <a:defRPr/>
-            </a:lvl6pPr>
-            <a:lvl7pPr marL="3200400" lvl="6" indent="-342900" algn="l">
-              <a:lnSpc>
-                <a:spcPct val="90000"/>
-              </a:lnSpc>
-              <a:spcBef>
-                <a:spcPts val="500"/>
-              </a:spcBef>
-              <a:spcAft>
-                <a:spcPts val="0"/>
-              </a:spcAft>
-              <a:buClr>
-                <a:schemeClr val="dk1"/>
-              </a:buClr>
-              <a:buSzPts val="1800"/>
-              <a:buChar char="•"/>
-              <a:defRPr/>
-            </a:lvl7pPr>
-            <a:lvl8pPr marL="3657600" lvl="7" indent="-342900" algn="l">
-              <a:lnSpc>
-                <a:spcPct val="90000"/>
-              </a:lnSpc>
-              <a:spcBef>
-                <a:spcPts val="500"/>
-              </a:spcBef>
-              <a:spcAft>
-                <a:spcPts val="0"/>
-              </a:spcAft>
-              <a:buClr>
-                <a:schemeClr val="dk1"/>
-              </a:buClr>
-              <a:buSzPts val="1800"/>
-              <a:buChar char="•"/>
-              <a:defRPr/>
-            </a:lvl8pPr>
-            <a:lvl9pPr marL="4114800" lvl="8" indent="-342900" algn="l">
-              <a:lnSpc>
-                <a:spcPct val="90000"/>
-              </a:lnSpc>
-              <a:spcBef>
-                <a:spcPts val="500"/>
-              </a:spcBef>
-              <a:spcAft>
-                <a:spcPts val="0"/>
-              </a:spcAft>
-              <a:buClr>
-                <a:schemeClr val="dk1"/>
-              </a:buClr>
-              <a:buSzPts val="1800"/>
-              <a:buChar char="•"/>
-              <a:defRPr/>
-            </a:lvl9pPr>
-          </a:lstStyle>
-          <a:p>
-            <a:endParaRPr/>
-          </a:p>
-        </p:txBody>
-      </p:sp>
-      <p:sp>
-        <p:nvSpPr>
-          <p:cNvPr id="44" name="Google Shape;44;p7"/>
-          <p:cNvSpPr txBox="1">
-            <a:spLocks noGrp="1"/>
-          </p:cNvSpPr>
-          <p:nvPr>
-            <p:ph type="body" idx="3"/>
-          </p:nvPr>
-        </p:nvSpPr>
-        <p:spPr>
-          <a:xfrm>
-            <a:off x="6172200" y="1681163"/>
-            <a:ext cx="5183188" cy="823912"/>
-          </a:xfrm>
-          <a:prstGeom prst="rect">
-            <a:avLst/>
-          </a:prstGeom>
-          <a:noFill/>
-          <a:ln>
-            <a:noFill/>
-          </a:ln>
-        </p:spPr>
-        <p:txBody>
-          <a:bodyPr spcFirstLastPara="1" wrap="square" lIns="91425" tIns="45700" rIns="91425" bIns="45700" anchor="b" anchorCtr="0">
-            <a:noAutofit/>
-          </a:bodyPr>
-          <a:lstStyle>
-            <a:lvl1pPr marL="457200" lvl="0" indent="-228600" algn="l">
-              <a:lnSpc>
-                <a:spcPct val="90000"/>
-              </a:lnSpc>
-              <a:spcBef>
-                <a:spcPts val="1000"/>
-              </a:spcBef>
-              <a:spcAft>
-                <a:spcPts val="0"/>
-              </a:spcAft>
-              <a:buClr>
-                <a:schemeClr val="dk1"/>
-              </a:buClr>
-              <a:buSzPts val="2400"/>
-              <a:buNone/>
-              <a:defRPr sz="2400" b="1"/>
-            </a:lvl1pPr>
-            <a:lvl2pPr marL="914400" lvl="1" indent="-228600" algn="l">
-              <a:lnSpc>
-                <a:spcPct val="90000"/>
-              </a:lnSpc>
-              <a:spcBef>
-                <a:spcPts val="500"/>
-              </a:spcBef>
-              <a:spcAft>
-                <a:spcPts val="0"/>
-              </a:spcAft>
-              <a:buClr>
-                <a:schemeClr val="dk1"/>
-              </a:buClr>
-              <a:buSzPts val="2000"/>
-              <a:buNone/>
-              <a:defRPr sz="2000" b="1"/>
-            </a:lvl2pPr>
-            <a:lvl3pPr marL="1371600" lvl="2" indent="-228600" algn="l">
-              <a:lnSpc>
-                <a:spcPct val="90000"/>
-              </a:lnSpc>
-              <a:spcBef>
-                <a:spcPts val="500"/>
-              </a:spcBef>
-              <a:spcAft>
-                <a:spcPts val="0"/>
-              </a:spcAft>
-              <a:buClr>
-                <a:schemeClr val="dk1"/>
-              </a:buClr>
-              <a:buSzPts val="1800"/>
-              <a:buNone/>
-              <a:defRPr sz="1800" b="1"/>
-            </a:lvl3pPr>
-            <a:lvl4pPr marL="1828800" lvl="3" indent="-228600" algn="l">
-              <a:lnSpc>
-                <a:spcPct val="90000"/>
-              </a:lnSpc>
-              <a:spcBef>
-                <a:spcPts val="500"/>
-              </a:spcBef>
-              <a:spcAft>
-                <a:spcPts val="0"/>
-              </a:spcAft>
-              <a:buClr>
-                <a:schemeClr val="dk1"/>
-              </a:buClr>
-              <a:buSzPts val="1600"/>
-              <a:buNone/>
-              <a:defRPr sz="1600" b="1"/>
-            </a:lvl4pPr>
-            <a:lvl5pPr marL="2286000" lvl="4" indent="-228600" algn="l">
-              <a:lnSpc>
-                <a:spcPct val="90000"/>
-              </a:lnSpc>
-              <a:spcBef>
-                <a:spcPts val="500"/>
-              </a:spcBef>
-              <a:spcAft>
-                <a:spcPts val="0"/>
-              </a:spcAft>
-              <a:buClr>
-                <a:schemeClr val="dk1"/>
-              </a:buClr>
-              <a:buSzPts val="1600"/>
-              <a:buNone/>
-              <a:defRPr sz="1600" b="1"/>
-            </a:lvl5pPr>
-            <a:lvl6pPr marL="2743200" lvl="5" indent="-228600" algn="l">
-              <a:lnSpc>
-                <a:spcPct val="90000"/>
-              </a:lnSpc>
-              <a:spcBef>
-                <a:spcPts val="500"/>
-              </a:spcBef>
-              <a:spcAft>
-                <a:spcPts val="0"/>
-              </a:spcAft>
-              <a:buClr>
-                <a:schemeClr val="dk1"/>
-              </a:buClr>
-              <a:buSzPts val="1600"/>
-              <a:buNone/>
-              <a:defRPr sz="1600" b="1"/>
-            </a:lvl6pPr>
-            <a:lvl7pPr marL="3200400" lvl="6" indent="-228600" algn="l">
-              <a:lnSpc>
-                <a:spcPct val="90000"/>
-              </a:lnSpc>
-              <a:spcBef>
-                <a:spcPts val="500"/>
-              </a:spcBef>
-              <a:spcAft>
-                <a:spcPts val="0"/>
-              </a:spcAft>
-              <a:buClr>
-                <a:schemeClr val="dk1"/>
-              </a:buClr>
-              <a:buSzPts val="1600"/>
-              <a:buNone/>
-              <a:defRPr sz="1600" b="1"/>
-            </a:lvl7pPr>
-            <a:lvl8pPr marL="3657600" lvl="7" indent="-228600" algn="l">
-              <a:lnSpc>
-                <a:spcPct val="90000"/>
-              </a:lnSpc>
-              <a:spcBef>
-                <a:spcPts val="500"/>
-              </a:spcBef>
-              <a:spcAft>
-                <a:spcPts val="0"/>
-              </a:spcAft>
-              <a:buClr>
-                <a:schemeClr val="dk1"/>
-              </a:buClr>
-              <a:buSzPts val="1600"/>
-              <a:buNone/>
-              <a:defRPr sz="1600" b="1"/>
-            </a:lvl8pPr>
-            <a:lvl9pPr marL="4114800" lvl="8" indent="-228600" algn="l">
-              <a:lnSpc>
-                <a:spcPct val="90000"/>
-              </a:lnSpc>
-              <a:spcBef>
-                <a:spcPts val="500"/>
-              </a:spcBef>
-              <a:spcAft>
-                <a:spcPts val="0"/>
-              </a:spcAft>
-              <a:buClr>
-                <a:schemeClr val="dk1"/>
-              </a:buClr>
-              <a:buSzPts val="1600"/>
-              <a:buNone/>
-              <a:defRPr sz="1600" b="1"/>
-            </a:lvl9pPr>
-          </a:lstStyle>
-          <a:p>
-            <a:endParaRPr/>
-          </a:p>
-        </p:txBody>
-      </p:sp>
-      <p:sp>
-        <p:nvSpPr>
-          <p:cNvPr id="45" name="Google Shape;45;p7"/>
-          <p:cNvSpPr txBox="1">
-            <a:spLocks noGrp="1"/>
-          </p:cNvSpPr>
-          <p:nvPr>
-            <p:ph type="body" idx="4"/>
-          </p:nvPr>
-        </p:nvSpPr>
-        <p:spPr>
-          <a:xfrm>
-            <a:off x="6172200" y="2505075"/>
-            <a:ext cx="5183188" cy="3684588"/>
-          </a:xfrm>
-          <a:prstGeom prst="rect">
-            <a:avLst/>
-          </a:prstGeom>
-          <a:noFill/>
-          <a:ln>
-            <a:noFill/>
-          </a:ln>
-        </p:spPr>
-        <p:txBody>
-          <a:bodyPr spcFirstLastPara="1" wrap="square" lIns="91425" tIns="45700" rIns="91425" bIns="45700" anchor="t" anchorCtr="0">
-            <a:noAutofit/>
-          </a:bodyPr>
-          <a:lstStyle>
-            <a:lvl1pPr marL="457200" lvl="0" indent="-342900" algn="l">
-              <a:lnSpc>
-                <a:spcPct val="90000"/>
-              </a:lnSpc>
-              <a:spcBef>
-                <a:spcPts val="1000"/>
-              </a:spcBef>
-              <a:spcAft>
-                <a:spcPts val="0"/>
-              </a:spcAft>
-              <a:buClr>
-                <a:schemeClr val="dk1"/>
-              </a:buClr>
-              <a:buSzPts val="1800"/>
-              <a:buChar char="•"/>
-              <a:defRPr/>
-            </a:lvl1pPr>
-            <a:lvl2pPr marL="914400" lvl="1" indent="-342900" algn="l">
-              <a:lnSpc>
-                <a:spcPct val="90000"/>
-              </a:lnSpc>
-              <a:spcBef>
-                <a:spcPts val="500"/>
-              </a:spcBef>
-              <a:spcAft>
-                <a:spcPts val="0"/>
-              </a:spcAft>
-              <a:buClr>
-                <a:schemeClr val="dk1"/>
-              </a:buClr>
-              <a:buSzPts val="1800"/>
-              <a:buChar char="•"/>
-              <a:defRPr/>
-            </a:lvl2pPr>
-            <a:lvl3pPr marL="1371600" lvl="2" indent="-342900" algn="l">
-              <a:lnSpc>
-                <a:spcPct val="90000"/>
-              </a:lnSpc>
-              <a:spcBef>
-                <a:spcPts val="500"/>
-              </a:spcBef>
-              <a:spcAft>
-                <a:spcPts val="0"/>
-              </a:spcAft>
-              <a:buClr>
-                <a:schemeClr val="dk1"/>
-              </a:buClr>
-              <a:buSzPts val="1800"/>
-              <a:buChar char="•"/>
-              <a:defRPr/>
-            </a:lvl3pPr>
-            <a:lvl4pPr marL="1828800" lvl="3" indent="-342900" algn="l">
-              <a:lnSpc>
-                <a:spcPct val="90000"/>
-              </a:lnSpc>
-              <a:spcBef>
-                <a:spcPts val="500"/>
-              </a:spcBef>
-              <a:spcAft>
-                <a:spcPts val="0"/>
-              </a:spcAft>
-              <a:buClr>
-                <a:schemeClr val="dk1"/>
-              </a:buClr>
-              <a:buSzPts val="1800"/>
-              <a:buChar char="•"/>
-              <a:defRPr/>
-            </a:lvl4pPr>
-            <a:lvl5pPr marL="2286000" lvl="4" indent="-342900" algn="l">
-              <a:lnSpc>
-                <a:spcPct val="90000"/>
-              </a:lnSpc>
-              <a:spcBef>
-                <a:spcPts val="500"/>
-              </a:spcBef>
-              <a:spcAft>
-                <a:spcPts val="0"/>
-              </a:spcAft>
-              <a:buClr>
-                <a:schemeClr val="dk1"/>
-              </a:buClr>
-              <a:buSzPts val="1800"/>
-              <a:buChar char="•"/>
-              <a:defRPr/>
-            </a:lvl5pPr>
-            <a:lvl6pPr marL="2743200" lvl="5" indent="-342900" algn="l">
-              <a:lnSpc>
-                <a:spcPct val="90000"/>
-              </a:lnSpc>
-              <a:spcBef>
-                <a:spcPts val="500"/>
-              </a:spcBef>
-              <a:spcAft>
-                <a:spcPts val="0"/>
-              </a:spcAft>
-              <a:buClr>
-                <a:schemeClr val="dk1"/>
-              </a:buClr>
-              <a:buSzPts val="1800"/>
-              <a:buChar char="•"/>
-              <a:defRPr/>
-            </a:lvl6pPr>
-            <a:lvl7pPr marL="3200400" lvl="6" indent="-342900" algn="l">
-              <a:lnSpc>
-                <a:spcPct val="90000"/>
-              </a:lnSpc>
-              <a:spcBef>
-                <a:spcPts val="500"/>
-              </a:spcBef>
-              <a:spcAft>
-                <a:spcPts val="0"/>
-              </a:spcAft>
-              <a:buClr>
-                <a:schemeClr val="dk1"/>
-              </a:buClr>
-              <a:buSzPts val="1800"/>
-              <a:buChar char="•"/>
-              <a:defRPr/>
-            </a:lvl7pPr>
-            <a:lvl8pPr marL="3657600" lvl="7" indent="-342900" algn="l">
-              <a:lnSpc>
-                <a:spcPct val="90000"/>
-              </a:lnSpc>
-              <a:spcBef>
-                <a:spcPts val="500"/>
-              </a:spcBef>
-              <a:spcAft>
-                <a:spcPts val="0"/>
-              </a:spcAft>
-              <a:buClr>
-                <a:schemeClr val="dk1"/>
-              </a:buClr>
-              <a:buSzPts val="1800"/>
-              <a:buChar char="•"/>
-              <a:defRPr/>
-            </a:lvl8pPr>
-            <a:lvl9pPr marL="4114800" lvl="8" indent="-342900" algn="l">
-              <a:lnSpc>
-                <a:spcPct val="90000"/>
-              </a:lnSpc>
-              <a:spcBef>
-                <a:spcPts val="500"/>
-              </a:spcBef>
-              <a:spcAft>
-                <a:spcPts val="0"/>
-              </a:spcAft>
-              <a:buClr>
-                <a:schemeClr val="dk1"/>
-              </a:buClr>
-              <a:buSzPts val="1800"/>
-              <a:buChar char="•"/>
-              <a:defRPr/>
-            </a:lvl9pPr>
-          </a:lstStyle>
-          <a:p>
-            <a:endParaRPr/>
-          </a:p>
-        </p:txBody>
-      </p:sp>
-      <p:sp>
-        <p:nvSpPr>
-          <p:cNvPr id="46" name="Google Shape;46;p7"/>
-          <p:cNvSpPr txBox="1">
-            <a:spLocks noGrp="1"/>
-          </p:cNvSpPr>
-          <p:nvPr>
-            <p:ph type="dt" idx="10"/>
-          </p:nvPr>
-        </p:nvSpPr>
-        <p:spPr>
-          <a:xfrm>
-            <a:off x="838200" y="6356350"/>
-            <a:ext cx="2743200" cy="365125"/>
-          </a:xfrm>
-          <a:prstGeom prst="rect">
-            <a:avLst/>
-          </a:prstGeom>
-          <a:noFill/>
-          <a:ln>
-            <a:noFill/>
-          </a:ln>
-        </p:spPr>
-        <p:txBody>
-          <a:bodyPr spcFirstLastPara="1" wrap="square" lIns="91425" tIns="45700" rIns="91425" bIns="45700" anchor="ctr" anchorCtr="0">
-            <a:noAutofit/>
-          </a:bodyPr>
-          <a:lstStyle>
-            <a:lvl1pPr lvl="0" algn="l">
-              <a:spcBef>
-                <a:spcPts val="0"/>
-              </a:spcBef>
-              <a:spcAft>
-                <a:spcPts val="0"/>
-              </a:spcAft>
-              <a:buSzPts val="1400"/>
-              <a:buNone/>
-              <a:defRPr/>
-            </a:lvl1pPr>
-            <a:lvl2pPr lvl="1" algn="l">
-              <a:spcBef>
-                <a:spcPts val="0"/>
-              </a:spcBef>
-              <a:spcAft>
-                <a:spcPts val="0"/>
-              </a:spcAft>
-              <a:buSzPts val="1400"/>
-              <a:buNone/>
-              <a:defRPr/>
-            </a:lvl2pPr>
-            <a:lvl3pPr lvl="2" algn="l">
-              <a:spcBef>
-                <a:spcPts val="0"/>
-              </a:spcBef>
-              <a:spcAft>
-                <a:spcPts val="0"/>
-              </a:spcAft>
-              <a:buSzPts val="1400"/>
-              <a:buNone/>
-              <a:defRPr/>
-            </a:lvl3pPr>
-            <a:lvl4pPr lvl="3" algn="l">
-              <a:spcBef>
-                <a:spcPts val="0"/>
-              </a:spcBef>
-              <a:spcAft>
-                <a:spcPts val="0"/>
-              </a:spcAft>
-              <a:buSzPts val="1400"/>
-              <a:buNone/>
-              <a:defRPr/>
-            </a:lvl4pPr>
-            <a:lvl5pPr lvl="4" algn="l">
-              <a:spcBef>
-                <a:spcPts val="0"/>
-              </a:spcBef>
-              <a:spcAft>
-                <a:spcPts val="0"/>
-              </a:spcAft>
-              <a:buSzPts val="1400"/>
-              <a:buNone/>
-              <a:defRPr/>
-            </a:lvl5pPr>
-            <a:lvl6pPr lvl="5" algn="l">
-              <a:spcBef>
-                <a:spcPts val="0"/>
-              </a:spcBef>
-              <a:spcAft>
-                <a:spcPts val="0"/>
-              </a:spcAft>
-              <a:buSzPts val="1400"/>
-              <a:buNone/>
-              <a:defRPr/>
-            </a:lvl6pPr>
-            <a:lvl7pPr lvl="6" algn="l">
-              <a:spcBef>
-                <a:spcPts val="0"/>
-              </a:spcBef>
-              <a:spcAft>
-                <a:spcPts val="0"/>
-              </a:spcAft>
-              <a:buSzPts val="1400"/>
-              <a:buNone/>
-              <a:defRPr/>
-            </a:lvl7pPr>
-            <a:lvl8pPr lvl="7" algn="l">
-              <a:spcBef>
-                <a:spcPts val="0"/>
-              </a:spcBef>
-              <a:spcAft>
-                <a:spcPts val="0"/>
-              </a:spcAft>
-              <a:buSzPts val="1400"/>
-              <a:buNone/>
-              <a:defRPr/>
-            </a:lvl8pPr>
-            <a:lvl9pPr lvl="8" algn="l">
-              <a:spcBef>
-                <a:spcPts val="0"/>
-              </a:spcBef>
-              <a:spcAft>
-                <a:spcPts val="0"/>
-              </a:spcAft>
-              <a:buSzPts val="1400"/>
-              <a:buNone/>
-              <a:defRPr/>
-            </a:lvl9pPr>
-          </a:lstStyle>
-          <a:p>
-            <a:endParaRPr/>
-          </a:p>
-        </p:txBody>
-      </p:sp>
-      <p:sp>
-        <p:nvSpPr>
-          <p:cNvPr id="47" name="Google Shape;47;p7"/>
-          <p:cNvSpPr txBox="1">
-            <a:spLocks noGrp="1"/>
-          </p:cNvSpPr>
-          <p:nvPr>
-            <p:ph type="ftr" idx="11"/>
-          </p:nvPr>
-        </p:nvSpPr>
-        <p:spPr>
-          <a:xfrm>
-            <a:off x="4038600" y="6356350"/>
-            <a:ext cx="4114800" cy="365125"/>
-          </a:xfrm>
-          <a:prstGeom prst="rect">
-            <a:avLst/>
-          </a:prstGeom>
-          <a:noFill/>
-          <a:ln>
-            <a:noFill/>
-          </a:ln>
-        </p:spPr>
-        <p:txBody>
-          <a:bodyPr spcFirstLastPara="1" wrap="square" lIns="91425" tIns="45700" rIns="91425" bIns="45700" anchor="ctr" anchorCtr="0">
-            <a:noAutofit/>
-          </a:bodyPr>
-          <a:lstStyle>
-            <a:lvl1pPr lvl="0" algn="ctr">
-              <a:spcBef>
-                <a:spcPts val="0"/>
-              </a:spcBef>
-              <a:spcAft>
-                <a:spcPts val="0"/>
-              </a:spcAft>
-              <a:buSzPts val="1400"/>
-              <a:buNone/>
-              <a:defRPr/>
-            </a:lvl1pPr>
-            <a:lvl2pPr lvl="1" algn="l">
-              <a:spcBef>
-                <a:spcPts val="0"/>
-              </a:spcBef>
-              <a:spcAft>
-                <a:spcPts val="0"/>
-              </a:spcAft>
-              <a:buSzPts val="1400"/>
-              <a:buNone/>
-              <a:defRPr/>
-            </a:lvl2pPr>
-            <a:lvl3pPr lvl="2" algn="l">
-              <a:spcBef>
-                <a:spcPts val="0"/>
-              </a:spcBef>
-              <a:spcAft>
-                <a:spcPts val="0"/>
-              </a:spcAft>
-              <a:buSzPts val="1400"/>
-              <a:buNone/>
-              <a:defRPr/>
-            </a:lvl3pPr>
-            <a:lvl4pPr lvl="3" algn="l">
-              <a:spcBef>
-                <a:spcPts val="0"/>
-              </a:spcBef>
-              <a:spcAft>
-                <a:spcPts val="0"/>
-              </a:spcAft>
-              <a:buSzPts val="1400"/>
-              <a:buNone/>
-              <a:defRPr/>
-            </a:lvl4pPr>
-            <a:lvl5pPr lvl="4" algn="l">
-              <a:spcBef>
-                <a:spcPts val="0"/>
-              </a:spcBef>
-              <a:spcAft>
-                <a:spcPts val="0"/>
-              </a:spcAft>
-              <a:buSzPts val="1400"/>
-              <a:buNone/>
-              <a:defRPr/>
-            </a:lvl5pPr>
-            <a:lvl6pPr lvl="5" algn="l">
-              <a:spcBef>
-                <a:spcPts val="0"/>
-              </a:spcBef>
-              <a:spcAft>
-                <a:spcPts val="0"/>
-              </a:spcAft>
-              <a:buSzPts val="1400"/>
-              <a:buNone/>
-              <a:defRPr/>
-            </a:lvl6pPr>
-            <a:lvl7pPr lvl="6" algn="l">
-              <a:spcBef>
-                <a:spcPts val="0"/>
-              </a:spcBef>
-              <a:spcAft>
-                <a:spcPts val="0"/>
-              </a:spcAft>
-              <a:buSzPts val="1400"/>
-              <a:buNone/>
-              <a:defRPr/>
-            </a:lvl7pPr>
-            <a:lvl8pPr lvl="7" algn="l">
-              <a:spcBef>
-                <a:spcPts val="0"/>
-              </a:spcBef>
-              <a:spcAft>
-                <a:spcPts val="0"/>
-              </a:spcAft>
-              <a:buSzPts val="1400"/>
-              <a:buNone/>
-              <a:defRPr/>
-            </a:lvl8pPr>
-            <a:lvl9pPr lvl="8" algn="l">
-              <a:spcBef>
-                <a:spcPts val="0"/>
-              </a:spcBef>
-              <a:spcAft>
-                <a:spcPts val="0"/>
-              </a:spcAft>
-              <a:buSzPts val="1400"/>
-              <a:buNone/>
-              <a:defRPr/>
-            </a:lvl9pPr>
-          </a:lstStyle>
-          <a:p>
-            <a:endParaRPr/>
-          </a:p>
-        </p:txBody>
-      </p:sp>
-      <p:sp>
-        <p:nvSpPr>
-          <p:cNvPr id="48" name="Google Shape;48;p7"/>
-          <p:cNvSpPr txBox="1">
-            <a:spLocks noGrp="1"/>
-          </p:cNvSpPr>
-          <p:nvPr>
-            <p:ph type="sldNum" idx="12"/>
-          </p:nvPr>
-        </p:nvSpPr>
-        <p:spPr>
-          <a:xfrm>
-            <a:off x="8610600" y="6356350"/>
-            <a:ext cx="2743200" cy="365125"/>
-          </a:xfrm>
-          <a:prstGeom prst="rect">
-            <a:avLst/>
-          </a:prstGeom>
-          <a:noFill/>
-          <a:ln>
-            <a:noFill/>
-          </a:ln>
-        </p:spPr>
-        <p:txBody>
-          <a:bodyPr spcFirstLastPara="1" wrap="square" lIns="91425" tIns="45700" rIns="91425" bIns="45700" anchor="ctr" anchorCtr="0">
-            <a:noAutofit/>
-          </a:bodyPr>
-          <a:lstStyle>
-            <a:lvl1pPr marL="0" lvl="0" indent="0" algn="r">
-              <a:spcBef>
-                <a:spcPts val="0"/>
-              </a:spcBef>
-              <a:buNone/>
-              <a:defRPr/>
-            </a:lvl1pPr>
-            <a:lvl2pPr marL="0" lvl="1" indent="0" algn="r">
-              <a:spcBef>
-                <a:spcPts val="0"/>
-              </a:spcBef>
-              <a:buNone/>
-              <a:defRPr/>
-            </a:lvl2pPr>
-            <a:lvl3pPr marL="0" lvl="2" indent="0" algn="r">
-              <a:spcBef>
-                <a:spcPts val="0"/>
-              </a:spcBef>
-              <a:buNone/>
-              <a:defRPr/>
-            </a:lvl3pPr>
-            <a:lvl4pPr marL="0" lvl="3" indent="0" algn="r">
-              <a:spcBef>
-                <a:spcPts val="0"/>
-              </a:spcBef>
-              <a:buNone/>
-              <a:defRPr/>
-            </a:lvl4pPr>
-            <a:lvl5pPr marL="0" lvl="4" indent="0" algn="r">
-              <a:spcBef>
-                <a:spcPts val="0"/>
-              </a:spcBef>
-              <a:buNone/>
-              <a:defRPr/>
-            </a:lvl5pPr>
-            <a:lvl6pPr marL="0" lvl="5" indent="0" algn="r">
-              <a:spcBef>
-                <a:spcPts val="0"/>
-              </a:spcBef>
-              <a:buNone/>
-              <a:defRPr/>
-            </a:lvl6pPr>
-            <a:lvl7pPr marL="0" lvl="6" indent="0" algn="r">
-              <a:spcBef>
-                <a:spcPts val="0"/>
-              </a:spcBef>
-              <a:buNone/>
-              <a:defRPr/>
-            </a:lvl7pPr>
-            <a:lvl8pPr marL="0" lvl="7" indent="0" algn="r">
-              <a:spcBef>
-                <a:spcPts val="0"/>
-              </a:spcBef>
-              <a:buNone/>
-              <a:defRPr/>
-            </a:lvl8pPr>
-            <a:lvl9pPr marL="0" lvl="8" indent="0" algn="r">
-              <a:spcBef>
-                <a:spcPts val="0"/>
-              </a:spcBef>
-              <a:buNone/>
-              <a:defRPr/>
-            </a:lvl9pPr>
-          </a:lstStyle>
-          <a:p>
-            <a:pPr marL="0" lvl="0" indent="0" algn="r" rtl="0">
-              <a:spcBef>
-                <a:spcPts val="0"/>
-              </a:spcBef>
-              <a:spcAft>
-                <a:spcPts val="0"/>
-              </a:spcAft>
-              <a:buNone/>
-            </a:pPr>
-            <a:fld id="{00000000-1234-1234-1234-123412341234}" type="slidenum">
-              <a:rPr lang="en-US"/>
-              <a:t>‹#›</a:t>
-            </a:fld>
-            <a:endParaRPr/>
-          </a:p>
-        </p:txBody>
-      </p:sp>
-    </p:spTree>
-  </p:cSld>
-  <p:clrMapOvr>
-    <a:masterClrMapping/>
-  </p:clrMapOvr>
-</p:sldLayout>
-</file>
-
-<file path=ppt/slideLayouts/slideLayout9.xml><?xml version="1.0" encoding="utf-8"?>
-<p:sldLayout xmlns:a="http://schemas.openxmlformats.org/drawingml/2006/main" xmlns:r="http://schemas.openxmlformats.org/officeDocument/2006/relationships" xmlns:p="http://schemas.openxmlformats.org/presentationml/2006/main" matchingName="Title Only" type="titleOnly">
-  <p:cSld name="TITLE_ONLY">
-    <p:spTree>
-      <p:nvGrpSpPr>
-        <p:cNvPr id="1" name="Shape 49"/>
-        <p:cNvGrpSpPr/>
-        <p:nvPr/>
-      </p:nvGrpSpPr>
-      <p:grpSpPr>
-        <a:xfrm>
-          <a:off x="0" y="0"/>
-          <a:ext cx="0" cy="0"/>
-          <a:chOff x="0" y="0"/>
-          <a:chExt cx="0" cy="0"/>
-        </a:xfrm>
-      </p:grpSpPr>
-      <p:sp>
-        <p:nvSpPr>
-          <p:cNvPr id="50" name="Google Shape;50;p8"/>
-          <p:cNvSpPr txBox="1">
-            <a:spLocks noGrp="1"/>
-          </p:cNvSpPr>
-          <p:nvPr>
-            <p:ph type="title"/>
-          </p:nvPr>
-        </p:nvSpPr>
-        <p:spPr>
-          <a:xfrm>
-            <a:off x="838200" y="365125"/>
-            <a:ext cx="10515600" cy="1325563"/>
-          </a:xfrm>
-          <a:prstGeom prst="rect">
-            <a:avLst/>
-          </a:prstGeom>
-          <a:noFill/>
-          <a:ln>
-            <a:noFill/>
-          </a:ln>
-        </p:spPr>
-        <p:txBody>
-          <a:bodyPr spcFirstLastPara="1" wrap="square" lIns="91425" tIns="45700" rIns="91425" bIns="45700" anchor="ctr" anchorCtr="0">
-            <a:noAutofit/>
-          </a:bodyPr>
-          <a:lstStyle>
-            <a:lvl1pPr lvl="0" algn="l">
-              <a:lnSpc>
-                <a:spcPct val="90000"/>
-              </a:lnSpc>
-              <a:spcBef>
-                <a:spcPts val="0"/>
-              </a:spcBef>
-              <a:spcAft>
-                <a:spcPts val="0"/>
-              </a:spcAft>
-              <a:buClr>
-                <a:schemeClr val="dk1"/>
-              </a:buClr>
-              <a:buSzPts val="1800"/>
-              <a:buNone/>
-              <a:defRPr/>
-            </a:lvl1pPr>
-            <a:lvl2pPr lvl="1">
-              <a:spcBef>
-                <a:spcPts val="0"/>
-              </a:spcBef>
-              <a:spcAft>
-                <a:spcPts val="0"/>
-              </a:spcAft>
-              <a:buSzPts val="1400"/>
-              <a:buNone/>
-              <a:defRPr/>
-            </a:lvl2pPr>
-            <a:lvl3pPr lvl="2">
-              <a:spcBef>
-                <a:spcPts val="0"/>
-              </a:spcBef>
-              <a:spcAft>
-                <a:spcPts val="0"/>
-              </a:spcAft>
-              <a:buSzPts val="1400"/>
-              <a:buNone/>
-              <a:defRPr/>
-            </a:lvl3pPr>
-            <a:lvl4pPr lvl="3">
-              <a:spcBef>
-                <a:spcPts val="0"/>
-              </a:spcBef>
-              <a:spcAft>
-                <a:spcPts val="0"/>
-              </a:spcAft>
-              <a:buSzPts val="1400"/>
-              <a:buNone/>
-              <a:defRPr/>
-            </a:lvl4pPr>
-            <a:lvl5pPr lvl="4">
-              <a:spcBef>
-                <a:spcPts val="0"/>
-              </a:spcBef>
-              <a:spcAft>
-                <a:spcPts val="0"/>
-              </a:spcAft>
-              <a:buSzPts val="1400"/>
-              <a:buNone/>
-              <a:defRPr/>
-            </a:lvl5pPr>
-            <a:lvl6pPr lvl="5">
-              <a:spcBef>
-                <a:spcPts val="0"/>
-              </a:spcBef>
-              <a:spcAft>
-                <a:spcPts val="0"/>
-              </a:spcAft>
-              <a:buSzPts val="1400"/>
-              <a:buNone/>
-              <a:defRPr/>
-            </a:lvl6pPr>
-            <a:lvl7pPr lvl="6">
-              <a:spcBef>
-                <a:spcPts val="0"/>
-              </a:spcBef>
-              <a:spcAft>
-                <a:spcPts val="0"/>
-              </a:spcAft>
-              <a:buSzPts val="1400"/>
-              <a:buNone/>
-              <a:defRPr/>
-            </a:lvl7pPr>
-            <a:lvl8pPr lvl="7">
-              <a:spcBef>
-                <a:spcPts val="0"/>
-              </a:spcBef>
-              <a:spcAft>
-                <a:spcPts val="0"/>
-              </a:spcAft>
-              <a:buSzPts val="1400"/>
-              <a:buNone/>
-              <a:defRPr/>
-            </a:lvl8pPr>
-            <a:lvl9pPr lvl="8">
-              <a:spcBef>
-                <a:spcPts val="0"/>
-              </a:spcBef>
-              <a:spcAft>
-                <a:spcPts val="0"/>
-              </a:spcAft>
-              <a:buSzPts val="1400"/>
-              <a:buNone/>
-              <a:defRPr/>
-            </a:lvl9pPr>
-          </a:lstStyle>
-          <a:p>
-            <a:endParaRPr/>
-          </a:p>
-        </p:txBody>
-      </p:sp>
-      <p:sp>
-        <p:nvSpPr>
-          <p:cNvPr id="51" name="Google Shape;51;p8"/>
-          <p:cNvSpPr txBox="1">
-            <a:spLocks noGrp="1"/>
-          </p:cNvSpPr>
-          <p:nvPr>
-            <p:ph type="dt" idx="10"/>
-          </p:nvPr>
-        </p:nvSpPr>
-        <p:spPr>
-          <a:xfrm>
-            <a:off x="838200" y="6356350"/>
-            <a:ext cx="2743200" cy="365125"/>
-          </a:xfrm>
-          <a:prstGeom prst="rect">
-            <a:avLst/>
-          </a:prstGeom>
-          <a:noFill/>
-          <a:ln>
-            <a:noFill/>
-          </a:ln>
-        </p:spPr>
-        <p:txBody>
-          <a:bodyPr spcFirstLastPara="1" wrap="square" lIns="91425" tIns="45700" rIns="91425" bIns="45700" anchor="ctr" anchorCtr="0">
-            <a:noAutofit/>
-          </a:bodyPr>
-          <a:lstStyle>
-            <a:lvl1pPr lvl="0" algn="l">
-              <a:spcBef>
-                <a:spcPts val="0"/>
-              </a:spcBef>
-              <a:spcAft>
-                <a:spcPts val="0"/>
-              </a:spcAft>
-              <a:buSzPts val="1400"/>
-              <a:buNone/>
-              <a:defRPr/>
-            </a:lvl1pPr>
-            <a:lvl2pPr lvl="1" algn="l">
-              <a:spcBef>
-                <a:spcPts val="0"/>
-              </a:spcBef>
-              <a:spcAft>
-                <a:spcPts val="0"/>
-              </a:spcAft>
-              <a:buSzPts val="1400"/>
-              <a:buNone/>
-              <a:defRPr/>
-            </a:lvl2pPr>
-            <a:lvl3pPr lvl="2" algn="l">
-              <a:spcBef>
-                <a:spcPts val="0"/>
-              </a:spcBef>
-              <a:spcAft>
-                <a:spcPts val="0"/>
-              </a:spcAft>
-              <a:buSzPts val="1400"/>
-              <a:buNone/>
-              <a:defRPr/>
-            </a:lvl3pPr>
-            <a:lvl4pPr lvl="3" algn="l">
-              <a:spcBef>
-                <a:spcPts val="0"/>
-              </a:spcBef>
-              <a:spcAft>
-                <a:spcPts val="0"/>
-              </a:spcAft>
-              <a:buSzPts val="1400"/>
-              <a:buNone/>
-              <a:defRPr/>
-            </a:lvl4pPr>
-            <a:lvl5pPr lvl="4" algn="l">
-              <a:spcBef>
-                <a:spcPts val="0"/>
-              </a:spcBef>
-              <a:spcAft>
-                <a:spcPts val="0"/>
-              </a:spcAft>
-              <a:buSzPts val="1400"/>
-              <a:buNone/>
-              <a:defRPr/>
-            </a:lvl5pPr>
-            <a:lvl6pPr lvl="5" algn="l">
-              <a:spcBef>
-                <a:spcPts val="0"/>
-              </a:spcBef>
-              <a:spcAft>
-                <a:spcPts val="0"/>
-              </a:spcAft>
-              <a:buSzPts val="1400"/>
-              <a:buNone/>
-              <a:defRPr/>
-            </a:lvl6pPr>
-            <a:lvl7pPr lvl="6" algn="l">
-              <a:spcBef>
-                <a:spcPts val="0"/>
-              </a:spcBef>
-              <a:spcAft>
-                <a:spcPts val="0"/>
-              </a:spcAft>
-              <a:buSzPts val="1400"/>
-              <a:buNone/>
-              <a:defRPr/>
-            </a:lvl7pPr>
-            <a:lvl8pPr lvl="7" algn="l">
-              <a:spcBef>
-                <a:spcPts val="0"/>
-              </a:spcBef>
-              <a:spcAft>
-                <a:spcPts val="0"/>
-              </a:spcAft>
-              <a:buSzPts val="1400"/>
-              <a:buNone/>
-              <a:defRPr/>
-            </a:lvl8pPr>
-            <a:lvl9pPr lvl="8" algn="l">
-              <a:spcBef>
-                <a:spcPts val="0"/>
-              </a:spcBef>
-              <a:spcAft>
-                <a:spcPts val="0"/>
-              </a:spcAft>
-              <a:buSzPts val="1400"/>
-              <a:buNone/>
-              <a:defRPr/>
-            </a:lvl9pPr>
-          </a:lstStyle>
-          <a:p>
-            <a:endParaRPr/>
-          </a:p>
-        </p:txBody>
-      </p:sp>
-      <p:sp>
-        <p:nvSpPr>
-          <p:cNvPr id="52" name="Google Shape;52;p8"/>
-          <p:cNvSpPr txBox="1">
-            <a:spLocks noGrp="1"/>
-          </p:cNvSpPr>
-          <p:nvPr>
-            <p:ph type="ftr" idx="11"/>
-          </p:nvPr>
-        </p:nvSpPr>
-        <p:spPr>
-          <a:xfrm>
-            <a:off x="4038600" y="6356350"/>
-            <a:ext cx="4114800" cy="365125"/>
-          </a:xfrm>
-          <a:prstGeom prst="rect">
-            <a:avLst/>
-          </a:prstGeom>
-          <a:noFill/>
-          <a:ln>
-            <a:noFill/>
-          </a:ln>
-        </p:spPr>
-        <p:txBody>
-          <a:bodyPr spcFirstLastPara="1" wrap="square" lIns="91425" tIns="45700" rIns="91425" bIns="45700" anchor="ctr" anchorCtr="0">
-            <a:noAutofit/>
-          </a:bodyPr>
-          <a:lstStyle>
-            <a:lvl1pPr lvl="0" algn="ctr">
-              <a:spcBef>
-                <a:spcPts val="0"/>
-              </a:spcBef>
-              <a:spcAft>
-                <a:spcPts val="0"/>
-              </a:spcAft>
-              <a:buSzPts val="1400"/>
-              <a:buNone/>
-              <a:defRPr/>
-            </a:lvl1pPr>
-            <a:lvl2pPr lvl="1" algn="l">
-              <a:spcBef>
-                <a:spcPts val="0"/>
-              </a:spcBef>
-              <a:spcAft>
-                <a:spcPts val="0"/>
-              </a:spcAft>
-              <a:buSzPts val="1400"/>
-              <a:buNone/>
-              <a:defRPr/>
-            </a:lvl2pPr>
-            <a:lvl3pPr lvl="2" algn="l">
-              <a:spcBef>
-                <a:spcPts val="0"/>
-              </a:spcBef>
-              <a:spcAft>
-                <a:spcPts val="0"/>
-              </a:spcAft>
-              <a:buSzPts val="1400"/>
-              <a:buNone/>
-              <a:defRPr/>
-            </a:lvl3pPr>
-            <a:lvl4pPr lvl="3" algn="l">
-              <a:spcBef>
-                <a:spcPts val="0"/>
-              </a:spcBef>
-              <a:spcAft>
-                <a:spcPts val="0"/>
-              </a:spcAft>
-              <a:buSzPts val="1400"/>
-              <a:buNone/>
-              <a:defRPr/>
-            </a:lvl4pPr>
-            <a:lvl5pPr lvl="4" algn="l">
-              <a:spcBef>
-                <a:spcPts val="0"/>
-              </a:spcBef>
-              <a:spcAft>
-                <a:spcPts val="0"/>
-              </a:spcAft>
-              <a:buSzPts val="1400"/>
-              <a:buNone/>
-              <a:defRPr/>
-            </a:lvl5pPr>
-            <a:lvl6pPr lvl="5" algn="l">
-              <a:spcBef>
-                <a:spcPts val="0"/>
-              </a:spcBef>
-              <a:spcAft>
-                <a:spcPts val="0"/>
-              </a:spcAft>
-              <a:buSzPts val="1400"/>
-              <a:buNone/>
-              <a:defRPr/>
-            </a:lvl6pPr>
-            <a:lvl7pPr lvl="6" algn="l">
-              <a:spcBef>
-                <a:spcPts val="0"/>
-              </a:spcBef>
-              <a:spcAft>
-                <a:spcPts val="0"/>
-              </a:spcAft>
-              <a:buSzPts val="1400"/>
-              <a:buNone/>
-              <a:defRPr/>
-            </a:lvl7pPr>
-            <a:lvl8pPr lvl="7" algn="l">
-              <a:spcBef>
-                <a:spcPts val="0"/>
-              </a:spcBef>
-              <a:spcAft>
-                <a:spcPts val="0"/>
-              </a:spcAft>
-              <a:buSzPts val="1400"/>
-              <a:buNone/>
-              <a:defRPr/>
-            </a:lvl8pPr>
-            <a:lvl9pPr lvl="8" algn="l">
-              <a:spcBef>
-                <a:spcPts val="0"/>
-              </a:spcBef>
-              <a:spcAft>
-                <a:spcPts val="0"/>
-              </a:spcAft>
-              <a:buSzPts val="1400"/>
-              <a:buNone/>
-              <a:defRPr/>
-            </a:lvl9pPr>
-          </a:lstStyle>
-          <a:p>
-            <a:endParaRPr/>
-          </a:p>
-        </p:txBody>
-      </p:sp>
-      <p:sp>
-        <p:nvSpPr>
-          <p:cNvPr id="53" name="Google Shape;53;p8"/>
-          <p:cNvSpPr txBox="1">
-            <a:spLocks noGrp="1"/>
-          </p:cNvSpPr>
-          <p:nvPr>
-            <p:ph type="sldNum" idx="12"/>
-          </p:nvPr>
-        </p:nvSpPr>
-        <p:spPr>
-          <a:xfrm>
-            <a:off x="8610600" y="6356350"/>
-            <a:ext cx="2743200" cy="365125"/>
-          </a:xfrm>
-          <a:prstGeom prst="rect">
-            <a:avLst/>
-          </a:prstGeom>
-          <a:noFill/>
-          <a:ln>
-            <a:noFill/>
-          </a:ln>
-        </p:spPr>
-        <p:txBody>
-          <a:bodyPr spcFirstLastPara="1" wrap="square" lIns="91425" tIns="45700" rIns="91425" bIns="45700" anchor="ctr" anchorCtr="0">
-            <a:noAutofit/>
-          </a:bodyPr>
-          <a:lstStyle>
-            <a:lvl1pPr marL="0" lvl="0" indent="0" algn="r">
-              <a:spcBef>
-                <a:spcPts val="0"/>
-              </a:spcBef>
-              <a:buNone/>
-              <a:defRPr/>
-            </a:lvl1pPr>
-            <a:lvl2pPr marL="0" lvl="1" indent="0" algn="r">
-              <a:spcBef>
-                <a:spcPts val="0"/>
-              </a:spcBef>
-              <a:buNone/>
-              <a:defRPr/>
-            </a:lvl2pPr>
-            <a:lvl3pPr marL="0" lvl="2" indent="0" algn="r">
-              <a:spcBef>
-                <a:spcPts val="0"/>
-              </a:spcBef>
-              <a:buNone/>
-              <a:defRPr/>
-            </a:lvl3pPr>
-            <a:lvl4pPr marL="0" lvl="3" indent="0" algn="r">
-              <a:spcBef>
-                <a:spcPts val="0"/>
-              </a:spcBef>
-              <a:buNone/>
-              <a:defRPr/>
-            </a:lvl4pPr>
-            <a:lvl5pPr marL="0" lvl="4" indent="0" algn="r">
-              <a:spcBef>
-                <a:spcPts val="0"/>
-              </a:spcBef>
-              <a:buNone/>
-              <a:defRPr/>
-            </a:lvl5pPr>
-            <a:lvl6pPr marL="0" lvl="5" indent="0" algn="r">
-              <a:spcBef>
-                <a:spcPts val="0"/>
-              </a:spcBef>
-              <a:buNone/>
-              <a:defRPr/>
-            </a:lvl6pPr>
-            <a:lvl7pPr marL="0" lvl="6" indent="0" algn="r">
-              <a:spcBef>
-                <a:spcPts val="0"/>
-              </a:spcBef>
-              <a:buNone/>
-              <a:defRPr/>
-            </a:lvl7pPr>
-            <a:lvl8pPr marL="0" lvl="7" indent="0" algn="r">
-              <a:spcBef>
-                <a:spcPts val="0"/>
-              </a:spcBef>
-              <a:buNone/>
-              <a:defRPr/>
-            </a:lvl8pPr>
-            <a:lvl9pPr marL="0" lvl="8" indent="0" algn="r">
-              <a:spcBef>
-                <a:spcPts val="0"/>
-              </a:spcBef>
-              <a:buNone/>
-              <a:defRPr/>
-            </a:lvl9pPr>
-          </a:lstStyle>
-          <a:p>
-            <a:pPr marL="0" lvl="0" indent="0" algn="r" rtl="0">
-              <a:spcBef>
-                <a:spcPts val="0"/>
-              </a:spcBef>
-              <a:spcAft>
-                <a:spcPts val="0"/>
-              </a:spcAft>
-              <a:buNone/>
-            </a:pPr>
-            <a:fld id="{00000000-1234-1234-1234-123412341234}" type="slidenum">
-              <a:rPr lang="en-US"/>
-              <a:t>‹#›</a:t>
-            </a:fld>
-            <a:endParaRPr/>
+            <a:r>
+              <a:rPr lang="en-US" sz="4800" b="1" i="0" u="none" strike="noStrike" cap="none" dirty="0">
+                <a:solidFill>
+                  <a:srgbClr val="FBE4D4"/>
+                </a:solidFill>
+                <a:latin typeface="Lato"/>
+                <a:ea typeface="Lato"/>
+                <a:cs typeface="Lato"/>
+                <a:sym typeface="Lato"/>
+              </a:rPr>
+              <a:t>Announcements</a:t>
+            </a:r>
+            <a:endParaRPr dirty="0"/>
           </a:p>
         </p:txBody>
       </p:sp>
@@ -9645,14 +7123,16 @@
     <p:sldLayoutId id="2147483661" r:id="rId3"/>
     <p:sldLayoutId id="2147483662" r:id="rId4"/>
     <p:sldLayoutId id="2147483663" r:id="rId5"/>
-    <p:sldLayoutId id="2147483651" r:id="rId6"/>
-    <p:sldLayoutId id="2147483652" r:id="rId7"/>
-    <p:sldLayoutId id="2147483653" r:id="rId8"/>
-    <p:sldLayoutId id="2147483654" r:id="rId9"/>
-    <p:sldLayoutId id="2147483655" r:id="rId10"/>
-    <p:sldLayoutId id="2147483656" r:id="rId11"/>
-    <p:sldLayoutId id="2147483657" r:id="rId12"/>
-    <p:sldLayoutId id="2147483658" r:id="rId13"/>
+    <p:sldLayoutId id="2147483664" r:id="rId6"/>
+    <p:sldLayoutId id="2147483665" r:id="rId7"/>
+    <p:sldLayoutId id="2147483651" r:id="rId8"/>
+    <p:sldLayoutId id="2147483652" r:id="rId9"/>
+    <p:sldLayoutId id="2147483653" r:id="rId10"/>
+    <p:sldLayoutId id="2147483666" r:id="rId11"/>
+    <p:sldLayoutId id="2147483654" r:id="rId12"/>
+    <p:sldLayoutId id="2147483656" r:id="rId13"/>
+    <p:sldLayoutId id="2147483657" r:id="rId14"/>
+    <p:sldLayoutId id="2147483658" r:id="rId15"/>
   </p:sldLayoutIdLst>
   <p:hf sldNum="0" hdr="0" ftr="0" dt="0"/>
   <p:txStyles>

--- a/Presentations/Remaja_template.pptx
+++ b/Presentations/Remaja_template.pptx
@@ -991,6 +991,9 @@
   <p:clrMapOvr>
     <a:masterClrMapping/>
   </p:clrMapOvr>
+  <p:transition spd="slow">
+    <p:fade/>
+  </p:transition>
 </p:sldLayout>
 </file>
 
@@ -4875,6 +4878,18 @@
   <p:clrMapOvr>
     <a:masterClrMapping/>
   </p:clrMapOvr>
+  <mc:AlternateContent xmlns:mc="http://schemas.openxmlformats.org/markup-compatibility/2006">
+    <mc:Choice xmlns:p14="http://schemas.microsoft.com/office/powerpoint/2010/main" Requires="p14">
+      <p:transition spd="med" p14:dur="700">
+        <p:fade/>
+      </p:transition>
+    </mc:Choice>
+    <mc:Fallback>
+      <p:transition spd="med">
+        <p:fade/>
+      </p:transition>
+    </mc:Fallback>
+  </mc:AlternateContent>
 </p:sldLayout>
 </file>
 
@@ -5047,6 +5062,18 @@
   <p:clrMapOvr>
     <a:masterClrMapping/>
   </p:clrMapOvr>
+  <mc:AlternateContent xmlns:mc="http://schemas.openxmlformats.org/markup-compatibility/2006">
+    <mc:Choice xmlns:p14="http://schemas.microsoft.com/office/powerpoint/2010/main" Requires="p14">
+      <p:transition spd="med" p14:dur="700">
+        <p:fade/>
+      </p:transition>
+    </mc:Choice>
+    <mc:Fallback>
+      <p:transition spd="med">
+        <p:fade/>
+      </p:transition>
+    </mc:Fallback>
+  </mc:AlternateContent>
 </p:sldLayout>
 </file>
 
@@ -5219,6 +5246,18 @@
   <p:clrMapOvr>
     <a:masterClrMapping/>
   </p:clrMapOvr>
+  <mc:AlternateContent xmlns:mc="http://schemas.openxmlformats.org/markup-compatibility/2006">
+    <mc:Choice xmlns:p14="http://schemas.microsoft.com/office/powerpoint/2010/main" Requires="p14">
+      <p:transition spd="med" p14:dur="700">
+        <p:fade/>
+      </p:transition>
+    </mc:Choice>
+    <mc:Fallback>
+      <p:transition spd="med">
+        <p:fade/>
+      </p:transition>
+    </mc:Fallback>
+  </mc:AlternateContent>
 </p:sldLayout>
 </file>
 
@@ -5435,6 +5474,9 @@
   <p:clrMapOvr>
     <a:masterClrMapping/>
   </p:clrMapOvr>
+  <p:transition>
+    <p:fade/>
+  </p:transition>
   <p:extLst>
     <p:ext uri="{DCECCB84-F9BA-43D5-87BE-67443E8EF086}">
       <p15:sldGuideLst xmlns:p15="http://schemas.microsoft.com/office/powerpoint/2012/main">
@@ -5667,6 +5709,9 @@
   <p:clrMapOvr>
     <a:masterClrMapping/>
   </p:clrMapOvr>
+  <p:transition>
+    <p:fade/>
+  </p:transition>
   <p:extLst>
     <p:ext uri="{DCECCB84-F9BA-43D5-87BE-67443E8EF086}">
       <p15:sldGuideLst xmlns:p15="http://schemas.microsoft.com/office/powerpoint/2012/main">
@@ -5940,6 +5985,9 @@
   <p:clrMapOvr>
     <a:masterClrMapping/>
   </p:clrMapOvr>
+  <p:transition>
+    <p:fade/>
+  </p:transition>
   <p:extLst>
     <p:ext uri="{DCECCB84-F9BA-43D5-87BE-67443E8EF086}">
       <p15:sldGuideLst xmlns:p15="http://schemas.microsoft.com/office/powerpoint/2012/main">
@@ -7857,9 +7905,18 @@
   <p:clrMapOvr>
     <a:masterClrMapping/>
   </p:clrMapOvr>
-  <p:transition spd="slow">
-    <p:fade/>
-  </p:transition>
+  <mc:AlternateContent xmlns:mc="http://schemas.openxmlformats.org/markup-compatibility/2006">
+    <mc:Choice xmlns:p14="http://schemas.microsoft.com/office/powerpoint/2010/main" Requires="p14">
+      <p:transition spd="med" p14:dur="700">
+        <p:fade/>
+      </p:transition>
+    </mc:Choice>
+    <mc:Fallback>
+      <p:transition spd="med">
+        <p:fade/>
+      </p:transition>
+    </mc:Fallback>
+  </mc:AlternateContent>
 </p:sld>
 </file>
 

--- a/Presentations/Remaja_template.pptx
+++ b/Presentations/Remaja_template.pptx
@@ -1019,6 +1019,18 @@
   <p:clrMapOvr>
     <a:masterClrMapping/>
   </p:clrMapOvr>
+  <mc:AlternateContent xmlns:mc="http://schemas.openxmlformats.org/markup-compatibility/2006">
+    <mc:Choice xmlns:p14="http://schemas.microsoft.com/office/powerpoint/2010/main" Requires="p14">
+      <p:transition spd="med" p14:dur="700">
+        <p:fade/>
+      </p:transition>
+    </mc:Choice>
+    <mc:Fallback>
+      <p:transition spd="med">
+        <p:fade/>
+      </p:transition>
+    </mc:Fallback>
+  </mc:AlternateContent>
 </p:sldLayout>
 </file>
 
@@ -1648,6 +1660,18 @@
   <p:clrMapOvr>
     <a:masterClrMapping/>
   </p:clrMapOvr>
+  <mc:AlternateContent xmlns:mc="http://schemas.openxmlformats.org/markup-compatibility/2006">
+    <mc:Choice xmlns:p14="http://schemas.microsoft.com/office/powerpoint/2010/main" Requires="p14">
+      <p:transition spd="med" p14:dur="700">
+        <p:fade/>
+      </p:transition>
+    </mc:Choice>
+    <mc:Fallback>
+      <p:transition spd="med">
+        <p:fade/>
+      </p:transition>
+    </mc:Fallback>
+  </mc:AlternateContent>
   <p:extLst>
     <p:ext uri="{DCECCB84-F9BA-43D5-87BE-67443E8EF086}">
       <p15:sldGuideLst xmlns:p15="http://schemas.microsoft.com/office/powerpoint/2012/main">
@@ -2142,6 +2166,18 @@
   <p:clrMapOvr>
     <a:masterClrMapping/>
   </p:clrMapOvr>
+  <mc:AlternateContent xmlns:mc="http://schemas.openxmlformats.org/markup-compatibility/2006">
+    <mc:Choice xmlns:p14="http://schemas.microsoft.com/office/powerpoint/2010/main" Requires="p14">
+      <p:transition spd="med" p14:dur="700">
+        <p:fade/>
+      </p:transition>
+    </mc:Choice>
+    <mc:Fallback>
+      <p:transition spd="med">
+        <p:fade/>
+      </p:transition>
+    </mc:Fallback>
+  </mc:AlternateContent>
   <p:timing>
     <p:tnLst>
       <p:par>
@@ -4803,8 +4839,8 @@
         </p:nvSpPr>
         <p:spPr>
           <a:xfrm>
-            <a:off x="838200" y="2574925"/>
-            <a:ext cx="10515600" cy="1325563"/>
+            <a:off x="838200" y="3012948"/>
+            <a:ext cx="10515600" cy="832104"/>
           </a:xfrm>
         </p:spPr>
         <p:txBody>
@@ -4846,12 +4882,12 @@
         </p:nvSpPr>
         <p:spPr>
           <a:xfrm>
-            <a:off x="3067050" y="3900488"/>
-            <a:ext cx="6057900" cy="442912"/>
+            <a:off x="3067050" y="3845052"/>
+            <a:ext cx="6057900" cy="365760"/>
           </a:xfrm>
         </p:spPr>
         <p:txBody>
-          <a:bodyPr/>
+          <a:bodyPr anchor="b"/>
           <a:lstStyle>
             <a:lvl1pPr marL="50800" indent="0" algn="ctr">
               <a:buNone/>
@@ -4982,8 +5018,8 @@
         </p:nvSpPr>
         <p:spPr>
           <a:xfrm>
-            <a:off x="838200" y="2574925"/>
-            <a:ext cx="10515600" cy="1325563"/>
+            <a:off x="838200" y="3012948"/>
+            <a:ext cx="10515600" cy="832104"/>
           </a:xfrm>
         </p:spPr>
         <p:txBody>
@@ -5025,12 +5061,12 @@
         </p:nvSpPr>
         <p:spPr>
           <a:xfrm>
-            <a:off x="3067050" y="3900488"/>
-            <a:ext cx="6057900" cy="442912"/>
+            <a:off x="3064764" y="3845052"/>
+            <a:ext cx="6062472" cy="365760"/>
           </a:xfrm>
         </p:spPr>
         <p:txBody>
-          <a:bodyPr/>
+          <a:bodyPr anchor="b"/>
           <a:lstStyle>
             <a:lvl1pPr marL="50800" indent="0" algn="ctr">
               <a:buNone/>
@@ -5166,8 +5202,8 @@
         </p:nvSpPr>
         <p:spPr>
           <a:xfrm>
-            <a:off x="838200" y="2574925"/>
-            <a:ext cx="10515600" cy="1325563"/>
+            <a:off x="838200" y="3012948"/>
+            <a:ext cx="10515600" cy="832104"/>
           </a:xfrm>
         </p:spPr>
         <p:txBody>
@@ -5209,12 +5245,12 @@
         </p:nvSpPr>
         <p:spPr>
           <a:xfrm>
-            <a:off x="3067050" y="3900488"/>
-            <a:ext cx="6057900" cy="442912"/>
+            <a:off x="3067050" y="3845052"/>
+            <a:ext cx="6057900" cy="365760"/>
           </a:xfrm>
         </p:spPr>
         <p:txBody>
-          <a:bodyPr/>
+          <a:bodyPr anchor="b"/>
           <a:lstStyle>
             <a:lvl1pPr marL="50800" indent="0" algn="ctr">
               <a:buNone/>
@@ -5474,9 +5510,18 @@
   <p:clrMapOvr>
     <a:masterClrMapping/>
   </p:clrMapOvr>
-  <p:transition>
-    <p:fade/>
-  </p:transition>
+  <mc:AlternateContent xmlns:mc="http://schemas.openxmlformats.org/markup-compatibility/2006">
+    <mc:Choice xmlns:p14="http://schemas.microsoft.com/office/powerpoint/2010/main" Requires="p14">
+      <p:transition p14:dur="250">
+        <p:fade/>
+      </p:transition>
+    </mc:Choice>
+    <mc:Fallback>
+      <p:transition>
+        <p:fade/>
+      </p:transition>
+    </mc:Fallback>
+  </mc:AlternateContent>
   <p:extLst>
     <p:ext uri="{DCECCB84-F9BA-43D5-87BE-67443E8EF086}">
       <p15:sldGuideLst xmlns:p15="http://schemas.microsoft.com/office/powerpoint/2012/main">
@@ -5709,9 +5754,18 @@
   <p:clrMapOvr>
     <a:masterClrMapping/>
   </p:clrMapOvr>
-  <p:transition>
-    <p:fade/>
-  </p:transition>
+  <mc:AlternateContent xmlns:mc="http://schemas.openxmlformats.org/markup-compatibility/2006">
+    <mc:Choice xmlns:p14="http://schemas.microsoft.com/office/powerpoint/2010/main" Requires="p14">
+      <p:transition p14:dur="250">
+        <p:fade/>
+      </p:transition>
+    </mc:Choice>
+    <mc:Fallback>
+      <p:transition>
+        <p:fade/>
+      </p:transition>
+    </mc:Fallback>
+  </mc:AlternateContent>
   <p:extLst>
     <p:ext uri="{DCECCB84-F9BA-43D5-87BE-67443E8EF086}">
       <p15:sldGuideLst xmlns:p15="http://schemas.microsoft.com/office/powerpoint/2012/main">
@@ -5985,9 +6039,18 @@
   <p:clrMapOvr>
     <a:masterClrMapping/>
   </p:clrMapOvr>
-  <p:transition>
-    <p:fade/>
-  </p:transition>
+  <mc:AlternateContent xmlns:mc="http://schemas.openxmlformats.org/markup-compatibility/2006">
+    <mc:Choice xmlns:p14="http://schemas.microsoft.com/office/powerpoint/2010/main" Requires="p14">
+      <p:transition p14:dur="250">
+        <p:fade/>
+      </p:transition>
+    </mc:Choice>
+    <mc:Fallback>
+      <p:transition>
+        <p:fade/>
+      </p:transition>
+    </mc:Fallback>
+  </mc:AlternateContent>
   <p:extLst>
     <p:ext uri="{DCECCB84-F9BA-43D5-87BE-67443E8EF086}">
       <p15:sldGuideLst xmlns:p15="http://schemas.microsoft.com/office/powerpoint/2012/main">
@@ -6037,6 +6100,18 @@
   <p:clrMapOvr>
     <a:masterClrMapping/>
   </p:clrMapOvr>
+  <mc:AlternateContent xmlns:mc="http://schemas.openxmlformats.org/markup-compatibility/2006">
+    <mc:Choice xmlns:p14="http://schemas.microsoft.com/office/powerpoint/2010/main" Requires="p14">
+      <p:transition spd="med" p14:dur="700">
+        <p:fade/>
+      </p:transition>
+    </mc:Choice>
+    <mc:Fallback>
+      <p:transition spd="med">
+        <p:fade/>
+      </p:transition>
+    </mc:Fallback>
+  </mc:AlternateContent>
 </p:sldLayout>
 </file>
 
@@ -6126,6 +6201,18 @@
   <p:clrMapOvr>
     <a:masterClrMapping/>
   </p:clrMapOvr>
+  <mc:AlternateContent xmlns:mc="http://schemas.openxmlformats.org/markup-compatibility/2006">
+    <mc:Choice xmlns:p14="http://schemas.microsoft.com/office/powerpoint/2010/main" Requires="p14">
+      <p:transition spd="med" p14:dur="700">
+        <p:fade/>
+      </p:transition>
+    </mc:Choice>
+    <mc:Fallback>
+      <p:transition spd="med">
+        <p:fade/>
+      </p:transition>
+    </mc:Fallback>
+  </mc:AlternateContent>
 </p:sldLayout>
 </file>
 

--- a/Presentations/Remaja_template.pptx
+++ b/Presentations/Remaja_template.pptx
@@ -1790,7 +1790,10 @@
           <a:lstStyle/>
           <a:p>
             <a:pPr algn="ctr"/>
-            <a:endParaRPr lang="en-US"/>
+            <a:r>
+              <a:rPr lang="en-US" dirty="0"/>
+              <a:t>3</a:t>
+            </a:r>
           </a:p>
         </p:txBody>
       </p:sp>
